--- a/01. Introduction-to-ASP.NET/Introduction-to-ASP.NET.pptx
+++ b/01. Introduction-to-ASP.NET/Introduction-to-ASP.NET.pptx
@@ -5,10 +5,10 @@
     <p:sldMasterId id="2147483672" r:id="rId1"/>
   </p:sldMasterIdLst>
   <p:notesMasterIdLst>
-    <p:notesMasterId r:id="rId42"/>
+    <p:notesMasterId r:id="rId44"/>
   </p:notesMasterIdLst>
   <p:handoutMasterIdLst>
-    <p:handoutMasterId r:id="rId43"/>
+    <p:handoutMasterId r:id="rId45"/>
   </p:handoutMasterIdLst>
   <p:sldIdLst>
     <p:sldId id="320" r:id="rId2"/>
@@ -32,8 +32,8 @@
     <p:sldId id="393" r:id="rId20"/>
     <p:sldId id="398" r:id="rId21"/>
     <p:sldId id="399" r:id="rId22"/>
-    <p:sldId id="419" r:id="rId23"/>
-    <p:sldId id="420" r:id="rId24"/>
+    <p:sldId id="420" r:id="rId23"/>
+    <p:sldId id="419" r:id="rId24"/>
     <p:sldId id="421" r:id="rId25"/>
     <p:sldId id="422" r:id="rId26"/>
     <p:sldId id="423" r:id="rId27"/>
@@ -47,15 +47,17 @@
     <p:sldId id="407" r:id="rId35"/>
     <p:sldId id="427" r:id="rId36"/>
     <p:sldId id="408" r:id="rId37"/>
-    <p:sldId id="429" r:id="rId38"/>
-    <p:sldId id="383" r:id="rId39"/>
-    <p:sldId id="333" r:id="rId40"/>
-    <p:sldId id="428" r:id="rId41"/>
+    <p:sldId id="432" r:id="rId38"/>
+    <p:sldId id="430" r:id="rId39"/>
+    <p:sldId id="434" r:id="rId40"/>
+    <p:sldId id="433" r:id="rId41"/>
+    <p:sldId id="383" r:id="rId42"/>
+    <p:sldId id="333" r:id="rId43"/>
   </p:sldIdLst>
   <p:sldSz cx="9144000" cy="6858000" type="screen4x3"/>
   <p:notesSz cx="6881813" cy="9296400"/>
   <p:custDataLst>
-    <p:tags r:id="rId44"/>
+    <p:tags r:id="rId46"/>
   </p:custDataLst>
   <p:defaultTextStyle>
     <a:defPPr>
@@ -330,7 +332,7 @@
             <a:fld id="{3BF7C7B5-275F-4D1F-9AB4-9255447DBC73}" type="datetimeFigureOut">
               <a:rPr lang="en-US"/>
               <a:pPr/>
-              <a:t>10/13/2014</a:t>
+              <a:t>1/17/2016</a:t>
             </a:fld>
             <a:endParaRPr lang="en-US" dirty="0"/>
           </a:p>
@@ -561,7 +563,7 @@
             <a:fld id="{9B46F231-FB2B-4655-A644-E2477325E686}" type="datetimeFigureOut">
               <a:rPr lang="en-US"/>
               <a:pPr/>
-              <a:t>10/13/2014</a:t>
+              <a:t>1/17/2016</a:t>
             </a:fld>
             <a:endParaRPr lang="en-US" dirty="0"/>
           </a:p>
@@ -1280,7 +1282,7 @@
             <a:fld id="{6FB4F6EA-423E-42DF-9292-215E7D886C4E}" type="slidenum">
               <a:rPr lang="en-US" smtClean="0"/>
               <a:pPr/>
-              <a:t>23</a:t>
+              <a:t>22</a:t>
             </a:fld>
             <a:endParaRPr lang="en-US" dirty="0"/>
           </a:p>
@@ -7487,8 +7489,8 @@
         </p:nvSpPr>
         <p:spPr>
           <a:xfrm>
-            <a:off x="2362200" y="763942"/>
-            <a:ext cx="4572000" cy="1522058"/>
+            <a:off x="2308217" y="763941"/>
+            <a:ext cx="4572000" cy="2269849"/>
           </a:xfrm>
         </p:spPr>
         <p:txBody>
@@ -7496,21 +7498,21 @@
           <a:lstStyle/>
           <a:p>
             <a:r>
-              <a:rPr lang="en-US" dirty="0" smtClean="0"/>
+              <a:rPr lang="en-US" sz="5400" dirty="0" smtClean="0"/>
               <a:t>ASP.NET</a:t>
             </a:r>
             <a:br>
-              <a:rPr lang="en-US" dirty="0" smtClean="0"/>
+              <a:rPr lang="en-US" sz="5400" dirty="0" smtClean="0"/>
             </a:br>
             <a:r>
-              <a:rPr lang="en-US" dirty="0" smtClean="0"/>
-              <a:t>App </a:t>
-            </a:r>
-            <a:r>
-              <a:rPr lang="en-US" dirty="0" smtClean="0"/>
+              <a:rPr lang="en-US" sz="5400" dirty="0" smtClean="0"/>
+              <a:t>Application </a:t>
+            </a:r>
+            <a:r>
+              <a:rPr lang="en-US" sz="5400" dirty="0" smtClean="0"/>
               <a:t>Structure</a:t>
             </a:r>
-            <a:endParaRPr lang="en-US" dirty="0"/>
+            <a:endParaRPr lang="en-US" sz="5400" dirty="0"/>
           </a:p>
         </p:txBody>
       </p:sp>
@@ -7526,7 +7528,7 @@
         </p:nvSpPr>
         <p:spPr>
           <a:xfrm>
-            <a:off x="2717322" y="2286000"/>
+            <a:off x="2662201" y="3033791"/>
             <a:ext cx="3886200" cy="990600"/>
           </a:xfrm>
         </p:spPr>
@@ -7536,22 +7538,14 @@
           <a:p>
             <a:r>
               <a:rPr lang="en-US" dirty="0" smtClean="0"/>
-              <a:t>Typical </a:t>
-            </a:r>
-            <a:r>
-              <a:rPr lang="en-US" dirty="0" smtClean="0"/>
-              <a:t>Application</a:t>
+              <a:t>Typical Application</a:t>
             </a:r>
             <a:br>
               <a:rPr lang="en-US" dirty="0" smtClean="0"/>
             </a:br>
             <a:r>
               <a:rPr lang="en-US" dirty="0" smtClean="0"/>
-              <a:t>Structure </a:t>
-            </a:r>
-            <a:r>
-              <a:rPr lang="en-US" dirty="0" smtClean="0"/>
-              <a:t>in ASP.NET</a:t>
+              <a:t>Structure in ASP.NET</a:t>
             </a:r>
             <a:endParaRPr lang="en-US" dirty="0"/>
           </a:p>
@@ -7559,7 +7553,7 @@
       </p:sp>
       <p:pic>
         <p:nvPicPr>
-          <p:cNvPr id="5" name="Picture 4"/>
+          <p:cNvPr id="4" name="Picture 3"/>
           <p:cNvPicPr>
             <a:picLocks noChangeAspect="1"/>
           </p:cNvPicPr>
@@ -7573,8 +7567,8 @@
         </p:blipFill>
         <p:spPr>
           <a:xfrm>
-            <a:off x="6851976" y="763942"/>
-            <a:ext cx="2063712" cy="5417244"/>
+            <a:off x="6816408" y="785508"/>
+            <a:ext cx="2076740" cy="5487166"/>
           </a:xfrm>
           <a:prstGeom prst="rect">
             <a:avLst/>
@@ -7597,7 +7591,7 @@
       </p:pic>
       <p:pic>
         <p:nvPicPr>
-          <p:cNvPr id="6" name="Picture 5"/>
+          <p:cNvPr id="8" name="Picture 7"/>
           <p:cNvPicPr>
             <a:picLocks noChangeAspect="1"/>
           </p:cNvPicPr>
@@ -7611,8 +7605,8 @@
         </p:blipFill>
         <p:spPr>
           <a:xfrm>
-            <a:off x="219687" y="785508"/>
-            <a:ext cx="2284749" cy="5395678"/>
+            <a:off x="381023" y="788880"/>
+            <a:ext cx="1991003" cy="5677692"/>
           </a:xfrm>
           <a:prstGeom prst="rect">
             <a:avLst/>
@@ -7712,8 +7706,8 @@
         </p:nvSpPr>
         <p:spPr>
           <a:xfrm>
-            <a:off x="2667000" y="838200"/>
-            <a:ext cx="6248400" cy="5791200"/>
+            <a:off x="2590800" y="838200"/>
+            <a:ext cx="6477000" cy="5791200"/>
           </a:xfrm>
         </p:spPr>
         <p:txBody>
@@ -7802,14 +7796,10 @@
             </a:r>
             <a:r>
               <a:rPr lang="en-US" noProof="1"/>
-              <a:t> </a:t>
-            </a:r>
-            <a:r>
-              <a:rPr lang="en-US" noProof="1"/>
-              <a:t>/ </a:t>
-            </a:r>
-            <a:r>
-              <a:rPr lang="en-US" noProof="1">
+              <a:t> / </a:t>
+            </a:r>
+            <a:r>
+              <a:rPr lang="en-US" noProof="1" smtClean="0">
                 <a:solidFill>
                   <a:schemeClr val="accent5">
                     <a:lumMod val="20000"/>
@@ -7818,8 +7808,13 @@
                 </a:solidFill>
                 <a:cs typeface="Consolas" panose="020B0609020204030204" pitchFamily="49" charset="0"/>
               </a:rPr>
-              <a:t>Startup.cs</a:t>
-            </a:r>
+              <a:t>Startup.cs </a:t>
+            </a:r>
+            <a:r>
+              <a:rPr lang="en-US" noProof="1"/>
+              <a:t>(OWIN)</a:t>
+            </a:r>
+            <a:endParaRPr lang="en-US" noProof="1"/>
           </a:p>
           <a:p>
             <a:pPr>
@@ -8005,15 +8000,6 @@
               </a:rPr>
               <a:t> fonts</a:t>
             </a:r>
-            <a:endParaRPr lang="en-US" noProof="1" smtClean="0">
-              <a:solidFill>
-                <a:schemeClr val="accent5">
-                  <a:lumMod val="20000"/>
-                  <a:lumOff val="80000"/>
-                </a:schemeClr>
-              </a:solidFill>
-              <a:cs typeface="Consolas" panose="020B0609020204030204" pitchFamily="49" charset="0"/>
-            </a:endParaRPr>
           </a:p>
           <a:p>
             <a:pPr>
@@ -8041,11 +8027,7 @@
             </a:r>
             <a:r>
               <a:rPr lang="en-US" noProof="1" smtClean="0"/>
-              <a:t> </a:t>
-            </a:r>
-            <a:r>
-              <a:rPr lang="en-US" noProof="1" smtClean="0"/>
-              <a:t>/ </a:t>
+              <a:t> / </a:t>
             </a:r>
             <a:r>
               <a:rPr lang="en-US" noProof="1" smtClean="0">
@@ -8159,7 +8141,7 @@
       </p:sp>
       <p:pic>
         <p:nvPicPr>
-          <p:cNvPr id="6" name="Picture 5"/>
+          <p:cNvPr id="7" name="Picture 6"/>
           <p:cNvPicPr>
             <a:picLocks noChangeAspect="1"/>
           </p:cNvPicPr>
@@ -8173,8 +8155,8 @@
         </p:blipFill>
         <p:spPr>
           <a:xfrm>
-            <a:off x="280060" y="914400"/>
-            <a:ext cx="2310740" cy="5457059"/>
+            <a:off x="381000" y="752733"/>
+            <a:ext cx="2057377" cy="5866969"/>
           </a:xfrm>
           <a:prstGeom prst="rect">
             <a:avLst/>
@@ -8296,7 +8278,11 @@
             <a:pPr lvl="1"/>
             <a:r>
               <a:rPr lang="en-US" dirty="0" smtClean="0"/>
-              <a:t>Classes that are loaded at </a:t>
+              <a:t>Classes that are </a:t>
+            </a:r>
+            <a:r>
+              <a:rPr lang="en-US" dirty="0" smtClean="0"/>
+              <a:t>used at </a:t>
             </a:r>
             <a:r>
               <a:rPr lang="en-US" dirty="0" smtClean="0"/>
@@ -8337,29 +8323,8 @@
             <a:pPr lvl="1"/>
             <a:r>
               <a:rPr lang="en-US" dirty="0" smtClean="0"/>
-              <a:t>Combines </a:t>
-            </a:r>
-            <a:r>
-              <a:rPr lang="en-US" dirty="0" smtClean="0"/>
-              <a:t>and optimizes CSS </a:t>
-            </a:r>
-            <a:r>
-              <a:rPr lang="en-US" dirty="0" smtClean="0"/>
-              <a:t>and</a:t>
-            </a:r>
-            <a:r>
-              <a:rPr lang="en-US" dirty="0" smtClean="0"/>
-              <a:t> </a:t>
-            </a:r>
-            <a:r>
-              <a:rPr lang="en-US" dirty="0" smtClean="0"/>
-              <a:t>JS </a:t>
-            </a:r>
-            <a:r>
-              <a:rPr lang="en-US" dirty="0" smtClean="0"/>
-              <a:t>files</a:t>
-            </a:r>
-            <a:endParaRPr lang="en-US" dirty="0" smtClean="0"/>
+              <a:t>Combines and optimizes CSS and JS files</a:t>
+            </a:r>
           </a:p>
           <a:p>
             <a:r>
@@ -8413,7 +8378,6 @@
               <a:rPr lang="en-US" dirty="0" smtClean="0"/>
               <a:t>Configures pre-action and post-action behavior to the controller's action methods</a:t>
             </a:r>
-            <a:endParaRPr lang="en-US" dirty="0" smtClean="0"/>
           </a:p>
         </p:txBody>
       </p:sp>
@@ -9086,17 +9050,8 @@
             </a:r>
             <a:r>
               <a:rPr lang="en-US" dirty="0" smtClean="0"/>
-              <a:t> do not require </a:t>
-            </a:r>
-            <a:r>
-              <a:rPr lang="en-US" dirty="0" smtClean="0"/>
-              <a:t>rebui</a:t>
-            </a:r>
-            <a:r>
-              <a:rPr lang="en-US" dirty="0" smtClean="0"/>
-              <a:t>ld</a:t>
-            </a:r>
-            <a:endParaRPr lang="en-US" dirty="0" smtClean="0"/>
+              <a:t> do not require rebuild</a:t>
+            </a:r>
           </a:p>
           <a:p>
             <a:r>
@@ -9832,10 +9787,24 @@
                 </a:effectLst>
                 <a:latin typeface="Consolas" pitchFamily="49" charset="0"/>
               </a:rPr>
-              <a:t> </a:t>
-            </a:r>
-            <a:r>
-              <a:rPr lang="en-US" sz="1400" b="1" noProof="1">
+              <a:t>    &lt;section name="entityFramework" type="System.Data.Entity.Internal.ConfigFile.EntityFrameworkSection, EntityFramework, Version=6.0.0.0, Culture=neutral, PublicKeyToken=b77a5c561934e089" requirePermission="false" /&gt;</a:t>
+            </a:r>
+          </a:p>
+          <a:p>
+            <a:pPr eaLnBrk="0" hangingPunct="0">
+              <a:spcBef>
+                <a:spcPts val="0"/>
+              </a:spcBef>
+              <a:buClr>
+                <a:schemeClr val="accent5">
+                  <a:lumMod val="40000"/>
+                  <a:lumOff val="60000"/>
+                </a:schemeClr>
+              </a:buClr>
+              <a:buSzPct val="70000"/>
+            </a:pPr>
+            <a:r>
+              <a:rPr lang="en-US" sz="1400" b="1" noProof="1" smtClean="0">
                 <a:solidFill>
                   <a:schemeClr val="accent5">
                     <a:lumMod val="20000"/>
@@ -9851,7 +9820,692 @@
                 </a:effectLst>
                 <a:latin typeface="Consolas" pitchFamily="49" charset="0"/>
               </a:rPr>
-              <a:t>   &lt;section name="entityFramework" type="System.Data.Entity.Internal.ConfigFile.EntityFrameworkSection, EntityFramework, Version=6.0.0.0, Culture=neutral, PublicKeyToken=b77a5c561934e089" requirePermission="false" /&gt;</a:t>
+              <a:t>  &lt;/configSections&gt;</a:t>
+            </a:r>
+          </a:p>
+          <a:p>
+            <a:pPr eaLnBrk="0" hangingPunct="0">
+              <a:spcBef>
+                <a:spcPts val="0"/>
+              </a:spcBef>
+              <a:buClr>
+                <a:schemeClr val="accent5">
+                  <a:lumMod val="40000"/>
+                  <a:lumOff val="60000"/>
+                </a:schemeClr>
+              </a:buClr>
+              <a:buSzPct val="70000"/>
+            </a:pPr>
+            <a:r>
+              <a:rPr lang="en-US" sz="1400" b="1" noProof="1" smtClean="0">
+                <a:solidFill>
+                  <a:schemeClr val="accent5">
+                    <a:lumMod val="20000"/>
+                    <a:lumOff val="80000"/>
+                  </a:schemeClr>
+                </a:solidFill>
+                <a:effectLst>
+                  <a:outerShdw blurRad="38100" dist="38100" dir="2700000" algn="tl">
+                    <a:srgbClr val="000000">
+                      <a:alpha val="43137"/>
+                    </a:srgbClr>
+                  </a:outerShdw>
+                </a:effectLst>
+                <a:latin typeface="Consolas" pitchFamily="49" charset="0"/>
+              </a:rPr>
+              <a:t>  </a:t>
+            </a:r>
+            <a:r>
+              <a:rPr lang="en-US" sz="1400" b="1" noProof="1">
+                <a:solidFill>
+                  <a:schemeClr val="accent5">
+                    <a:lumMod val="20000"/>
+                    <a:lumOff val="80000"/>
+                  </a:schemeClr>
+                </a:solidFill>
+                <a:effectLst>
+                  <a:outerShdw blurRad="38100" dist="38100" dir="2700000" algn="tl">
+                    <a:srgbClr val="000000">
+                      <a:alpha val="43137"/>
+                    </a:srgbClr>
+                  </a:outerShdw>
+                </a:effectLst>
+                <a:latin typeface="Consolas" pitchFamily="49" charset="0"/>
+              </a:rPr>
+              <a:t>&lt;connectionStrings&gt;</a:t>
+            </a:r>
+          </a:p>
+          <a:p>
+            <a:pPr eaLnBrk="0" hangingPunct="0">
+              <a:spcBef>
+                <a:spcPts val="0"/>
+              </a:spcBef>
+              <a:buClr>
+                <a:schemeClr val="accent5">
+                  <a:lumMod val="40000"/>
+                  <a:lumOff val="60000"/>
+                </a:schemeClr>
+              </a:buClr>
+              <a:buSzPct val="70000"/>
+            </a:pPr>
+            <a:r>
+              <a:rPr lang="en-US" sz="1400" b="1" noProof="1">
+                <a:solidFill>
+                  <a:schemeClr val="accent5">
+                    <a:lumMod val="20000"/>
+                    <a:lumOff val="80000"/>
+                  </a:schemeClr>
+                </a:solidFill>
+                <a:effectLst>
+                  <a:outerShdw blurRad="38100" dist="38100" dir="2700000" algn="tl">
+                    <a:srgbClr val="000000">
+                      <a:alpha val="43137"/>
+                    </a:srgbClr>
+                  </a:outerShdw>
+                </a:effectLst>
+                <a:latin typeface="Consolas" pitchFamily="49" charset="0"/>
+              </a:rPr>
+              <a:t>    &lt;add name="DefaultConnection" connectionString="Data Source=(LocalDb)\v11.0;AttachDbFilename=|DataDirectory|\</a:t>
+            </a:r>
+            <a:r>
+              <a:rPr lang="en-US" sz="1400" b="1" noProof="1" smtClean="0">
+                <a:solidFill>
+                  <a:schemeClr val="accent5">
+                    <a:lumMod val="20000"/>
+                    <a:lumOff val="80000"/>
+                  </a:schemeClr>
+                </a:solidFill>
+                <a:effectLst>
+                  <a:outerShdw blurRad="38100" dist="38100" dir="2700000" algn="tl">
+                    <a:srgbClr val="000000">
+                      <a:alpha val="43137"/>
+                    </a:srgbClr>
+                  </a:outerShdw>
+                </a:effectLst>
+                <a:latin typeface="Consolas" pitchFamily="49" charset="0"/>
+              </a:rPr>
+              <a:t>aspnet.mdf;Initial Catalog=aspnet;Integrated </a:t>
+            </a:r>
+            <a:r>
+              <a:rPr lang="en-US" sz="1400" b="1" noProof="1">
+                <a:solidFill>
+                  <a:schemeClr val="accent5">
+                    <a:lumMod val="20000"/>
+                    <a:lumOff val="80000"/>
+                  </a:schemeClr>
+                </a:solidFill>
+                <a:effectLst>
+                  <a:outerShdw blurRad="38100" dist="38100" dir="2700000" algn="tl">
+                    <a:srgbClr val="000000">
+                      <a:alpha val="43137"/>
+                    </a:srgbClr>
+                  </a:outerShdw>
+                </a:effectLst>
+                <a:latin typeface="Consolas" pitchFamily="49" charset="0"/>
+              </a:rPr>
+              <a:t>Security=True" </a:t>
+            </a:r>
+            <a:r>
+              <a:rPr lang="en-US" sz="1400" b="1" noProof="1" smtClean="0">
+                <a:solidFill>
+                  <a:schemeClr val="accent5">
+                    <a:lumMod val="20000"/>
+                    <a:lumOff val="80000"/>
+                  </a:schemeClr>
+                </a:solidFill>
+                <a:effectLst>
+                  <a:outerShdw blurRad="38100" dist="38100" dir="2700000" algn="tl">
+                    <a:srgbClr val="000000">
+                      <a:alpha val="43137"/>
+                    </a:srgbClr>
+                  </a:outerShdw>
+                </a:effectLst>
+                <a:latin typeface="Consolas" pitchFamily="49" charset="0"/>
+              </a:rPr>
+              <a:t>providerName</a:t>
+            </a:r>
+            <a:r>
+              <a:rPr lang="en-US" sz="1400" b="1" noProof="1">
+                <a:solidFill>
+                  <a:schemeClr val="accent5">
+                    <a:lumMod val="20000"/>
+                    <a:lumOff val="80000"/>
+                  </a:schemeClr>
+                </a:solidFill>
+                <a:effectLst>
+                  <a:outerShdw blurRad="38100" dist="38100" dir="2700000" algn="tl">
+                    <a:srgbClr val="000000">
+                      <a:alpha val="43137"/>
+                    </a:srgbClr>
+                  </a:outerShdw>
+                </a:effectLst>
+                <a:latin typeface="Consolas" pitchFamily="49" charset="0"/>
+              </a:rPr>
+              <a:t>="System.Data.SqlClient" </a:t>
+            </a:r>
+            <a:r>
+              <a:rPr lang="en-US" sz="1400" b="1" noProof="1" smtClean="0">
+                <a:solidFill>
+                  <a:schemeClr val="accent5">
+                    <a:lumMod val="20000"/>
+                    <a:lumOff val="80000"/>
+                  </a:schemeClr>
+                </a:solidFill>
+                <a:effectLst>
+                  <a:outerShdw blurRad="38100" dist="38100" dir="2700000" algn="tl">
+                    <a:srgbClr val="000000">
+                      <a:alpha val="43137"/>
+                    </a:srgbClr>
+                  </a:outerShdw>
+                </a:effectLst>
+                <a:latin typeface="Consolas" pitchFamily="49" charset="0"/>
+              </a:rPr>
+              <a:t>/&gt;</a:t>
+            </a:r>
+            <a:br>
+              <a:rPr lang="en-US" sz="1400" b="1" noProof="1" smtClean="0">
+                <a:solidFill>
+                  <a:schemeClr val="accent5">
+                    <a:lumMod val="20000"/>
+                    <a:lumOff val="80000"/>
+                  </a:schemeClr>
+                </a:solidFill>
+                <a:effectLst>
+                  <a:outerShdw blurRad="38100" dist="38100" dir="2700000" algn="tl">
+                    <a:srgbClr val="000000">
+                      <a:alpha val="43137"/>
+                    </a:srgbClr>
+                  </a:outerShdw>
+                </a:effectLst>
+                <a:latin typeface="Consolas" pitchFamily="49" charset="0"/>
+              </a:rPr>
+            </a:br>
+            <a:r>
+              <a:rPr lang="en-US" sz="1400" b="1" noProof="1" smtClean="0">
+                <a:solidFill>
+                  <a:schemeClr val="accent5">
+                    <a:lumMod val="20000"/>
+                    <a:lumOff val="80000"/>
+                  </a:schemeClr>
+                </a:solidFill>
+                <a:effectLst>
+                  <a:outerShdw blurRad="38100" dist="38100" dir="2700000" algn="tl">
+                    <a:srgbClr val="000000">
+                      <a:alpha val="43137"/>
+                    </a:srgbClr>
+                  </a:outerShdw>
+                </a:effectLst>
+                <a:latin typeface="Consolas" pitchFamily="49" charset="0"/>
+              </a:rPr>
+              <a:t>  &lt;/</a:t>
+            </a:r>
+            <a:r>
+              <a:rPr lang="en-US" sz="1400" b="1" noProof="1">
+                <a:solidFill>
+                  <a:schemeClr val="accent5">
+                    <a:lumMod val="20000"/>
+                    <a:lumOff val="80000"/>
+                  </a:schemeClr>
+                </a:solidFill>
+                <a:effectLst>
+                  <a:outerShdw blurRad="38100" dist="38100" dir="2700000" algn="tl">
+                    <a:srgbClr val="000000">
+                      <a:alpha val="43137"/>
+                    </a:srgbClr>
+                  </a:outerShdw>
+                </a:effectLst>
+                <a:latin typeface="Consolas" pitchFamily="49" charset="0"/>
+              </a:rPr>
+              <a:t>connectionStrings&gt;</a:t>
+            </a:r>
+          </a:p>
+          <a:p>
+            <a:pPr eaLnBrk="0" hangingPunct="0">
+              <a:spcBef>
+                <a:spcPts val="0"/>
+              </a:spcBef>
+              <a:buClr>
+                <a:schemeClr val="accent5">
+                  <a:lumMod val="40000"/>
+                  <a:lumOff val="60000"/>
+                </a:schemeClr>
+              </a:buClr>
+              <a:buSzPct val="70000"/>
+            </a:pPr>
+            <a:r>
+              <a:rPr lang="en-US" sz="1400" b="1" noProof="1" smtClean="0">
+                <a:solidFill>
+                  <a:schemeClr val="accent5">
+                    <a:lumMod val="20000"/>
+                    <a:lumOff val="80000"/>
+                  </a:schemeClr>
+                </a:solidFill>
+                <a:effectLst>
+                  <a:outerShdw blurRad="38100" dist="38100" dir="2700000" algn="tl">
+                    <a:srgbClr val="000000">
+                      <a:alpha val="43137"/>
+                    </a:srgbClr>
+                  </a:outerShdw>
+                </a:effectLst>
+                <a:latin typeface="Consolas" pitchFamily="49" charset="0"/>
+              </a:rPr>
+              <a:t>  </a:t>
+            </a:r>
+            <a:r>
+              <a:rPr lang="en-US" sz="1400" b="1" noProof="1">
+                <a:solidFill>
+                  <a:schemeClr val="accent5">
+                    <a:lumMod val="20000"/>
+                    <a:lumOff val="80000"/>
+                  </a:schemeClr>
+                </a:solidFill>
+                <a:effectLst>
+                  <a:outerShdw blurRad="38100" dist="38100" dir="2700000" algn="tl">
+                    <a:srgbClr val="000000">
+                      <a:alpha val="43137"/>
+                    </a:srgbClr>
+                  </a:outerShdw>
+                </a:effectLst>
+                <a:latin typeface="Consolas" pitchFamily="49" charset="0"/>
+              </a:rPr>
+              <a:t>&lt;appSettings&gt;</a:t>
+            </a:r>
+          </a:p>
+          <a:p>
+            <a:pPr eaLnBrk="0" hangingPunct="0">
+              <a:spcBef>
+                <a:spcPts val="0"/>
+              </a:spcBef>
+              <a:buClr>
+                <a:schemeClr val="accent5">
+                  <a:lumMod val="40000"/>
+                  <a:lumOff val="60000"/>
+                </a:schemeClr>
+              </a:buClr>
+              <a:buSzPct val="70000"/>
+            </a:pPr>
+            <a:r>
+              <a:rPr lang="en-US" sz="1400" b="1" noProof="1">
+                <a:solidFill>
+                  <a:schemeClr val="accent5">
+                    <a:lumMod val="20000"/>
+                    <a:lumOff val="80000"/>
+                  </a:schemeClr>
+                </a:solidFill>
+                <a:effectLst>
+                  <a:outerShdw blurRad="38100" dist="38100" dir="2700000" algn="tl">
+                    <a:srgbClr val="000000">
+                      <a:alpha val="43137"/>
+                    </a:srgbClr>
+                  </a:outerShdw>
+                </a:effectLst>
+                <a:latin typeface="Consolas" pitchFamily="49" charset="0"/>
+              </a:rPr>
+              <a:t>    &lt;add key="webpages:Enabled" value="false" /&gt;</a:t>
+            </a:r>
+          </a:p>
+          <a:p>
+            <a:pPr eaLnBrk="0" hangingPunct="0">
+              <a:spcBef>
+                <a:spcPts val="0"/>
+              </a:spcBef>
+              <a:buClr>
+                <a:schemeClr val="accent5">
+                  <a:lumMod val="40000"/>
+                  <a:lumOff val="60000"/>
+                </a:schemeClr>
+              </a:buClr>
+              <a:buSzPct val="70000"/>
+            </a:pPr>
+            <a:r>
+              <a:rPr lang="en-US" sz="1400" b="1" noProof="1">
+                <a:solidFill>
+                  <a:schemeClr val="accent5">
+                    <a:lumMod val="20000"/>
+                    <a:lumOff val="80000"/>
+                  </a:schemeClr>
+                </a:solidFill>
+                <a:effectLst>
+                  <a:outerShdw blurRad="38100" dist="38100" dir="2700000" algn="tl">
+                    <a:srgbClr val="000000">
+                      <a:alpha val="43137"/>
+                    </a:srgbClr>
+                  </a:outerShdw>
+                </a:effectLst>
+                <a:latin typeface="Consolas" pitchFamily="49" charset="0"/>
+              </a:rPr>
+              <a:t> </a:t>
+            </a:r>
+            <a:r>
+              <a:rPr lang="en-US" sz="1400" b="1" noProof="1" smtClean="0">
+                <a:solidFill>
+                  <a:schemeClr val="accent5">
+                    <a:lumMod val="20000"/>
+                    <a:lumOff val="80000"/>
+                  </a:schemeClr>
+                </a:solidFill>
+                <a:effectLst>
+                  <a:outerShdw blurRad="38100" dist="38100" dir="2700000" algn="tl">
+                    <a:srgbClr val="000000">
+                      <a:alpha val="43137"/>
+                    </a:srgbClr>
+                  </a:outerShdw>
+                </a:effectLst>
+                <a:latin typeface="Consolas" pitchFamily="49" charset="0"/>
+              </a:rPr>
+              <a:t>   &lt;</a:t>
+            </a:r>
+            <a:r>
+              <a:rPr lang="en-US" sz="1400" b="1" noProof="1">
+                <a:solidFill>
+                  <a:schemeClr val="accent5">
+                    <a:lumMod val="20000"/>
+                    <a:lumOff val="80000"/>
+                  </a:schemeClr>
+                </a:solidFill>
+                <a:effectLst>
+                  <a:outerShdw blurRad="38100" dist="38100" dir="2700000" algn="tl">
+                    <a:srgbClr val="000000">
+                      <a:alpha val="43137"/>
+                    </a:srgbClr>
+                  </a:outerShdw>
+                </a:effectLst>
+                <a:latin typeface="Consolas" pitchFamily="49" charset="0"/>
+              </a:rPr>
+              <a:t>add key="ClientValidationEnabled" value="true" /&gt;</a:t>
+            </a:r>
+          </a:p>
+          <a:p>
+            <a:pPr eaLnBrk="0" hangingPunct="0">
+              <a:spcBef>
+                <a:spcPts val="0"/>
+              </a:spcBef>
+              <a:buClr>
+                <a:schemeClr val="accent5">
+                  <a:lumMod val="40000"/>
+                  <a:lumOff val="60000"/>
+                </a:schemeClr>
+              </a:buClr>
+              <a:buSzPct val="70000"/>
+            </a:pPr>
+            <a:r>
+              <a:rPr lang="en-US" sz="1400" b="1" noProof="1">
+                <a:solidFill>
+                  <a:schemeClr val="accent5">
+                    <a:lumMod val="20000"/>
+                    <a:lumOff val="80000"/>
+                  </a:schemeClr>
+                </a:solidFill>
+                <a:effectLst>
+                  <a:outerShdw blurRad="38100" dist="38100" dir="2700000" algn="tl">
+                    <a:srgbClr val="000000">
+                      <a:alpha val="43137"/>
+                    </a:srgbClr>
+                  </a:outerShdw>
+                </a:effectLst>
+                <a:latin typeface="Consolas" pitchFamily="49" charset="0"/>
+              </a:rPr>
+              <a:t>    &lt;add key="UnobtrusiveJavaScriptEnabled" value="true" </a:t>
+            </a:r>
+            <a:r>
+              <a:rPr lang="en-US" sz="1400" b="1" noProof="1" smtClean="0">
+                <a:solidFill>
+                  <a:schemeClr val="accent5">
+                    <a:lumMod val="20000"/>
+                    <a:lumOff val="80000"/>
+                  </a:schemeClr>
+                </a:solidFill>
+                <a:effectLst>
+                  <a:outerShdw blurRad="38100" dist="38100" dir="2700000" algn="tl">
+                    <a:srgbClr val="000000">
+                      <a:alpha val="43137"/>
+                    </a:srgbClr>
+                  </a:outerShdw>
+                </a:effectLst>
+                <a:latin typeface="Consolas" pitchFamily="49" charset="0"/>
+              </a:rPr>
+              <a:t>/&gt;</a:t>
+            </a:r>
+          </a:p>
+          <a:p>
+            <a:pPr eaLnBrk="0" hangingPunct="0">
+              <a:spcBef>
+                <a:spcPts val="0"/>
+              </a:spcBef>
+              <a:buClr>
+                <a:schemeClr val="accent5">
+                  <a:lumMod val="40000"/>
+                  <a:lumOff val="60000"/>
+                </a:schemeClr>
+              </a:buClr>
+              <a:buSzPct val="70000"/>
+            </a:pPr>
+            <a:r>
+              <a:rPr lang="en-US" sz="1400" b="1" noProof="1" smtClean="0">
+                <a:solidFill>
+                  <a:schemeClr val="accent5">
+                    <a:lumMod val="20000"/>
+                    <a:lumOff val="80000"/>
+                  </a:schemeClr>
+                </a:solidFill>
+                <a:effectLst>
+                  <a:outerShdw blurRad="38100" dist="38100" dir="2700000" algn="tl">
+                    <a:srgbClr val="000000">
+                      <a:alpha val="43137"/>
+                    </a:srgbClr>
+                  </a:outerShdw>
+                </a:effectLst>
+                <a:latin typeface="Consolas" pitchFamily="49" charset="0"/>
+              </a:rPr>
+              <a:t>    …</a:t>
+            </a:r>
+          </a:p>
+          <a:p>
+            <a:pPr eaLnBrk="0" hangingPunct="0">
+              <a:spcBef>
+                <a:spcPts val="0"/>
+              </a:spcBef>
+              <a:buClr>
+                <a:schemeClr val="accent5">
+                  <a:lumMod val="40000"/>
+                  <a:lumOff val="60000"/>
+                </a:schemeClr>
+              </a:buClr>
+              <a:buSzPct val="70000"/>
+            </a:pPr>
+            <a:r>
+              <a:rPr lang="en-US" sz="1400" b="1" noProof="1" smtClean="0">
+                <a:solidFill>
+                  <a:schemeClr val="accent5">
+                    <a:lumMod val="20000"/>
+                    <a:lumOff val="80000"/>
+                  </a:schemeClr>
+                </a:solidFill>
+                <a:effectLst>
+                  <a:outerShdw blurRad="38100" dist="38100" dir="2700000" algn="tl">
+                    <a:srgbClr val="000000">
+                      <a:alpha val="43137"/>
+                    </a:srgbClr>
+                  </a:outerShdw>
+                </a:effectLst>
+                <a:latin typeface="Consolas" pitchFamily="49" charset="0"/>
+              </a:rPr>
+              <a:t>  &lt;/appSettings&gt;</a:t>
+            </a:r>
+          </a:p>
+          <a:p>
+            <a:pPr eaLnBrk="0" hangingPunct="0">
+              <a:spcBef>
+                <a:spcPts val="0"/>
+              </a:spcBef>
+              <a:buClr>
+                <a:schemeClr val="accent5">
+                  <a:lumMod val="40000"/>
+                  <a:lumOff val="60000"/>
+                </a:schemeClr>
+              </a:buClr>
+              <a:buSzPct val="70000"/>
+            </a:pPr>
+            <a:r>
+              <a:rPr lang="en-US" sz="1400" b="1" noProof="1" smtClean="0">
+                <a:solidFill>
+                  <a:schemeClr val="accent5">
+                    <a:lumMod val="20000"/>
+                    <a:lumOff val="80000"/>
+                  </a:schemeClr>
+                </a:solidFill>
+                <a:effectLst>
+                  <a:outerShdw blurRad="38100" dist="38100" dir="2700000" algn="tl">
+                    <a:srgbClr val="000000">
+                      <a:alpha val="43137"/>
+                    </a:srgbClr>
+                  </a:outerShdw>
+                </a:effectLst>
+                <a:latin typeface="Consolas" pitchFamily="49" charset="0"/>
+              </a:rPr>
+              <a:t>  </a:t>
+            </a:r>
+            <a:r>
+              <a:rPr lang="en-US" sz="1400" b="1" noProof="1">
+                <a:solidFill>
+                  <a:schemeClr val="accent5">
+                    <a:lumMod val="20000"/>
+                    <a:lumOff val="80000"/>
+                  </a:schemeClr>
+                </a:solidFill>
+                <a:effectLst>
+                  <a:outerShdw blurRad="38100" dist="38100" dir="2700000" algn="tl">
+                    <a:srgbClr val="000000">
+                      <a:alpha val="43137"/>
+                    </a:srgbClr>
+                  </a:outerShdw>
+                </a:effectLst>
+                <a:latin typeface="Consolas" pitchFamily="49" charset="0"/>
+              </a:rPr>
+              <a:t>&lt;system.web&gt;</a:t>
+            </a:r>
+          </a:p>
+          <a:p>
+            <a:pPr eaLnBrk="0" hangingPunct="0">
+              <a:spcBef>
+                <a:spcPts val="0"/>
+              </a:spcBef>
+              <a:buClr>
+                <a:schemeClr val="accent5">
+                  <a:lumMod val="40000"/>
+                  <a:lumOff val="60000"/>
+                </a:schemeClr>
+              </a:buClr>
+              <a:buSzPct val="70000"/>
+            </a:pPr>
+            <a:r>
+              <a:rPr lang="en-US" sz="1400" b="1" noProof="1">
+                <a:solidFill>
+                  <a:schemeClr val="accent5">
+                    <a:lumMod val="20000"/>
+                    <a:lumOff val="80000"/>
+                  </a:schemeClr>
+                </a:solidFill>
+                <a:effectLst>
+                  <a:outerShdw blurRad="38100" dist="38100" dir="2700000" algn="tl">
+                    <a:srgbClr val="000000">
+                      <a:alpha val="43137"/>
+                    </a:srgbClr>
+                  </a:outerShdw>
+                </a:effectLst>
+                <a:latin typeface="Consolas" pitchFamily="49" charset="0"/>
+              </a:rPr>
+              <a:t>    &lt;compilation debug="true" targetFramework</a:t>
+            </a:r>
+            <a:r>
+              <a:rPr lang="en-US" sz="1400" b="1" noProof="1">
+                <a:solidFill>
+                  <a:schemeClr val="accent5">
+                    <a:lumMod val="20000"/>
+                    <a:lumOff val="80000"/>
+                  </a:schemeClr>
+                </a:solidFill>
+                <a:effectLst>
+                  <a:outerShdw blurRad="38100" dist="38100" dir="2700000" algn="tl">
+                    <a:srgbClr val="000000">
+                      <a:alpha val="43137"/>
+                    </a:srgbClr>
+                  </a:outerShdw>
+                </a:effectLst>
+                <a:latin typeface="Consolas" pitchFamily="49" charset="0"/>
+              </a:rPr>
+              <a:t>="4.6.1" </a:t>
+            </a:r>
+            <a:r>
+              <a:rPr lang="en-US" sz="1400" b="1" noProof="1" smtClean="0">
+                <a:solidFill>
+                  <a:schemeClr val="accent5">
+                    <a:lumMod val="20000"/>
+                    <a:lumOff val="80000"/>
+                  </a:schemeClr>
+                </a:solidFill>
+                <a:effectLst>
+                  <a:outerShdw blurRad="38100" dist="38100" dir="2700000" algn="tl">
+                    <a:srgbClr val="000000">
+                      <a:alpha val="43137"/>
+                    </a:srgbClr>
+                  </a:outerShdw>
+                </a:effectLst>
+                <a:latin typeface="Consolas" pitchFamily="49" charset="0"/>
+              </a:rPr>
+              <a:t>/&gt;</a:t>
+            </a:r>
+          </a:p>
+          <a:p>
+            <a:pPr eaLnBrk="0" hangingPunct="0">
+              <a:spcBef>
+                <a:spcPts val="0"/>
+              </a:spcBef>
+              <a:buClr>
+                <a:schemeClr val="accent5">
+                  <a:lumMod val="40000"/>
+                  <a:lumOff val="60000"/>
+                </a:schemeClr>
+              </a:buClr>
+              <a:buSzPct val="70000"/>
+            </a:pPr>
+            <a:r>
+              <a:rPr lang="en-US" sz="1400" b="1" noProof="1">
+                <a:solidFill>
+                  <a:schemeClr val="accent5">
+                    <a:lumMod val="20000"/>
+                    <a:lumOff val="80000"/>
+                  </a:schemeClr>
+                </a:solidFill>
+                <a:effectLst>
+                  <a:outerShdw blurRad="38100" dist="38100" dir="2700000" algn="tl">
+                    <a:srgbClr val="000000">
+                      <a:alpha val="43137"/>
+                    </a:srgbClr>
+                  </a:outerShdw>
+                </a:effectLst>
+                <a:latin typeface="Consolas" pitchFamily="49" charset="0"/>
+              </a:rPr>
+              <a:t> </a:t>
+            </a:r>
+            <a:r>
+              <a:rPr lang="en-US" sz="1400" b="1" noProof="1" smtClean="0">
+                <a:solidFill>
+                  <a:schemeClr val="accent5">
+                    <a:lumMod val="20000"/>
+                    <a:lumOff val="80000"/>
+                  </a:schemeClr>
+                </a:solidFill>
+                <a:effectLst>
+                  <a:outerShdw blurRad="38100" dist="38100" dir="2700000" algn="tl">
+                    <a:srgbClr val="000000">
+                      <a:alpha val="43137"/>
+                    </a:srgbClr>
+                  </a:outerShdw>
+                </a:effectLst>
+                <a:latin typeface="Consolas" pitchFamily="49" charset="0"/>
+              </a:rPr>
+              <a:t>   …</a:t>
             </a:r>
             <a:endParaRPr lang="en-US" sz="1400" b="1" noProof="1">
               <a:solidFill>
@@ -9900,7 +10554,26 @@
                 </a:effectLst>
                 <a:latin typeface="Consolas" pitchFamily="49" charset="0"/>
               </a:rPr>
-              <a:t>  &lt;/configSections&gt;</a:t>
+              <a:t>  &lt;/</a:t>
+            </a:r>
+            <a:r>
+              <a:rPr lang="en-US" sz="1400" b="1" noProof="1">
+                <a:solidFill>
+                  <a:schemeClr val="accent5">
+                    <a:lumMod val="20000"/>
+                    <a:lumOff val="80000"/>
+                  </a:schemeClr>
+                </a:solidFill>
+                <a:effectLst>
+                  <a:outerShdw blurRad="38100" dist="38100" dir="2700000" algn="tl">
+                    <a:srgbClr val="000000">
+                      <a:alpha val="43137"/>
+                    </a:srgbClr>
+                  </a:outerShdw>
+                </a:effectLst>
+                <a:latin typeface="Consolas" pitchFamily="49" charset="0"/>
+              </a:rPr>
+              <a:t>system.web&gt;</a:t>
             </a:r>
           </a:p>
           <a:p>
@@ -9933,7 +10606,7 @@
                 </a:effectLst>
                 <a:latin typeface="Consolas" pitchFamily="49" charset="0"/>
               </a:rPr>
-              <a:t>  </a:t>
+              <a:t>  &lt;</a:t>
             </a:r>
             <a:r>
               <a:rPr lang="en-US" sz="1400" b="1" noProof="1">
@@ -9952,7 +10625,64 @@
                 </a:effectLst>
                 <a:latin typeface="Consolas" pitchFamily="49" charset="0"/>
               </a:rPr>
-              <a:t>&lt;connectionStrings&gt;</a:t>
+              <a:t>system.webServer</a:t>
+            </a:r>
+            <a:r>
+              <a:rPr lang="en-US" sz="1400" b="1" noProof="1" smtClean="0">
+                <a:solidFill>
+                  <a:schemeClr val="accent5">
+                    <a:lumMod val="20000"/>
+                    <a:lumOff val="80000"/>
+                  </a:schemeClr>
+                </a:solidFill>
+                <a:effectLst>
+                  <a:outerShdw blurRad="38100" dist="38100" dir="2700000" algn="tl">
+                    <a:srgbClr val="000000">
+                      <a:alpha val="43137"/>
+                    </a:srgbClr>
+                  </a:outerShdw>
+                </a:effectLst>
+                <a:latin typeface="Consolas" pitchFamily="49" charset="0"/>
+              </a:rPr>
+              <a:t>&gt;</a:t>
+            </a:r>
+            <a:r>
+              <a:rPr lang="en-US" sz="1400" b="1" noProof="1">
+                <a:solidFill>
+                  <a:schemeClr val="accent5">
+                    <a:lumMod val="20000"/>
+                    <a:lumOff val="80000"/>
+                  </a:schemeClr>
+                </a:solidFill>
+                <a:effectLst>
+                  <a:outerShdw blurRad="38100" dist="38100" dir="2700000" algn="tl">
+                    <a:srgbClr val="000000">
+                      <a:alpha val="43137"/>
+                    </a:srgbClr>
+                  </a:outerShdw>
+                </a:effectLst>
+                <a:latin typeface="Consolas" pitchFamily="49" charset="0"/>
+              </a:rPr>
+              <a:t> … </a:t>
+            </a:r>
+            <a:r>
+              <a:rPr lang="en-US" sz="1400" b="1" noProof="1" smtClean="0">
+                <a:solidFill>
+                  <a:schemeClr val="accent5">
+                    <a:lumMod val="20000"/>
+                    <a:lumOff val="80000"/>
+                  </a:schemeClr>
+                </a:solidFill>
+                <a:effectLst>
+                  <a:outerShdw blurRad="38100" dist="38100" dir="2700000" algn="tl">
+                    <a:srgbClr val="000000">
+                      <a:alpha val="43137"/>
+                    </a:srgbClr>
+                  </a:outerShdw>
+                </a:effectLst>
+                <a:latin typeface="Consolas" pitchFamily="49" charset="0"/>
+              </a:rPr>
+              <a:t>&lt;/system.webServer&gt;</a:t>
             </a:r>
           </a:p>
           <a:p>
@@ -9969,7 +10699,7 @@
               <a:buSzPct val="70000"/>
             </a:pPr>
             <a:r>
-              <a:rPr lang="en-US" sz="1400" b="1" noProof="1">
+              <a:rPr lang="en-US" sz="1400" b="1" noProof="1" smtClean="0">
                 <a:solidFill>
                   <a:schemeClr val="accent5">
                     <a:lumMod val="20000"/>
@@ -9985,7 +10715,7 @@
                 </a:effectLst>
                 <a:latin typeface="Consolas" pitchFamily="49" charset="0"/>
               </a:rPr>
-              <a:t>    &lt;add name="DefaultConnection" connectionString="Data Source=(LocalDb)\v11.0;AttachDbFilename=|DataDirectory</a:t>
+              <a:t>  &lt;</a:t>
             </a:r>
             <a:r>
               <a:rPr lang="en-US" sz="1400" b="1" noProof="1">
@@ -10004,7 +10734,7 @@
                 </a:effectLst>
                 <a:latin typeface="Consolas" pitchFamily="49" charset="0"/>
               </a:rPr>
-              <a:t>|\</a:t>
+              <a:t>runtime</a:t>
             </a:r>
             <a:r>
               <a:rPr lang="en-US" sz="1400" b="1" noProof="1" smtClean="0">
@@ -10023,7 +10753,7 @@
                 </a:effectLst>
                 <a:latin typeface="Consolas" pitchFamily="49" charset="0"/>
               </a:rPr>
-              <a:t>aspnet.mdf;Initial Catalog=aspnet;Integrated Security=True“ providerName</a:t>
+              <a:t>&gt;</a:t>
             </a:r>
             <a:r>
               <a:rPr lang="en-US" sz="1400" b="1" noProof="1">
@@ -10042,855 +10772,7 @@
                 </a:effectLst>
                 <a:latin typeface="Consolas" pitchFamily="49" charset="0"/>
               </a:rPr>
-              <a:t>="System.Data.SqlClient</a:t>
-            </a:r>
-            <a:r>
-              <a:rPr lang="en-US" sz="1400" b="1" noProof="1">
-                <a:solidFill>
-                  <a:schemeClr val="accent5">
-                    <a:lumMod val="20000"/>
-                    <a:lumOff val="80000"/>
-                  </a:schemeClr>
-                </a:solidFill>
-                <a:effectLst>
-                  <a:outerShdw blurRad="38100" dist="38100" dir="2700000" algn="tl">
-                    <a:srgbClr val="000000">
-                      <a:alpha val="43137"/>
-                    </a:srgbClr>
-                  </a:outerShdw>
-                </a:effectLst>
-                <a:latin typeface="Consolas" pitchFamily="49" charset="0"/>
-              </a:rPr>
-              <a:t>" </a:t>
-            </a:r>
-            <a:r>
-              <a:rPr lang="en-US" sz="1400" b="1" noProof="1" smtClean="0">
-                <a:solidFill>
-                  <a:schemeClr val="accent5">
-                    <a:lumMod val="20000"/>
-                    <a:lumOff val="80000"/>
-                  </a:schemeClr>
-                </a:solidFill>
-                <a:effectLst>
-                  <a:outerShdw blurRad="38100" dist="38100" dir="2700000" algn="tl">
-                    <a:srgbClr val="000000">
-                      <a:alpha val="43137"/>
-                    </a:srgbClr>
-                  </a:outerShdw>
-                </a:effectLst>
-                <a:latin typeface="Consolas" pitchFamily="49" charset="0"/>
-              </a:rPr>
-              <a:t>/&gt;</a:t>
-            </a:r>
-            <a:br>
-              <a:rPr lang="en-US" sz="1400" b="1" noProof="1" smtClean="0">
-                <a:solidFill>
-                  <a:schemeClr val="accent5">
-                    <a:lumMod val="20000"/>
-                    <a:lumOff val="80000"/>
-                  </a:schemeClr>
-                </a:solidFill>
-                <a:effectLst>
-                  <a:outerShdw blurRad="38100" dist="38100" dir="2700000" algn="tl">
-                    <a:srgbClr val="000000">
-                      <a:alpha val="43137"/>
-                    </a:srgbClr>
-                  </a:outerShdw>
-                </a:effectLst>
-                <a:latin typeface="Consolas" pitchFamily="49" charset="0"/>
-              </a:rPr>
-            </a:br>
-            <a:r>
-              <a:rPr lang="en-US" sz="1400" b="1" noProof="1" smtClean="0">
-                <a:solidFill>
-                  <a:schemeClr val="accent5">
-                    <a:lumMod val="20000"/>
-                    <a:lumOff val="80000"/>
-                  </a:schemeClr>
-                </a:solidFill>
-                <a:effectLst>
-                  <a:outerShdw blurRad="38100" dist="38100" dir="2700000" algn="tl">
-                    <a:srgbClr val="000000">
-                      <a:alpha val="43137"/>
-                    </a:srgbClr>
-                  </a:outerShdw>
-                </a:effectLst>
-                <a:latin typeface="Consolas" pitchFamily="49" charset="0"/>
-              </a:rPr>
-              <a:t>  &lt;/</a:t>
-            </a:r>
-            <a:r>
-              <a:rPr lang="en-US" sz="1400" b="1" noProof="1">
-                <a:solidFill>
-                  <a:schemeClr val="accent5">
-                    <a:lumMod val="20000"/>
-                    <a:lumOff val="80000"/>
-                  </a:schemeClr>
-                </a:solidFill>
-                <a:effectLst>
-                  <a:outerShdw blurRad="38100" dist="38100" dir="2700000" algn="tl">
-                    <a:srgbClr val="000000">
-                      <a:alpha val="43137"/>
-                    </a:srgbClr>
-                  </a:outerShdw>
-                </a:effectLst>
-                <a:latin typeface="Consolas" pitchFamily="49" charset="0"/>
-              </a:rPr>
-              <a:t>connectionStrings&gt;</a:t>
-            </a:r>
-          </a:p>
-          <a:p>
-            <a:pPr eaLnBrk="0" hangingPunct="0">
-              <a:spcBef>
-                <a:spcPts val="0"/>
-              </a:spcBef>
-              <a:buClr>
-                <a:schemeClr val="accent5">
-                  <a:lumMod val="40000"/>
-                  <a:lumOff val="60000"/>
-                </a:schemeClr>
-              </a:buClr>
-              <a:buSzPct val="70000"/>
-            </a:pPr>
-            <a:r>
-              <a:rPr lang="en-US" sz="1400" b="1" noProof="1" smtClean="0">
-                <a:solidFill>
-                  <a:schemeClr val="accent5">
-                    <a:lumMod val="20000"/>
-                    <a:lumOff val="80000"/>
-                  </a:schemeClr>
-                </a:solidFill>
-                <a:effectLst>
-                  <a:outerShdw blurRad="38100" dist="38100" dir="2700000" algn="tl">
-                    <a:srgbClr val="000000">
-                      <a:alpha val="43137"/>
-                    </a:srgbClr>
-                  </a:outerShdw>
-                </a:effectLst>
-                <a:latin typeface="Consolas" pitchFamily="49" charset="0"/>
-              </a:rPr>
-              <a:t>  </a:t>
-            </a:r>
-            <a:r>
-              <a:rPr lang="en-US" sz="1400" b="1" noProof="1">
-                <a:solidFill>
-                  <a:schemeClr val="accent5">
-                    <a:lumMod val="20000"/>
-                    <a:lumOff val="80000"/>
-                  </a:schemeClr>
-                </a:solidFill>
-                <a:effectLst>
-                  <a:outerShdw blurRad="38100" dist="38100" dir="2700000" algn="tl">
-                    <a:srgbClr val="000000">
-                      <a:alpha val="43137"/>
-                    </a:srgbClr>
-                  </a:outerShdw>
-                </a:effectLst>
-                <a:latin typeface="Consolas" pitchFamily="49" charset="0"/>
-              </a:rPr>
-              <a:t>&lt;appSettings&gt;</a:t>
-            </a:r>
-          </a:p>
-          <a:p>
-            <a:pPr eaLnBrk="0" hangingPunct="0">
-              <a:spcBef>
-                <a:spcPts val="0"/>
-              </a:spcBef>
-              <a:buClr>
-                <a:schemeClr val="accent5">
-                  <a:lumMod val="40000"/>
-                  <a:lumOff val="60000"/>
-                </a:schemeClr>
-              </a:buClr>
-              <a:buSzPct val="70000"/>
-            </a:pPr>
-            <a:r>
-              <a:rPr lang="en-US" sz="1400" b="1" noProof="1">
-                <a:solidFill>
-                  <a:schemeClr val="accent5">
-                    <a:lumMod val="20000"/>
-                    <a:lumOff val="80000"/>
-                  </a:schemeClr>
-                </a:solidFill>
-                <a:effectLst>
-                  <a:outerShdw blurRad="38100" dist="38100" dir="2700000" algn="tl">
-                    <a:srgbClr val="000000">
-                      <a:alpha val="43137"/>
-                    </a:srgbClr>
-                  </a:outerShdw>
-                </a:effectLst>
-                <a:latin typeface="Consolas" pitchFamily="49" charset="0"/>
-              </a:rPr>
-              <a:t> </a:t>
-            </a:r>
-            <a:r>
-              <a:rPr lang="en-US" sz="1400" b="1" noProof="1">
-                <a:solidFill>
-                  <a:schemeClr val="accent5">
-                    <a:lumMod val="20000"/>
-                    <a:lumOff val="80000"/>
-                  </a:schemeClr>
-                </a:solidFill>
-                <a:effectLst>
-                  <a:outerShdw blurRad="38100" dist="38100" dir="2700000" algn="tl">
-                    <a:srgbClr val="000000">
-                      <a:alpha val="43137"/>
-                    </a:srgbClr>
-                  </a:outerShdw>
-                </a:effectLst>
-                <a:latin typeface="Consolas" pitchFamily="49" charset="0"/>
-              </a:rPr>
-              <a:t>   &lt;add key="webpages:Enabled" value="false" /&gt;</a:t>
-            </a:r>
-          </a:p>
-          <a:p>
-            <a:pPr eaLnBrk="0" hangingPunct="0">
-              <a:spcBef>
-                <a:spcPts val="0"/>
-              </a:spcBef>
-              <a:buClr>
-                <a:schemeClr val="accent5">
-                  <a:lumMod val="40000"/>
-                  <a:lumOff val="60000"/>
-                </a:schemeClr>
-              </a:buClr>
-              <a:buSzPct val="70000"/>
-            </a:pPr>
-            <a:r>
-              <a:rPr lang="en-US" sz="1400" b="1" noProof="1">
-                <a:solidFill>
-                  <a:schemeClr val="accent5">
-                    <a:lumMod val="20000"/>
-                    <a:lumOff val="80000"/>
-                  </a:schemeClr>
-                </a:solidFill>
-                <a:effectLst>
-                  <a:outerShdw blurRad="38100" dist="38100" dir="2700000" algn="tl">
-                    <a:srgbClr val="000000">
-                      <a:alpha val="43137"/>
-                    </a:srgbClr>
-                  </a:outerShdw>
-                </a:effectLst>
-                <a:latin typeface="Consolas" pitchFamily="49" charset="0"/>
-              </a:rPr>
-              <a:t> </a:t>
-            </a:r>
-            <a:r>
-              <a:rPr lang="en-US" sz="1400" b="1" noProof="1" smtClean="0">
-                <a:solidFill>
-                  <a:schemeClr val="accent5">
-                    <a:lumMod val="20000"/>
-                    <a:lumOff val="80000"/>
-                  </a:schemeClr>
-                </a:solidFill>
-                <a:effectLst>
-                  <a:outerShdw blurRad="38100" dist="38100" dir="2700000" algn="tl">
-                    <a:srgbClr val="000000">
-                      <a:alpha val="43137"/>
-                    </a:srgbClr>
-                  </a:outerShdw>
-                </a:effectLst>
-                <a:latin typeface="Consolas" pitchFamily="49" charset="0"/>
-              </a:rPr>
-              <a:t>   &lt;</a:t>
-            </a:r>
-            <a:r>
-              <a:rPr lang="en-US" sz="1400" b="1" noProof="1">
-                <a:solidFill>
-                  <a:schemeClr val="accent5">
-                    <a:lumMod val="20000"/>
-                    <a:lumOff val="80000"/>
-                  </a:schemeClr>
-                </a:solidFill>
-                <a:effectLst>
-                  <a:outerShdw blurRad="38100" dist="38100" dir="2700000" algn="tl">
-                    <a:srgbClr val="000000">
-                      <a:alpha val="43137"/>
-                    </a:srgbClr>
-                  </a:outerShdw>
-                </a:effectLst>
-                <a:latin typeface="Consolas" pitchFamily="49" charset="0"/>
-              </a:rPr>
-              <a:t>add key="ClientValidationEnabled" value="true" /&gt;</a:t>
-            </a:r>
-          </a:p>
-          <a:p>
-            <a:pPr eaLnBrk="0" hangingPunct="0">
-              <a:spcBef>
-                <a:spcPts val="0"/>
-              </a:spcBef>
-              <a:buClr>
-                <a:schemeClr val="accent5">
-                  <a:lumMod val="40000"/>
-                  <a:lumOff val="60000"/>
-                </a:schemeClr>
-              </a:buClr>
-              <a:buSzPct val="70000"/>
-            </a:pPr>
-            <a:r>
-              <a:rPr lang="en-US" sz="1400" b="1" noProof="1">
-                <a:solidFill>
-                  <a:schemeClr val="accent5">
-                    <a:lumMod val="20000"/>
-                    <a:lumOff val="80000"/>
-                  </a:schemeClr>
-                </a:solidFill>
-                <a:effectLst>
-                  <a:outerShdw blurRad="38100" dist="38100" dir="2700000" algn="tl">
-                    <a:srgbClr val="000000">
-                      <a:alpha val="43137"/>
-                    </a:srgbClr>
-                  </a:outerShdw>
-                </a:effectLst>
-                <a:latin typeface="Consolas" pitchFamily="49" charset="0"/>
-              </a:rPr>
-              <a:t>    &lt;add key="UnobtrusiveJavaScriptEnabled" value="true</a:t>
-            </a:r>
-            <a:r>
-              <a:rPr lang="en-US" sz="1400" b="1" noProof="1">
-                <a:solidFill>
-                  <a:schemeClr val="accent5">
-                    <a:lumMod val="20000"/>
-                    <a:lumOff val="80000"/>
-                  </a:schemeClr>
-                </a:solidFill>
-                <a:effectLst>
-                  <a:outerShdw blurRad="38100" dist="38100" dir="2700000" algn="tl">
-                    <a:srgbClr val="000000">
-                      <a:alpha val="43137"/>
-                    </a:srgbClr>
-                  </a:outerShdw>
-                </a:effectLst>
-                <a:latin typeface="Consolas" pitchFamily="49" charset="0"/>
-              </a:rPr>
-              <a:t>" </a:t>
-            </a:r>
-            <a:r>
-              <a:rPr lang="en-US" sz="1400" b="1" noProof="1" smtClean="0">
-                <a:solidFill>
-                  <a:schemeClr val="accent5">
-                    <a:lumMod val="20000"/>
-                    <a:lumOff val="80000"/>
-                  </a:schemeClr>
-                </a:solidFill>
-                <a:effectLst>
-                  <a:outerShdw blurRad="38100" dist="38100" dir="2700000" algn="tl">
-                    <a:srgbClr val="000000">
-                      <a:alpha val="43137"/>
-                    </a:srgbClr>
-                  </a:outerShdw>
-                </a:effectLst>
-                <a:latin typeface="Consolas" pitchFamily="49" charset="0"/>
-              </a:rPr>
-              <a:t>/&gt;</a:t>
-            </a:r>
-          </a:p>
-          <a:p>
-            <a:pPr eaLnBrk="0" hangingPunct="0">
-              <a:spcBef>
-                <a:spcPts val="0"/>
-              </a:spcBef>
-              <a:buClr>
-                <a:schemeClr val="accent5">
-                  <a:lumMod val="40000"/>
-                  <a:lumOff val="60000"/>
-                </a:schemeClr>
-              </a:buClr>
-              <a:buSzPct val="70000"/>
-            </a:pPr>
-            <a:r>
-              <a:rPr lang="en-US" sz="1400" b="1" noProof="1" smtClean="0">
-                <a:solidFill>
-                  <a:schemeClr val="accent5">
-                    <a:lumMod val="20000"/>
-                    <a:lumOff val="80000"/>
-                  </a:schemeClr>
-                </a:solidFill>
-                <a:effectLst>
-                  <a:outerShdw blurRad="38100" dist="38100" dir="2700000" algn="tl">
-                    <a:srgbClr val="000000">
-                      <a:alpha val="43137"/>
-                    </a:srgbClr>
-                  </a:outerShdw>
-                </a:effectLst>
-                <a:latin typeface="Consolas" pitchFamily="49" charset="0"/>
-              </a:rPr>
-              <a:t>    …</a:t>
-            </a:r>
-          </a:p>
-          <a:p>
-            <a:pPr eaLnBrk="0" hangingPunct="0">
-              <a:spcBef>
-                <a:spcPts val="0"/>
-              </a:spcBef>
-              <a:buClr>
-                <a:schemeClr val="accent5">
-                  <a:lumMod val="40000"/>
-                  <a:lumOff val="60000"/>
-                </a:schemeClr>
-              </a:buClr>
-              <a:buSzPct val="70000"/>
-            </a:pPr>
-            <a:r>
-              <a:rPr lang="en-US" sz="1400" b="1" noProof="1" smtClean="0">
-                <a:solidFill>
-                  <a:schemeClr val="accent5">
-                    <a:lumMod val="20000"/>
-                    <a:lumOff val="80000"/>
-                  </a:schemeClr>
-                </a:solidFill>
-                <a:effectLst>
-                  <a:outerShdw blurRad="38100" dist="38100" dir="2700000" algn="tl">
-                    <a:srgbClr val="000000">
-                      <a:alpha val="43137"/>
-                    </a:srgbClr>
-                  </a:outerShdw>
-                </a:effectLst>
-                <a:latin typeface="Consolas" pitchFamily="49" charset="0"/>
-              </a:rPr>
-              <a:t>  &lt;/appSettings&gt;</a:t>
-            </a:r>
-          </a:p>
-          <a:p>
-            <a:pPr eaLnBrk="0" hangingPunct="0">
-              <a:spcBef>
-                <a:spcPts val="0"/>
-              </a:spcBef>
-              <a:buClr>
-                <a:schemeClr val="accent5">
-                  <a:lumMod val="40000"/>
-                  <a:lumOff val="60000"/>
-                </a:schemeClr>
-              </a:buClr>
-              <a:buSzPct val="70000"/>
-            </a:pPr>
-            <a:r>
-              <a:rPr lang="en-US" sz="1400" b="1" noProof="1" smtClean="0">
-                <a:solidFill>
-                  <a:schemeClr val="accent5">
-                    <a:lumMod val="20000"/>
-                    <a:lumOff val="80000"/>
-                  </a:schemeClr>
-                </a:solidFill>
-                <a:effectLst>
-                  <a:outerShdw blurRad="38100" dist="38100" dir="2700000" algn="tl">
-                    <a:srgbClr val="000000">
-                      <a:alpha val="43137"/>
-                    </a:srgbClr>
-                  </a:outerShdw>
-                </a:effectLst>
-                <a:latin typeface="Consolas" pitchFamily="49" charset="0"/>
-              </a:rPr>
-              <a:t>  </a:t>
-            </a:r>
-            <a:r>
-              <a:rPr lang="en-US" sz="1400" b="1" noProof="1">
-                <a:solidFill>
-                  <a:schemeClr val="accent5">
-                    <a:lumMod val="20000"/>
-                    <a:lumOff val="80000"/>
-                  </a:schemeClr>
-                </a:solidFill>
-                <a:effectLst>
-                  <a:outerShdw blurRad="38100" dist="38100" dir="2700000" algn="tl">
-                    <a:srgbClr val="000000">
-                      <a:alpha val="43137"/>
-                    </a:srgbClr>
-                  </a:outerShdw>
-                </a:effectLst>
-                <a:latin typeface="Consolas" pitchFamily="49" charset="0"/>
-              </a:rPr>
-              <a:t>&lt;system.web&gt;</a:t>
-            </a:r>
-          </a:p>
-          <a:p>
-            <a:pPr eaLnBrk="0" hangingPunct="0">
-              <a:spcBef>
-                <a:spcPts val="0"/>
-              </a:spcBef>
-              <a:buClr>
-                <a:schemeClr val="accent5">
-                  <a:lumMod val="40000"/>
-                  <a:lumOff val="60000"/>
-                </a:schemeClr>
-              </a:buClr>
-              <a:buSzPct val="70000"/>
-            </a:pPr>
-            <a:r>
-              <a:rPr lang="en-US" sz="1400" b="1" noProof="1">
-                <a:solidFill>
-                  <a:schemeClr val="accent5">
-                    <a:lumMod val="20000"/>
-                    <a:lumOff val="80000"/>
-                  </a:schemeClr>
-                </a:solidFill>
-                <a:effectLst>
-                  <a:outerShdw blurRad="38100" dist="38100" dir="2700000" algn="tl">
-                    <a:srgbClr val="000000">
-                      <a:alpha val="43137"/>
-                    </a:srgbClr>
-                  </a:outerShdw>
-                </a:effectLst>
-                <a:latin typeface="Consolas" pitchFamily="49" charset="0"/>
-              </a:rPr>
-              <a:t>    &lt;compilation debug="true" targetFramework="4.5" </a:t>
-            </a:r>
-            <a:r>
-              <a:rPr lang="en-US" sz="1400" b="1" noProof="1" smtClean="0">
-                <a:solidFill>
-                  <a:schemeClr val="accent5">
-                    <a:lumMod val="20000"/>
-                    <a:lumOff val="80000"/>
-                  </a:schemeClr>
-                </a:solidFill>
-                <a:effectLst>
-                  <a:outerShdw blurRad="38100" dist="38100" dir="2700000" algn="tl">
-                    <a:srgbClr val="000000">
-                      <a:alpha val="43137"/>
-                    </a:srgbClr>
-                  </a:outerShdw>
-                </a:effectLst>
-                <a:latin typeface="Consolas" pitchFamily="49" charset="0"/>
-              </a:rPr>
-              <a:t>/&gt;</a:t>
-            </a:r>
-          </a:p>
-          <a:p>
-            <a:pPr eaLnBrk="0" hangingPunct="0">
-              <a:spcBef>
-                <a:spcPts val="0"/>
-              </a:spcBef>
-              <a:buClr>
-                <a:schemeClr val="accent5">
-                  <a:lumMod val="40000"/>
-                  <a:lumOff val="60000"/>
-                </a:schemeClr>
-              </a:buClr>
-              <a:buSzPct val="70000"/>
-            </a:pPr>
-            <a:r>
-              <a:rPr lang="en-US" sz="1400" b="1" noProof="1">
-                <a:solidFill>
-                  <a:schemeClr val="accent5">
-                    <a:lumMod val="20000"/>
-                    <a:lumOff val="80000"/>
-                  </a:schemeClr>
-                </a:solidFill>
-                <a:effectLst>
-                  <a:outerShdw blurRad="38100" dist="38100" dir="2700000" algn="tl">
-                    <a:srgbClr val="000000">
-                      <a:alpha val="43137"/>
-                    </a:srgbClr>
-                  </a:outerShdw>
-                </a:effectLst>
-                <a:latin typeface="Consolas" pitchFamily="49" charset="0"/>
-              </a:rPr>
-              <a:t> </a:t>
-            </a:r>
-            <a:r>
-              <a:rPr lang="en-US" sz="1400" b="1" noProof="1" smtClean="0">
-                <a:solidFill>
-                  <a:schemeClr val="accent5">
-                    <a:lumMod val="20000"/>
-                    <a:lumOff val="80000"/>
-                  </a:schemeClr>
-                </a:solidFill>
-                <a:effectLst>
-                  <a:outerShdw blurRad="38100" dist="38100" dir="2700000" algn="tl">
-                    <a:srgbClr val="000000">
-                      <a:alpha val="43137"/>
-                    </a:srgbClr>
-                  </a:outerShdw>
-                </a:effectLst>
-                <a:latin typeface="Consolas" pitchFamily="49" charset="0"/>
-              </a:rPr>
-              <a:t>   …</a:t>
-            </a:r>
-            <a:endParaRPr lang="en-US" sz="1400" b="1" noProof="1">
-              <a:solidFill>
-                <a:schemeClr val="accent5">
-                  <a:lumMod val="20000"/>
-                  <a:lumOff val="80000"/>
-                </a:schemeClr>
-              </a:solidFill>
-              <a:effectLst>
-                <a:outerShdw blurRad="38100" dist="38100" dir="2700000" algn="tl">
-                  <a:srgbClr val="000000">
-                    <a:alpha val="43137"/>
-                  </a:srgbClr>
-                </a:outerShdw>
-              </a:effectLst>
-              <a:latin typeface="Consolas" pitchFamily="49" charset="0"/>
-            </a:endParaRPr>
-          </a:p>
-          <a:p>
-            <a:pPr eaLnBrk="0" hangingPunct="0">
-              <a:spcBef>
-                <a:spcPts val="0"/>
-              </a:spcBef>
-              <a:buClr>
-                <a:schemeClr val="accent5">
-                  <a:lumMod val="40000"/>
-                  <a:lumOff val="60000"/>
-                </a:schemeClr>
-              </a:buClr>
-              <a:buSzPct val="70000"/>
-            </a:pPr>
-            <a:r>
-              <a:rPr lang="en-US" sz="1400" b="1" noProof="1" smtClean="0">
-                <a:solidFill>
-                  <a:schemeClr val="accent5">
-                    <a:lumMod val="20000"/>
-                    <a:lumOff val="80000"/>
-                  </a:schemeClr>
-                </a:solidFill>
-                <a:effectLst>
-                  <a:outerShdw blurRad="38100" dist="38100" dir="2700000" algn="tl">
-                    <a:srgbClr val="000000">
-                      <a:alpha val="43137"/>
-                    </a:srgbClr>
-                  </a:outerShdw>
-                </a:effectLst>
-                <a:latin typeface="Consolas" pitchFamily="49" charset="0"/>
-              </a:rPr>
-              <a:t>  &lt;/</a:t>
-            </a:r>
-            <a:r>
-              <a:rPr lang="en-US" sz="1400" b="1" noProof="1">
-                <a:solidFill>
-                  <a:schemeClr val="accent5">
-                    <a:lumMod val="20000"/>
-                    <a:lumOff val="80000"/>
-                  </a:schemeClr>
-                </a:solidFill>
-                <a:effectLst>
-                  <a:outerShdw blurRad="38100" dist="38100" dir="2700000" algn="tl">
-                    <a:srgbClr val="000000">
-                      <a:alpha val="43137"/>
-                    </a:srgbClr>
-                  </a:outerShdw>
-                </a:effectLst>
-                <a:latin typeface="Consolas" pitchFamily="49" charset="0"/>
-              </a:rPr>
-              <a:t>system.web&gt;</a:t>
-            </a:r>
-          </a:p>
-          <a:p>
-            <a:pPr eaLnBrk="0" hangingPunct="0">
-              <a:spcBef>
-                <a:spcPts val="0"/>
-              </a:spcBef>
-              <a:buClr>
-                <a:schemeClr val="accent5">
-                  <a:lumMod val="40000"/>
-                  <a:lumOff val="60000"/>
-                </a:schemeClr>
-              </a:buClr>
-              <a:buSzPct val="70000"/>
-            </a:pPr>
-            <a:r>
-              <a:rPr lang="en-US" sz="1400" b="1" noProof="1" smtClean="0">
-                <a:solidFill>
-                  <a:schemeClr val="accent5">
-                    <a:lumMod val="20000"/>
-                    <a:lumOff val="80000"/>
-                  </a:schemeClr>
-                </a:solidFill>
-                <a:effectLst>
-                  <a:outerShdw blurRad="38100" dist="38100" dir="2700000" algn="tl">
-                    <a:srgbClr val="000000">
-                      <a:alpha val="43137"/>
-                    </a:srgbClr>
-                  </a:outerShdw>
-                </a:effectLst>
-                <a:latin typeface="Consolas" pitchFamily="49" charset="0"/>
-              </a:rPr>
-              <a:t>  &lt;</a:t>
-            </a:r>
-            <a:r>
-              <a:rPr lang="en-US" sz="1400" b="1" noProof="1">
-                <a:solidFill>
-                  <a:schemeClr val="accent5">
-                    <a:lumMod val="20000"/>
-                    <a:lumOff val="80000"/>
-                  </a:schemeClr>
-                </a:solidFill>
-                <a:effectLst>
-                  <a:outerShdw blurRad="38100" dist="38100" dir="2700000" algn="tl">
-                    <a:srgbClr val="000000">
-                      <a:alpha val="43137"/>
-                    </a:srgbClr>
-                  </a:outerShdw>
-                </a:effectLst>
-                <a:latin typeface="Consolas" pitchFamily="49" charset="0"/>
-              </a:rPr>
-              <a:t>system.webServer</a:t>
-            </a:r>
-            <a:r>
-              <a:rPr lang="en-US" sz="1400" b="1" noProof="1" smtClean="0">
-                <a:solidFill>
-                  <a:schemeClr val="accent5">
-                    <a:lumMod val="20000"/>
-                    <a:lumOff val="80000"/>
-                  </a:schemeClr>
-                </a:solidFill>
-                <a:effectLst>
-                  <a:outerShdw blurRad="38100" dist="38100" dir="2700000" algn="tl">
-                    <a:srgbClr val="000000">
-                      <a:alpha val="43137"/>
-                    </a:srgbClr>
-                  </a:outerShdw>
-                </a:effectLst>
-                <a:latin typeface="Consolas" pitchFamily="49" charset="0"/>
-              </a:rPr>
-              <a:t>&gt;</a:t>
-            </a:r>
-            <a:r>
-              <a:rPr lang="en-US" sz="1400" b="1" noProof="1">
-                <a:solidFill>
-                  <a:schemeClr val="accent5">
-                    <a:lumMod val="20000"/>
-                    <a:lumOff val="80000"/>
-                  </a:schemeClr>
-                </a:solidFill>
-                <a:effectLst>
-                  <a:outerShdw blurRad="38100" dist="38100" dir="2700000" algn="tl">
-                    <a:srgbClr val="000000">
-                      <a:alpha val="43137"/>
-                    </a:srgbClr>
-                  </a:outerShdw>
-                </a:effectLst>
-                <a:latin typeface="Consolas" pitchFamily="49" charset="0"/>
-              </a:rPr>
               <a:t> … </a:t>
-            </a:r>
-            <a:r>
-              <a:rPr lang="en-US" sz="1400" b="1" noProof="1" smtClean="0">
-                <a:solidFill>
-                  <a:schemeClr val="accent5">
-                    <a:lumMod val="20000"/>
-                    <a:lumOff val="80000"/>
-                  </a:schemeClr>
-                </a:solidFill>
-                <a:effectLst>
-                  <a:outerShdw blurRad="38100" dist="38100" dir="2700000" algn="tl">
-                    <a:srgbClr val="000000">
-                      <a:alpha val="43137"/>
-                    </a:srgbClr>
-                  </a:outerShdw>
-                </a:effectLst>
-                <a:latin typeface="Consolas" pitchFamily="49" charset="0"/>
-              </a:rPr>
-              <a:t>&lt;/system.webServer&gt;</a:t>
-            </a:r>
-          </a:p>
-          <a:p>
-            <a:pPr eaLnBrk="0" hangingPunct="0">
-              <a:spcBef>
-                <a:spcPts val="0"/>
-              </a:spcBef>
-              <a:buClr>
-                <a:schemeClr val="accent5">
-                  <a:lumMod val="40000"/>
-                  <a:lumOff val="60000"/>
-                </a:schemeClr>
-              </a:buClr>
-              <a:buSzPct val="70000"/>
-            </a:pPr>
-            <a:r>
-              <a:rPr lang="en-US" sz="1400" b="1" noProof="1" smtClean="0">
-                <a:solidFill>
-                  <a:schemeClr val="accent5">
-                    <a:lumMod val="20000"/>
-                    <a:lumOff val="80000"/>
-                  </a:schemeClr>
-                </a:solidFill>
-                <a:effectLst>
-                  <a:outerShdw blurRad="38100" dist="38100" dir="2700000" algn="tl">
-                    <a:srgbClr val="000000">
-                      <a:alpha val="43137"/>
-                    </a:srgbClr>
-                  </a:outerShdw>
-                </a:effectLst>
-                <a:latin typeface="Consolas" pitchFamily="49" charset="0"/>
-              </a:rPr>
-              <a:t>  &lt;</a:t>
-            </a:r>
-            <a:r>
-              <a:rPr lang="en-US" sz="1400" b="1" noProof="1">
-                <a:solidFill>
-                  <a:schemeClr val="accent5">
-                    <a:lumMod val="20000"/>
-                    <a:lumOff val="80000"/>
-                  </a:schemeClr>
-                </a:solidFill>
-                <a:effectLst>
-                  <a:outerShdw blurRad="38100" dist="38100" dir="2700000" algn="tl">
-                    <a:srgbClr val="000000">
-                      <a:alpha val="43137"/>
-                    </a:srgbClr>
-                  </a:outerShdw>
-                </a:effectLst>
-                <a:latin typeface="Consolas" pitchFamily="49" charset="0"/>
-              </a:rPr>
-              <a:t>runtime</a:t>
-            </a:r>
-            <a:r>
-              <a:rPr lang="en-US" sz="1400" b="1" noProof="1" smtClean="0">
-                <a:solidFill>
-                  <a:schemeClr val="accent5">
-                    <a:lumMod val="20000"/>
-                    <a:lumOff val="80000"/>
-                  </a:schemeClr>
-                </a:solidFill>
-                <a:effectLst>
-                  <a:outerShdw blurRad="38100" dist="38100" dir="2700000" algn="tl">
-                    <a:srgbClr val="000000">
-                      <a:alpha val="43137"/>
-                    </a:srgbClr>
-                  </a:outerShdw>
-                </a:effectLst>
-                <a:latin typeface="Consolas" pitchFamily="49" charset="0"/>
-              </a:rPr>
-              <a:t>&gt;</a:t>
-            </a:r>
-            <a:r>
-              <a:rPr lang="en-US" sz="1400" b="1" noProof="1">
-                <a:solidFill>
-                  <a:schemeClr val="accent5">
-                    <a:lumMod val="20000"/>
-                    <a:lumOff val="80000"/>
-                  </a:schemeClr>
-                </a:solidFill>
-                <a:effectLst>
-                  <a:outerShdw blurRad="38100" dist="38100" dir="2700000" algn="tl">
-                    <a:srgbClr val="000000">
-                      <a:alpha val="43137"/>
-                    </a:srgbClr>
-                  </a:outerShdw>
-                </a:effectLst>
-                <a:latin typeface="Consolas" pitchFamily="49" charset="0"/>
-              </a:rPr>
-              <a:t> </a:t>
-            </a:r>
-            <a:r>
-              <a:rPr lang="en-US" sz="1400" b="1" noProof="1">
-                <a:solidFill>
-                  <a:schemeClr val="accent5">
-                    <a:lumMod val="20000"/>
-                    <a:lumOff val="80000"/>
-                  </a:schemeClr>
-                </a:solidFill>
-                <a:effectLst>
-                  <a:outerShdw blurRad="38100" dist="38100" dir="2700000" algn="tl">
-                    <a:srgbClr val="000000">
-                      <a:alpha val="43137"/>
-                    </a:srgbClr>
-                  </a:outerShdw>
-                </a:effectLst>
-                <a:latin typeface="Consolas" pitchFamily="49" charset="0"/>
-              </a:rPr>
-              <a:t>… </a:t>
             </a:r>
             <a:r>
               <a:rPr lang="en-US" sz="1400" b="1" noProof="1" smtClean="0">
@@ -11677,12 +11559,8 @@
               <a:t>ASP.NET </a:t>
             </a:r>
             <a:r>
-              <a:rPr lang="en-US" dirty="0" err="1" smtClean="0"/>
-              <a:t>vNext</a:t>
-            </a:r>
-            <a:r>
-              <a:rPr lang="en-US" dirty="0" smtClean="0"/>
-              <a:t> (5.0)</a:t>
+              <a:rPr lang="bg-BG" dirty="0" smtClean="0"/>
+              <a:t>5</a:t>
             </a:r>
             <a:endParaRPr lang="en-US" dirty="0" smtClean="0"/>
           </a:p>
@@ -11770,7 +11648,7 @@
         </p:nvSpPr>
         <p:spPr>
           <a:xfrm>
-            <a:off x="609600" y="4678450"/>
+            <a:off x="609600" y="957966"/>
             <a:ext cx="7924800" cy="685800"/>
           </a:xfrm>
         </p:spPr>
@@ -11798,7 +11676,7 @@
         </p:nvSpPr>
         <p:spPr>
           <a:xfrm>
-            <a:off x="609600" y="5526086"/>
+            <a:off x="609600" y="1805602"/>
             <a:ext cx="7924800" cy="936008"/>
           </a:xfrm>
         </p:spPr>
@@ -11845,7 +11723,7 @@
         </p:blipFill>
         <p:spPr>
           <a:xfrm>
-            <a:off x="1143000" y="1027370"/>
+            <a:off x="1143000" y="3015366"/>
             <a:ext cx="6858000" cy="3309234"/>
           </a:xfrm>
           <a:prstGeom prst="roundRect">
@@ -11929,8 +11807,8 @@
         </p:nvSpPr>
         <p:spPr>
           <a:xfrm>
-            <a:off x="228600" y="4648200"/>
-            <a:ext cx="8686800" cy="1143000"/>
+            <a:off x="228600" y="4191000"/>
+            <a:ext cx="8839200" cy="2133600"/>
           </a:xfrm>
         </p:spPr>
         <p:txBody>
@@ -11938,10 +11816,46 @@
           <a:lstStyle/>
           <a:p>
             <a:r>
-              <a:rPr lang="en-US" dirty="0" smtClean="0"/>
-              <a:t>MHPM == Module, Handler, Page Events, Module Events</a:t>
-            </a:r>
-            <a:endParaRPr lang="en-US" dirty="0"/>
+              <a:rPr lang="en-US" sz="2800" dirty="0" smtClean="0"/>
+              <a:t>Step 1 creates Application object, Request, Response and </a:t>
+            </a:r>
+            <a:r>
+              <a:rPr lang="en-US" sz="2800" dirty="0"/>
+              <a:t>Context </a:t>
+            </a:r>
+            <a:r>
+              <a:rPr lang="en-US" sz="2800" dirty="0" smtClean="0"/>
+              <a:t>objects to </a:t>
+            </a:r>
+            <a:r>
+              <a:rPr lang="en-US" sz="2800" dirty="0"/>
+              <a:t>process the </a:t>
+            </a:r>
+            <a:r>
+              <a:rPr lang="en-US" sz="2800" dirty="0" smtClean="0"/>
+              <a:t>request</a:t>
+            </a:r>
+          </a:p>
+          <a:p>
+            <a:r>
+              <a:rPr lang="en-US" sz="2800" dirty="0" smtClean="0"/>
+              <a:t>Step 2 series of events called MHPM for short – </a:t>
+            </a:r>
+            <a:r>
+              <a:rPr lang="en-US" sz="2800" dirty="0"/>
+              <a:t>Module, Handler, </a:t>
+            </a:r>
+            <a:r>
+              <a:rPr lang="en-US" sz="2800" dirty="0" smtClean="0"/>
+              <a:t>Page, </a:t>
+            </a:r>
+            <a:r>
+              <a:rPr lang="en-US" sz="2800" dirty="0"/>
+              <a:t>Module Events</a:t>
+            </a:r>
+          </a:p>
+          <a:p>
+            <a:endParaRPr lang="en-US" sz="2800" dirty="0"/>
           </a:p>
         </p:txBody>
       </p:sp>
@@ -11997,7 +11911,7 @@
         </p:blipFill>
         <p:spPr bwMode="auto">
           <a:xfrm>
-            <a:off x="685800" y="1298798"/>
+            <a:off x="685800" y="990600"/>
             <a:ext cx="7772400" cy="3044602"/>
           </a:xfrm>
           <a:prstGeom prst="rect">
@@ -12380,7 +12294,11 @@
             </a:r>
             <a:r>
               <a:rPr lang="en-US" dirty="0" smtClean="0"/>
-              <a:t>Lifecycle (2)</a:t>
+              <a:t>Lifecycle </a:t>
+            </a:r>
+            <a:r>
+              <a:rPr lang="en-US" dirty="0" smtClean="0"/>
+              <a:t>(2)</a:t>
             </a:r>
             <a:endParaRPr lang="en-US" dirty="0"/>
           </a:p>
@@ -12689,7 +12607,7 @@
             </a:r>
             <a:r>
               <a:rPr lang="en-US" sz="1600" dirty="0">
-                <a:hlinkClick r:id="rId2"/>
+                <a:hlinkClick r:id="rId3"/>
               </a:rPr>
               <a:t>http://www.codeproject.com/Articles/73728/</a:t>
             </a:r>
@@ -12697,54 +12615,283 @@
           </a:p>
         </p:txBody>
       </p:sp>
-      <p:pic>
-        <p:nvPicPr>
-          <p:cNvPr id="3074" name="Picture 2" descr="http://www.codeproject.com/KB/aspnet/ASPDOTNETPageLifecycle/2.jpg"/>
-          <p:cNvPicPr>
-            <a:picLocks noChangeAspect="1" noChangeArrowheads="1"/>
-          </p:cNvPicPr>
+      <p:grpSp>
+        <p:nvGrpSpPr>
+          <p:cNvPr id="8" name="Group 7"/>
+          <p:cNvGrpSpPr/>
           <p:nvPr/>
-        </p:nvPicPr>
-        <p:blipFill>
-          <a:blip r:embed="rId3">
-            <a:extLst>
-              <a:ext uri="{28A0092B-C50C-407E-A947-70E740481C1C}">
-                <a14:useLocalDpi xmlns:a14="http://schemas.microsoft.com/office/drawing/2010/main" val="0"/>
-              </a:ext>
-            </a:extLst>
-          </a:blip>
-          <a:srcRect/>
-          <a:stretch>
-            <a:fillRect/>
-          </a:stretch>
-        </p:blipFill>
-        <p:spPr bwMode="auto">
+        </p:nvGrpSpPr>
+        <p:grpSpPr>
           <a:xfrm>
-            <a:off x="838200" y="1013043"/>
-            <a:ext cx="7467600" cy="5268160"/>
+            <a:off x="457200" y="1219200"/>
+            <a:ext cx="8229600" cy="4835546"/>
+            <a:chOff x="457200" y="1219200"/>
+            <a:chExt cx="8229600" cy="4835546"/>
           </a:xfrm>
-          <a:prstGeom prst="rect">
-            <a:avLst/>
-          </a:prstGeom>
-          <a:noFill/>
-          <a:effectLst>
-            <a:softEdge rad="31750"/>
-          </a:effectLst>
-          <a:extLst>
-            <a:ext uri="{909E8E84-426E-40DD-AFC4-6F175D3DCCD1}">
-              <a14:hiddenFill xmlns:a14="http://schemas.microsoft.com/office/drawing/2010/main">
-                <a:solidFill>
-                  <a:srgbClr val="FFFFFF"/>
-                </a:solidFill>
-              </a14:hiddenFill>
-            </a:ext>
-          </a:extLst>
-        </p:spPr>
-      </p:pic>
+        </p:grpSpPr>
+        <p:grpSp>
+          <p:nvGrpSpPr>
+            <p:cNvPr id="5" name="Group 4"/>
+            <p:cNvGrpSpPr/>
+            <p:nvPr/>
+          </p:nvGrpSpPr>
+          <p:grpSpPr>
+            <a:xfrm>
+              <a:off x="457200" y="1219200"/>
+              <a:ext cx="8229600" cy="4835546"/>
+              <a:chOff x="457200" y="1219200"/>
+              <a:chExt cx="8229600" cy="4835546"/>
+            </a:xfrm>
+          </p:grpSpPr>
+          <p:pic>
+            <p:nvPicPr>
+              <p:cNvPr id="4098" name="Picture 2" descr="http://www.codeproject.com/KB/aspnet/ASPDOTNETPageLifecycle/3.jpg"/>
+              <p:cNvPicPr>
+                <a:picLocks noChangeAspect="1" noChangeArrowheads="1"/>
+              </p:cNvPicPr>
+              <p:nvPr/>
+            </p:nvPicPr>
+            <p:blipFill>
+              <a:blip r:embed="rId4">
+                <a:extLst>
+                  <a:ext uri="{28A0092B-C50C-407E-A947-70E740481C1C}">
+                    <a14:useLocalDpi xmlns:a14="http://schemas.microsoft.com/office/drawing/2010/main" val="0"/>
+                  </a:ext>
+                </a:extLst>
+              </a:blip>
+              <a:srcRect/>
+              <a:stretch>
+                <a:fillRect/>
+              </a:stretch>
+            </p:blipFill>
+            <p:spPr bwMode="auto">
+              <a:xfrm>
+                <a:off x="457200" y="1219200"/>
+                <a:ext cx="8229600" cy="4835546"/>
+              </a:xfrm>
+              <a:prstGeom prst="rect">
+                <a:avLst/>
+              </a:prstGeom>
+              <a:noFill/>
+              <a:effectLst>
+                <a:softEdge rad="31750"/>
+              </a:effectLst>
+              <a:extLst>
+                <a:ext uri="{909E8E84-426E-40DD-AFC4-6F175D3DCCD1}">
+                  <a14:hiddenFill xmlns:a14="http://schemas.microsoft.com/office/drawing/2010/main">
+                    <a:solidFill>
+                      <a:srgbClr val="FFFFFF"/>
+                    </a:solidFill>
+                  </a14:hiddenFill>
+                </a:ext>
+              </a:extLst>
+            </p:spPr>
+          </p:pic>
+          <p:sp>
+            <p:nvSpPr>
+              <p:cNvPr id="3" name="TextBox 2"/>
+              <p:cNvSpPr txBox="1"/>
+              <p:nvPr/>
+            </p:nvSpPr>
+            <p:spPr>
+              <a:xfrm>
+                <a:off x="533400" y="3429000"/>
+                <a:ext cx="1524000" cy="707886"/>
+              </a:xfrm>
+              <a:prstGeom prst="rect">
+                <a:avLst/>
+              </a:prstGeom>
+              <a:noFill/>
+            </p:spPr>
+            <p:txBody>
+              <a:bodyPr wrap="square" rtlCol="0">
+                <a:spAutoFit/>
+              </a:bodyPr>
+              <a:lstStyle/>
+              <a:p>
+                <a:r>
+                  <a:rPr lang="en-US" sz="2000" dirty="0" smtClean="0">
+                    <a:solidFill>
+                      <a:srgbClr val="323232"/>
+                    </a:solidFill>
+                    <a:latin typeface="Comic Sans MS" panose="030F0702030302020204" pitchFamily="66" charset="0"/>
+                  </a:rPr>
+                  <a:t>Application Pools</a:t>
+                </a:r>
+                <a:endParaRPr lang="en-US" sz="2000" dirty="0">
+                  <a:solidFill>
+                    <a:srgbClr val="323232"/>
+                  </a:solidFill>
+                  <a:latin typeface="Comic Sans MS" panose="030F0702030302020204" pitchFamily="66" charset="0"/>
+                </a:endParaRPr>
+              </a:p>
+            </p:txBody>
+          </p:sp>
+        </p:grpSp>
+        <p:sp>
+          <p:nvSpPr>
+            <p:cNvPr id="6" name="TextBox 5"/>
+            <p:cNvSpPr txBox="1"/>
+            <p:nvPr/>
+          </p:nvSpPr>
+          <p:spPr>
+            <a:xfrm>
+              <a:off x="2286000" y="1752600"/>
+              <a:ext cx="1744388" cy="369332"/>
+            </a:xfrm>
+            <a:prstGeom prst="rect">
+              <a:avLst/>
+            </a:prstGeom>
+            <a:noFill/>
+          </p:spPr>
+          <p:txBody>
+            <a:bodyPr wrap="none" rtlCol="0">
+              <a:spAutoFit/>
+            </a:bodyPr>
+            <a:lstStyle/>
+            <a:p>
+              <a:r>
+                <a:rPr lang="en-US" sz="1800" b="1" dirty="0">
+                  <a:solidFill>
+                    <a:schemeClr val="bg1"/>
+                  </a:solidFill>
+                  <a:effectLst>
+                    <a:outerShdw blurRad="38100" dist="38100" dir="2700000" algn="tl">
+                      <a:srgbClr val="000000">
+                        <a:alpha val="43137"/>
+                      </a:srgbClr>
+                    </a:outerShdw>
+                  </a:effectLst>
+                </a:rPr>
+                <a:t>aspnet_isapi.dll</a:t>
+              </a:r>
+            </a:p>
+          </p:txBody>
+        </p:sp>
+        <p:sp>
+          <p:nvSpPr>
+            <p:cNvPr id="9" name="TextBox 8"/>
+            <p:cNvSpPr txBox="1"/>
+            <p:nvPr/>
+          </p:nvSpPr>
+          <p:spPr>
+            <a:xfrm>
+              <a:off x="5859188" y="1856601"/>
+              <a:ext cx="1985223" cy="276999"/>
+            </a:xfrm>
+            <a:prstGeom prst="rect">
+              <a:avLst/>
+            </a:prstGeom>
+            <a:noFill/>
+          </p:spPr>
+          <p:txBody>
+            <a:bodyPr wrap="none" rtlCol="0">
+              <a:spAutoFit/>
+            </a:bodyPr>
+            <a:lstStyle/>
+            <a:p>
+              <a:r>
+                <a:rPr lang="en-US" sz="1200" b="1" dirty="0" smtClean="0">
+                  <a:solidFill>
+                    <a:schemeClr val="bg1"/>
+                  </a:solidFill>
+                  <a:effectLst>
+                    <a:outerShdw blurRad="38100" dist="38100" dir="2700000" algn="tl">
+                      <a:srgbClr val="000000">
+                        <a:alpha val="43137"/>
+                      </a:srgbClr>
+                    </a:outerShdw>
+                  </a:effectLst>
+                </a:rPr>
+                <a:t>(created only the first time)</a:t>
+              </a:r>
+              <a:endParaRPr lang="en-US" sz="1200" b="1" dirty="0">
+                <a:solidFill>
+                  <a:schemeClr val="bg1"/>
+                </a:solidFill>
+                <a:effectLst>
+                  <a:outerShdw blurRad="38100" dist="38100" dir="2700000" algn="tl">
+                    <a:srgbClr val="000000">
+                      <a:alpha val="43137"/>
+                    </a:srgbClr>
+                  </a:outerShdw>
+                </a:effectLst>
+              </a:endParaRPr>
+            </a:p>
+          </p:txBody>
+        </p:sp>
+        <p:sp>
+          <p:nvSpPr>
+            <p:cNvPr id="10" name="TextBox 9"/>
+            <p:cNvSpPr txBox="1"/>
+            <p:nvPr/>
+          </p:nvSpPr>
+          <p:spPr>
+            <a:xfrm>
+              <a:off x="3581400" y="4267200"/>
+              <a:ext cx="1111586" cy="276999"/>
+            </a:xfrm>
+            <a:prstGeom prst="rect">
+              <a:avLst/>
+            </a:prstGeom>
+            <a:noFill/>
+          </p:spPr>
+          <p:txBody>
+            <a:bodyPr wrap="none" rtlCol="0">
+              <a:spAutoFit/>
+            </a:bodyPr>
+            <a:lstStyle/>
+            <a:p>
+              <a:r>
+                <a:rPr lang="en-US" sz="1200" b="1" dirty="0" smtClean="0">
+                  <a:solidFill>
+                    <a:schemeClr val="bg1"/>
+                  </a:solidFill>
+                  <a:effectLst>
+                    <a:outerShdw blurRad="38100" dist="38100" dir="2700000" algn="tl">
+                      <a:srgbClr val="000000">
+                        <a:alpha val="43137"/>
+                      </a:srgbClr>
+                    </a:outerShdw>
+                  </a:effectLst>
+                </a:rPr>
+                <a:t>in </a:t>
+              </a:r>
+              <a:r>
+                <a:rPr lang="en-US" sz="1200" b="1" dirty="0" err="1" smtClean="0">
+                  <a:solidFill>
+                    <a:schemeClr val="bg1"/>
+                  </a:solidFill>
+                  <a:effectLst>
+                    <a:outerShdw blurRad="38100" dist="38100" dir="2700000" algn="tl">
+                      <a:srgbClr val="000000">
+                        <a:alpha val="43137"/>
+                      </a:srgbClr>
+                    </a:outerShdw>
+                  </a:effectLst>
+                </a:rPr>
+                <a:t>Global.asax</a:t>
+              </a:r>
+              <a:endParaRPr lang="en-US" sz="1200" b="1" dirty="0">
+                <a:solidFill>
+                  <a:schemeClr val="bg1"/>
+                </a:solidFill>
+                <a:effectLst>
+                  <a:outerShdw blurRad="38100" dist="38100" dir="2700000" algn="tl">
+                    <a:srgbClr val="000000">
+                      <a:alpha val="43137"/>
+                    </a:srgbClr>
+                  </a:outerShdw>
+                </a:effectLst>
+              </a:endParaRPr>
+            </a:p>
+          </p:txBody>
+        </p:sp>
+      </p:grpSp>
     </p:spTree>
     <p:extLst>
       <p:ext uri="{BB962C8B-B14F-4D97-AF65-F5344CB8AC3E}">
-        <p14:creationId xmlns:p14="http://schemas.microsoft.com/office/powerpoint/2010/main" val="3447043828"/>
+        <p14:creationId xmlns:p14="http://schemas.microsoft.com/office/powerpoint/2010/main" val="3311299158"/>
       </p:ext>
     </p:extLst>
   </p:cSld>
@@ -12799,7 +12946,11 @@
             </a:r>
             <a:r>
               <a:rPr lang="en-US" dirty="0" smtClean="0"/>
-              <a:t>Lifecycle (3)</a:t>
+              <a:t>Lifecycle </a:t>
+            </a:r>
+            <a:r>
+              <a:rPr lang="en-US" dirty="0" smtClean="0"/>
+              <a:t>(3)</a:t>
             </a:r>
             <a:endParaRPr lang="en-US" dirty="0"/>
           </a:p>
@@ -13108,7 +13259,7 @@
             </a:r>
             <a:r>
               <a:rPr lang="en-US" sz="1600" dirty="0">
-                <a:hlinkClick r:id="rId3"/>
+                <a:hlinkClick r:id="rId2"/>
               </a:rPr>
               <a:t>http://www.codeproject.com/Articles/73728/</a:t>
             </a:r>
@@ -13116,109 +13267,54 @@
           </a:p>
         </p:txBody>
       </p:sp>
-      <p:grpSp>
-        <p:nvGrpSpPr>
-          <p:cNvPr id="5" name="Group 4"/>
-          <p:cNvGrpSpPr/>
+      <p:pic>
+        <p:nvPicPr>
+          <p:cNvPr id="3074" name="Picture 2" descr="http://www.codeproject.com/KB/aspnet/ASPDOTNETPageLifecycle/2.jpg"/>
+          <p:cNvPicPr>
+            <a:picLocks noChangeAspect="1" noChangeArrowheads="1"/>
+          </p:cNvPicPr>
           <p:nvPr/>
-        </p:nvGrpSpPr>
-        <p:grpSpPr>
-          <a:xfrm>
-            <a:off x="457200" y="1219200"/>
-            <a:ext cx="8229600" cy="4835546"/>
-            <a:chOff x="457200" y="1219200"/>
-            <a:chExt cx="8229600" cy="4835546"/>
-          </a:xfrm>
-        </p:grpSpPr>
-        <p:pic>
-          <p:nvPicPr>
-            <p:cNvPr id="4098" name="Picture 2" descr="http://www.codeproject.com/KB/aspnet/ASPDOTNETPageLifecycle/3.jpg"/>
-            <p:cNvPicPr>
-              <a:picLocks noChangeAspect="1" noChangeArrowheads="1"/>
-            </p:cNvPicPr>
-            <p:nvPr/>
-          </p:nvPicPr>
-          <p:blipFill>
-            <a:blip r:embed="rId4">
-              <a:extLst>
-                <a:ext uri="{28A0092B-C50C-407E-A947-70E740481C1C}">
-                  <a14:useLocalDpi xmlns:a14="http://schemas.microsoft.com/office/drawing/2010/main" val="0"/>
-                </a:ext>
-              </a:extLst>
-            </a:blip>
-            <a:srcRect/>
-            <a:stretch>
-              <a:fillRect/>
-            </a:stretch>
-          </p:blipFill>
-          <p:spPr bwMode="auto">
-            <a:xfrm>
-              <a:off x="457200" y="1219200"/>
-              <a:ext cx="8229600" cy="4835546"/>
-            </a:xfrm>
-            <a:prstGeom prst="rect">
-              <a:avLst/>
-            </a:prstGeom>
-            <a:noFill/>
-            <a:effectLst>
-              <a:softEdge rad="31750"/>
-            </a:effectLst>
+        </p:nvPicPr>
+        <p:blipFill>
+          <a:blip r:embed="rId3">
             <a:extLst>
-              <a:ext uri="{909E8E84-426E-40DD-AFC4-6F175D3DCCD1}">
-                <a14:hiddenFill xmlns:a14="http://schemas.microsoft.com/office/drawing/2010/main">
-                  <a:solidFill>
-                    <a:srgbClr val="FFFFFF"/>
-                  </a:solidFill>
-                </a14:hiddenFill>
+              <a:ext uri="{28A0092B-C50C-407E-A947-70E740481C1C}">
+                <a14:useLocalDpi xmlns:a14="http://schemas.microsoft.com/office/drawing/2010/main" val="0"/>
               </a:ext>
             </a:extLst>
-          </p:spPr>
-        </p:pic>
-        <p:sp>
-          <p:nvSpPr>
-            <p:cNvPr id="3" name="TextBox 2"/>
-            <p:cNvSpPr txBox="1"/>
-            <p:nvPr/>
-          </p:nvSpPr>
-          <p:spPr>
-            <a:xfrm>
-              <a:off x="533400" y="3429000"/>
-              <a:ext cx="1524000" cy="707886"/>
-            </a:xfrm>
-            <a:prstGeom prst="rect">
-              <a:avLst/>
-            </a:prstGeom>
-            <a:noFill/>
-          </p:spPr>
-          <p:txBody>
-            <a:bodyPr wrap="square" rtlCol="0">
-              <a:spAutoFit/>
-            </a:bodyPr>
-            <a:lstStyle/>
-            <a:p>
-              <a:r>
-                <a:rPr lang="en-US" sz="2000" dirty="0" smtClean="0">
-                  <a:solidFill>
-                    <a:srgbClr val="323232"/>
-                  </a:solidFill>
-                  <a:latin typeface="Comic Sans MS" panose="030F0702030302020204" pitchFamily="66" charset="0"/>
-                </a:rPr>
-                <a:t>Application Pools</a:t>
-              </a:r>
-              <a:endParaRPr lang="en-US" sz="2000" dirty="0">
-                <a:solidFill>
-                  <a:srgbClr val="323232"/>
-                </a:solidFill>
-                <a:latin typeface="Comic Sans MS" panose="030F0702030302020204" pitchFamily="66" charset="0"/>
-              </a:endParaRPr>
-            </a:p>
-          </p:txBody>
-        </p:sp>
-      </p:grpSp>
+          </a:blip>
+          <a:srcRect/>
+          <a:stretch>
+            <a:fillRect/>
+          </a:stretch>
+        </p:blipFill>
+        <p:spPr bwMode="auto">
+          <a:xfrm>
+            <a:off x="578842" y="874216"/>
+            <a:ext cx="7833915" cy="5526584"/>
+          </a:xfrm>
+          <a:prstGeom prst="rect">
+            <a:avLst/>
+          </a:prstGeom>
+          <a:noFill/>
+          <a:effectLst>
+            <a:softEdge rad="31750"/>
+          </a:effectLst>
+          <a:extLst>
+            <a:ext uri="{909E8E84-426E-40DD-AFC4-6F175D3DCCD1}">
+              <a14:hiddenFill xmlns:a14="http://schemas.microsoft.com/office/drawing/2010/main">
+                <a:solidFill>
+                  <a:srgbClr val="FFFFFF"/>
+                </a:solidFill>
+              </a14:hiddenFill>
+            </a:ext>
+          </a:extLst>
+        </p:spPr>
+      </p:pic>
     </p:spTree>
     <p:extLst>
       <p:ext uri="{BB962C8B-B14F-4D97-AF65-F5344CB8AC3E}">
-        <p14:creationId xmlns:p14="http://schemas.microsoft.com/office/powerpoint/2010/main" val="3311299158"/>
+        <p14:creationId xmlns:p14="http://schemas.microsoft.com/office/powerpoint/2010/main" val="3447043828"/>
       </p:ext>
     </p:extLst>
   </p:cSld>
@@ -13268,12 +13364,12 @@
           <a:lstStyle/>
           <a:p>
             <a:r>
+              <a:rPr lang="en-US" dirty="0" err="1"/>
+              <a:t>HttpHandler</a:t>
+            </a:r>
+            <a:r>
               <a:rPr lang="en-US" dirty="0"/>
-              <a:t>ASP.NET App </a:t>
-            </a:r>
-            <a:r>
-              <a:rPr lang="en-US" dirty="0" smtClean="0"/>
-              <a:t>Lifecycle (4)</a:t>
+              <a:t> </a:t>
             </a:r>
             <a:endParaRPr lang="en-US" dirty="0"/>
           </a:p>
@@ -13611,8 +13707,8 @@
         </p:blipFill>
         <p:spPr bwMode="auto">
           <a:xfrm>
-            <a:off x="1073440" y="1038728"/>
-            <a:ext cx="6899488" cy="5181600"/>
+            <a:off x="1676400" y="2057400"/>
+            <a:ext cx="5638800" cy="4234808"/>
           </a:xfrm>
           <a:prstGeom prst="rect">
             <a:avLst/>
@@ -13632,6 +13728,65 @@
           </a:extLst>
         </p:spPr>
       </p:pic>
+      <p:sp>
+        <p:nvSpPr>
+          <p:cNvPr id="6" name="Content Placeholder 2"/>
+          <p:cNvSpPr>
+            <a:spLocks noGrp="1"/>
+          </p:cNvSpPr>
+          <p:nvPr>
+            <p:ph idx="1"/>
+          </p:nvPr>
+        </p:nvSpPr>
+        <p:spPr>
+          <a:xfrm>
+            <a:off x="228600" y="838200"/>
+            <a:ext cx="8839200" cy="1110608"/>
+          </a:xfrm>
+        </p:spPr>
+        <p:txBody>
+          <a:bodyPr/>
+          <a:lstStyle/>
+          <a:p>
+            <a:r>
+              <a:rPr lang="en-US" sz="2800" dirty="0" err="1"/>
+              <a:t>HttpHandler</a:t>
+            </a:r>
+            <a:r>
+              <a:rPr lang="en-US" sz="2800" dirty="0"/>
+              <a:t> </a:t>
+            </a:r>
+            <a:r>
+              <a:rPr lang="bg-BG" sz="2800" dirty="0" smtClean="0"/>
+              <a:t>– </a:t>
+            </a:r>
+            <a:r>
+              <a:rPr lang="en-US" sz="2800" dirty="0" smtClean="0"/>
+              <a:t>injects </a:t>
+            </a:r>
+            <a:r>
+              <a:rPr lang="en-US" sz="2800" dirty="0"/>
+              <a:t>logic based in file extensions</a:t>
+            </a:r>
+            <a:endParaRPr lang="bg-BG" sz="2800" dirty="0" smtClean="0"/>
+          </a:p>
+          <a:p>
+            <a:r>
+              <a:rPr lang="en-US" sz="2800" dirty="0" err="1" smtClean="0"/>
+              <a:t>HttpHandler</a:t>
+            </a:r>
+            <a:r>
+              <a:rPr lang="en-US" sz="2800" dirty="0" smtClean="0"/>
+              <a:t> </a:t>
+            </a:r>
+            <a:r>
+              <a:rPr lang="en-US" sz="2800" dirty="0"/>
+              <a:t>is an extension based processor</a:t>
+            </a:r>
+            <a:endParaRPr lang="en-US" sz="2800" dirty="0"/>
+          </a:p>
+        </p:txBody>
+      </p:sp>
     </p:spTree>
     <p:extLst>
       <p:ext uri="{BB962C8B-B14F-4D97-AF65-F5344CB8AC3E}">
@@ -13685,12 +13840,12 @@
           <a:lstStyle/>
           <a:p>
             <a:r>
+              <a:rPr lang="en-US" dirty="0" err="1"/>
+              <a:t>HttpModule</a:t>
+            </a:r>
+            <a:r>
               <a:rPr lang="en-US" dirty="0"/>
-              <a:t>ASP.NET App </a:t>
-            </a:r>
-            <a:r>
-              <a:rPr lang="en-US" dirty="0" smtClean="0"/>
-              <a:t>Lifecycle (5)</a:t>
+              <a:t> </a:t>
             </a:r>
             <a:endParaRPr lang="en-US" dirty="0"/>
           </a:p>
@@ -14028,7 +14183,7 @@
         </p:blipFill>
         <p:spPr bwMode="auto">
           <a:xfrm>
-            <a:off x="449180" y="1569211"/>
+            <a:off x="457200" y="2438400"/>
             <a:ext cx="8209548" cy="3803798"/>
           </a:xfrm>
           <a:prstGeom prst="rect">
@@ -14049,6 +14204,77 @@
           </a:extLst>
         </p:spPr>
       </p:pic>
+      <p:sp>
+        <p:nvSpPr>
+          <p:cNvPr id="6" name="Content Placeholder 2"/>
+          <p:cNvSpPr>
+            <a:spLocks noGrp="1"/>
+          </p:cNvSpPr>
+          <p:nvPr>
+            <p:ph idx="1"/>
+          </p:nvPr>
+        </p:nvSpPr>
+        <p:spPr>
+          <a:xfrm>
+            <a:off x="228600" y="838200"/>
+            <a:ext cx="8763000" cy="1524000"/>
+          </a:xfrm>
+        </p:spPr>
+        <p:txBody>
+          <a:bodyPr/>
+          <a:lstStyle/>
+          <a:p>
+            <a:pPr>
+              <a:spcBef>
+                <a:spcPts val="300"/>
+              </a:spcBef>
+              <a:spcAft>
+                <a:spcPts val="300"/>
+              </a:spcAft>
+            </a:pPr>
+            <a:r>
+              <a:rPr lang="en-US" sz="2800" dirty="0" err="1" smtClean="0"/>
+              <a:t>HttpModule</a:t>
+            </a:r>
+            <a:r>
+              <a:rPr lang="en-US" sz="2800" dirty="0" smtClean="0"/>
+              <a:t> – injects </a:t>
+            </a:r>
+            <a:r>
+              <a:rPr lang="en-US" sz="2800" dirty="0"/>
+              <a:t>logic in the events of ASP.NET </a:t>
+            </a:r>
+            <a:r>
+              <a:rPr lang="en-US" sz="2800" dirty="0" err="1"/>
+              <a:t>pipleline</a:t>
+            </a:r>
+            <a:endParaRPr lang="bg-BG" sz="2800" dirty="0" smtClean="0"/>
+          </a:p>
+          <a:p>
+            <a:pPr>
+              <a:spcBef>
+                <a:spcPts val="300"/>
+              </a:spcBef>
+              <a:spcAft>
+                <a:spcPts val="300"/>
+              </a:spcAft>
+            </a:pPr>
+            <a:r>
+              <a:rPr lang="en-US" sz="2800" dirty="0" err="1" smtClean="0"/>
+              <a:t>HttpModule</a:t>
+            </a:r>
+            <a:r>
+              <a:rPr lang="en-US" sz="2800" dirty="0" smtClean="0"/>
+              <a:t> is </a:t>
+            </a:r>
+            <a:r>
+              <a:rPr lang="en-US" sz="2800" dirty="0"/>
+              <a:t>an event based processor</a:t>
+            </a:r>
+            <a:endParaRPr lang="en-US" sz="2800" dirty="0"/>
+          </a:p>
+        </p:txBody>
+      </p:sp>
     </p:spTree>
     <p:extLst>
       <p:ext uri="{BB962C8B-B14F-4D97-AF65-F5344CB8AC3E}">
@@ -14107,7 +14333,19 @@
             </a:r>
             <a:r>
               <a:rPr lang="en-US" dirty="0" smtClean="0"/>
-              <a:t>Lifecycle (6)</a:t>
+              <a:t>Lifecycle </a:t>
+            </a:r>
+            <a:r>
+              <a:rPr lang="en-US" dirty="0" smtClean="0"/>
+              <a:t>(</a:t>
+            </a:r>
+            <a:r>
+              <a:rPr lang="bg-BG" dirty="0" smtClean="0"/>
+              <a:t>4</a:t>
+            </a:r>
+            <a:r>
+              <a:rPr lang="en-US" dirty="0" smtClean="0"/>
+              <a:t>)</a:t>
             </a:r>
             <a:endParaRPr lang="en-US" dirty="0"/>
           </a:p>
@@ -14536,11 +14774,21 @@
             <p:ph idx="1"/>
           </p:nvPr>
         </p:nvSpPr>
-        <p:spPr/>
+        <p:spPr>
+          <a:xfrm>
+            <a:off x="228600" y="762000"/>
+            <a:ext cx="8686800" cy="5791200"/>
+          </a:xfrm>
+        </p:spPr>
         <p:txBody>
           <a:bodyPr/>
           <a:lstStyle/>
           <a:p>
+            <a:pPr>
+              <a:spcAft>
+                <a:spcPts val="300"/>
+              </a:spcAft>
+            </a:pPr>
             <a:r>
               <a:rPr lang="en-US" noProof="1" smtClean="0">
                 <a:solidFill>
@@ -14556,17 +14804,238 @@
             </a:r>
             <a:r>
               <a:rPr lang="en-US" dirty="0" smtClean="0"/>
-              <a:t> have a complex pipeline to the process HTTP requests (</a:t>
+              <a:t> have </a:t>
+            </a:r>
+            <a:r>
+              <a:rPr lang="en-US" dirty="0" smtClean="0"/>
+              <a:t>a complex pipeline to the process HTTP requests (</a:t>
             </a:r>
             <a:r>
               <a:rPr lang="en-US" dirty="0" smtClean="0">
                 <a:hlinkClick r:id="rId2"/>
               </a:rPr>
-              <a:t>read more</a:t>
+              <a:t>read </a:t>
+            </a:r>
+            <a:r>
+              <a:rPr lang="en-US" dirty="0" smtClean="0">
+                <a:hlinkClick r:id="rId2"/>
+              </a:rPr>
+              <a:t>more</a:t>
             </a:r>
             <a:r>
               <a:rPr lang="en-US" dirty="0" smtClean="0"/>
               <a:t>)</a:t>
+            </a:r>
+          </a:p>
+          <a:p>
+            <a:pPr lvl="1">
+              <a:spcAft>
+                <a:spcPts val="300"/>
+              </a:spcAft>
+            </a:pPr>
+            <a:r>
+              <a:rPr lang="en-US" noProof="1" smtClean="0">
+                <a:solidFill>
+                  <a:schemeClr val="accent5">
+                    <a:lumMod val="20000"/>
+                    <a:lumOff val="80000"/>
+                  </a:schemeClr>
+                </a:solidFill>
+                <a:latin typeface="Consolas" panose="020B0609020204030204" pitchFamily="49" charset="0"/>
+                <a:cs typeface="Consolas" panose="020B0609020204030204" pitchFamily="49" charset="0"/>
+              </a:rPr>
+              <a:t>Application_Start</a:t>
+            </a:r>
+            <a:endParaRPr lang="en-US" noProof="1">
+              <a:solidFill>
+                <a:schemeClr val="accent5">
+                  <a:lumMod val="20000"/>
+                  <a:lumOff val="80000"/>
+                </a:schemeClr>
+              </a:solidFill>
+              <a:latin typeface="Consolas" panose="020B0609020204030204" pitchFamily="49" charset="0"/>
+              <a:cs typeface="Consolas" panose="020B0609020204030204" pitchFamily="49" charset="0"/>
+            </a:endParaRPr>
+          </a:p>
+          <a:p>
+            <a:pPr lvl="1">
+              <a:spcAft>
+                <a:spcPts val="300"/>
+              </a:spcAft>
+            </a:pPr>
+            <a:r>
+              <a:rPr lang="en-US" noProof="1" smtClean="0">
+                <a:solidFill>
+                  <a:schemeClr val="accent5">
+                    <a:lumMod val="20000"/>
+                    <a:lumOff val="80000"/>
+                  </a:schemeClr>
+                </a:solidFill>
+                <a:latin typeface="Consolas" panose="020B0609020204030204" pitchFamily="49" charset="0"/>
+                <a:cs typeface="Consolas" panose="020B0609020204030204" pitchFamily="49" charset="0"/>
+              </a:rPr>
+              <a:t>Application_End</a:t>
+            </a:r>
+            <a:endParaRPr lang="en-US" noProof="1">
+              <a:solidFill>
+                <a:schemeClr val="accent5">
+                  <a:lumMod val="20000"/>
+                  <a:lumOff val="80000"/>
+                </a:schemeClr>
+              </a:solidFill>
+              <a:latin typeface="Consolas" panose="020B0609020204030204" pitchFamily="49" charset="0"/>
+              <a:cs typeface="Consolas" panose="020B0609020204030204" pitchFamily="49" charset="0"/>
+            </a:endParaRPr>
+          </a:p>
+          <a:p>
+            <a:pPr lvl="1">
+              <a:spcAft>
+                <a:spcPts val="300"/>
+              </a:spcAft>
+            </a:pPr>
+            <a:r>
+              <a:rPr lang="en-US" noProof="1">
+                <a:solidFill>
+                  <a:schemeClr val="accent5">
+                    <a:lumMod val="20000"/>
+                    <a:lumOff val="80000"/>
+                  </a:schemeClr>
+                </a:solidFill>
+                <a:latin typeface="Consolas" panose="020B0609020204030204" pitchFamily="49" charset="0"/>
+                <a:cs typeface="Consolas" panose="020B0609020204030204" pitchFamily="49" charset="0"/>
+              </a:rPr>
+              <a:t>Application_Error</a:t>
+            </a:r>
+            <a:endParaRPr lang="en-US" dirty="0"/>
+          </a:p>
+          <a:p>
+            <a:pPr lvl="1">
+              <a:spcAft>
+                <a:spcPts val="300"/>
+              </a:spcAft>
+            </a:pPr>
+            <a:r>
+              <a:rPr lang="en-US" noProof="1" smtClean="0">
+                <a:solidFill>
+                  <a:schemeClr val="accent5">
+                    <a:lumMod val="20000"/>
+                    <a:lumOff val="80000"/>
+                  </a:schemeClr>
+                </a:solidFill>
+                <a:latin typeface="Consolas" panose="020B0609020204030204" pitchFamily="49" charset="0"/>
+                <a:cs typeface="Consolas" panose="020B0609020204030204" pitchFamily="49" charset="0"/>
+              </a:rPr>
+              <a:t>Application_BeginRequest</a:t>
+            </a:r>
+            <a:endParaRPr lang="en-US" noProof="1">
+              <a:solidFill>
+                <a:schemeClr val="accent5">
+                  <a:lumMod val="20000"/>
+                  <a:lumOff val="80000"/>
+                </a:schemeClr>
+              </a:solidFill>
+              <a:latin typeface="Consolas" panose="020B0609020204030204" pitchFamily="49" charset="0"/>
+              <a:cs typeface="Consolas" panose="020B0609020204030204" pitchFamily="49" charset="0"/>
+            </a:endParaRPr>
+          </a:p>
+          <a:p>
+            <a:pPr lvl="1">
+              <a:spcAft>
+                <a:spcPts val="300"/>
+              </a:spcAft>
+            </a:pPr>
+            <a:r>
+              <a:rPr lang="en-US" noProof="1" smtClean="0">
+                <a:solidFill>
+                  <a:schemeClr val="accent5">
+                    <a:lumMod val="20000"/>
+                    <a:lumOff val="80000"/>
+                  </a:schemeClr>
+                </a:solidFill>
+                <a:latin typeface="Consolas" panose="020B0609020204030204" pitchFamily="49" charset="0"/>
+                <a:cs typeface="Consolas" panose="020B0609020204030204" pitchFamily="49" charset="0"/>
+              </a:rPr>
+              <a:t>Application_EndRequest</a:t>
+            </a:r>
+          </a:p>
+          <a:p>
+            <a:pPr lvl="1">
+              <a:spcAft>
+                <a:spcPts val="300"/>
+              </a:spcAft>
+            </a:pPr>
+            <a:r>
+              <a:rPr lang="en-US" dirty="0" err="1" smtClean="0">
+                <a:solidFill>
+                  <a:schemeClr val="accent5">
+                    <a:lumMod val="20000"/>
+                    <a:lumOff val="80000"/>
+                  </a:schemeClr>
+                </a:solidFill>
+                <a:latin typeface="Consolas" panose="020B0609020204030204" pitchFamily="49" charset="0"/>
+                <a:cs typeface="Consolas" panose="020B0609020204030204" pitchFamily="49" charset="0"/>
+              </a:rPr>
+              <a:t>Application_PreSendRequestHeaders</a:t>
+            </a:r>
+            <a:endParaRPr lang="en-US" dirty="0">
+              <a:solidFill>
+                <a:schemeClr val="accent5">
+                  <a:lumMod val="20000"/>
+                  <a:lumOff val="80000"/>
+                </a:schemeClr>
+              </a:solidFill>
+              <a:latin typeface="Consolas" panose="020B0609020204030204" pitchFamily="49" charset="0"/>
+              <a:cs typeface="Consolas" panose="020B0609020204030204" pitchFamily="49" charset="0"/>
+            </a:endParaRPr>
+          </a:p>
+          <a:p>
+            <a:pPr lvl="1">
+              <a:spcAft>
+                <a:spcPts val="300"/>
+              </a:spcAft>
+            </a:pPr>
+            <a:r>
+              <a:rPr lang="en-US" noProof="1" smtClean="0">
+                <a:solidFill>
+                  <a:schemeClr val="accent5">
+                    <a:lumMod val="20000"/>
+                    <a:lumOff val="80000"/>
+                  </a:schemeClr>
+                </a:solidFill>
+                <a:latin typeface="Consolas" panose="020B0609020204030204" pitchFamily="49" charset="0"/>
+                <a:cs typeface="Consolas" panose="020B0609020204030204" pitchFamily="49" charset="0"/>
+              </a:rPr>
+              <a:t>Application_ResolveRequestCache</a:t>
+            </a:r>
+            <a:endParaRPr lang="en-US" noProof="1">
+              <a:solidFill>
+                <a:schemeClr val="accent5">
+                  <a:lumMod val="20000"/>
+                  <a:lumOff val="80000"/>
+                </a:schemeClr>
+              </a:solidFill>
+              <a:latin typeface="Consolas" panose="020B0609020204030204" pitchFamily="49" charset="0"/>
+              <a:cs typeface="Consolas" panose="020B0609020204030204" pitchFamily="49" charset="0"/>
+            </a:endParaRPr>
+          </a:p>
+          <a:p>
+            <a:pPr lvl="1">
+              <a:spcAft>
+                <a:spcPts val="300"/>
+              </a:spcAft>
+            </a:pPr>
+            <a:r>
+              <a:rPr lang="en-US" noProof="1" smtClean="0">
+                <a:solidFill>
+                  <a:schemeClr val="accent5">
+                    <a:lumMod val="20000"/>
+                    <a:lumOff val="80000"/>
+                  </a:schemeClr>
+                </a:solidFill>
+                <a:latin typeface="Consolas" panose="020B0609020204030204" pitchFamily="49" charset="0"/>
+                <a:cs typeface="Consolas" panose="020B0609020204030204" pitchFamily="49" charset="0"/>
+              </a:rPr>
+              <a:t>Application_PreRequestHandlerExecute</a:t>
             </a:r>
             <a:endParaRPr lang="en-US" dirty="0"/>
           </a:p>
@@ -14603,418 +15072,54 @@
       </p:sp>
       <p:pic>
         <p:nvPicPr>
-          <p:cNvPr id="6" name="Picture 5"/>
+          <p:cNvPr id="2055" name="Picture 7" descr="Request Pipeline in IIS 7.0"/>
           <p:cNvPicPr>
-            <a:picLocks noChangeAspect="1"/>
+            <a:picLocks noChangeAspect="1" noChangeArrowheads="1"/>
           </p:cNvPicPr>
           <p:nvPr/>
         </p:nvPicPr>
         <p:blipFill>
-          <a:blip r:embed="rId3"/>
+          <a:blip r:embed="rId3">
+            <a:extLst>
+              <a:ext uri="{28A0092B-C50C-407E-A947-70E740481C1C}">
+                <a14:useLocalDpi xmlns:a14="http://schemas.microsoft.com/office/drawing/2010/main" val="0"/>
+              </a:ext>
+            </a:extLst>
+          </a:blip>
+          <a:srcRect/>
           <a:stretch>
             <a:fillRect/>
           </a:stretch>
         </p:blipFill>
-        <p:spPr>
+        <p:spPr bwMode="auto">
           <a:xfrm>
-            <a:off x="609600" y="2386264"/>
-            <a:ext cx="3184670" cy="3962400"/>
-          </a:xfrm>
-          <a:prstGeom prst="roundRect">
-            <a:avLst>
-              <a:gd name="adj" fmla="val 1710"/>
-            </a:avLst>
-          </a:prstGeom>
-        </p:spPr>
-      </p:pic>
-      <p:sp>
-        <p:nvSpPr>
-          <p:cNvPr id="9" name="Content Placeholder 2"/>
-          <p:cNvSpPr txBox="1">
-            <a:spLocks/>
-          </p:cNvSpPr>
-          <p:nvPr/>
-        </p:nvSpPr>
-        <p:spPr>
-          <a:xfrm>
-            <a:off x="4038600" y="2161672"/>
-            <a:ext cx="4876800" cy="4419600"/>
+            <a:off x="6308549" y="1905000"/>
+            <a:ext cx="2302051" cy="2861578"/>
           </a:xfrm>
           <a:prstGeom prst="rect">
             <a:avLst/>
           </a:prstGeom>
+          <a:ln>
+            <a:noFill/>
+          </a:ln>
+          <a:effectLst>
+            <a:outerShdw blurRad="292100" dist="139700" dir="2700000" algn="tl" rotWithShape="0">
+              <a:srgbClr val="333333">
+                <a:alpha val="65000"/>
+              </a:srgbClr>
+            </a:outerShdw>
+          </a:effectLst>
+          <a:extLst>
+            <a:ext uri="{909E8E84-426E-40DD-AFC4-6F175D3DCCD1}">
+              <a14:hiddenFill xmlns:a14="http://schemas.microsoft.com/office/drawing/2010/main">
+                <a:solidFill>
+                  <a:srgbClr val="FFFFFF"/>
+                </a:solidFill>
+              </a14:hiddenFill>
+            </a:ext>
+          </a:extLst>
         </p:spPr>
-        <p:txBody>
-          <a:bodyPr/>
-          <a:lstStyle>
-            <a:lvl1pPr marL="282575" indent="-282575" algn="l" rtl="0" eaLnBrk="0" fontAlgn="base" hangingPunct="0">
-              <a:lnSpc>
-                <a:spcPct val="105000"/>
-              </a:lnSpc>
-              <a:spcBef>
-                <a:spcPts val="600"/>
-              </a:spcBef>
-              <a:spcAft>
-                <a:spcPts val="600"/>
-              </a:spcAft>
-              <a:buClr>
-                <a:schemeClr val="accent5">
-                  <a:lumMod val="40000"/>
-                  <a:lumOff val="60000"/>
-                </a:schemeClr>
-              </a:buClr>
-              <a:buSzPct val="70000"/>
-              <a:buFont typeface="Wingdings 2" pitchFamily="18" charset="2"/>
-              <a:buChar char=""/>
-              <a:tabLst>
-                <a:tab pos="282575" algn="l"/>
-              </a:tabLst>
-              <a:defRPr sz="3200" b="1" kern="1200">
-                <a:solidFill>
-                  <a:srgbClr val="EBFFD2"/>
-                </a:solidFill>
-                <a:effectLst>
-                  <a:outerShdw blurRad="38100" dist="38100" dir="2700000" algn="tl">
-                    <a:srgbClr val="000000">
-                      <a:alpha val="43137"/>
-                    </a:srgbClr>
-                  </a:outerShdw>
-                </a:effectLst>
-                <a:latin typeface="+mn-lt"/>
-                <a:ea typeface="+mn-ea"/>
-                <a:cs typeface="+mn-cs"/>
-              </a:defRPr>
-            </a:lvl1pPr>
-            <a:lvl2pPr marL="630238" indent="-273050" algn="l" rtl="0" eaLnBrk="0" fontAlgn="base" hangingPunct="0">
-              <a:lnSpc>
-                <a:spcPct val="105000"/>
-              </a:lnSpc>
-              <a:spcBef>
-                <a:spcPts val="600"/>
-              </a:spcBef>
-              <a:spcAft>
-                <a:spcPts val="600"/>
-              </a:spcAft>
-              <a:buClr>
-                <a:srgbClr val="8FD600"/>
-              </a:buClr>
-              <a:buFont typeface="Wingdings 2" pitchFamily="18" charset="2"/>
-              <a:buChar char=""/>
-              <a:defRPr sz="3000" b="1" kern="1200">
-                <a:solidFill>
-                  <a:schemeClr val="tx1">
-                    <a:lumMod val="40000"/>
-                    <a:lumOff val="60000"/>
-                  </a:schemeClr>
-                </a:solidFill>
-                <a:effectLst>
-                  <a:outerShdw blurRad="38100" dist="38100" dir="2700000" algn="tl">
-                    <a:srgbClr val="000000">
-                      <a:alpha val="43137"/>
-                    </a:srgbClr>
-                  </a:outerShdw>
-                </a:effectLst>
-                <a:latin typeface="+mn-lt"/>
-                <a:ea typeface="+mn-ea"/>
-                <a:cs typeface="+mn-cs"/>
-              </a:defRPr>
-            </a:lvl2pPr>
-            <a:lvl3pPr marL="922338" indent="-273050" algn="l" rtl="0" eaLnBrk="0" fontAlgn="base" hangingPunct="0">
-              <a:lnSpc>
-                <a:spcPct val="105000"/>
-              </a:lnSpc>
-              <a:spcBef>
-                <a:spcPts val="600"/>
-              </a:spcBef>
-              <a:spcAft>
-                <a:spcPts val="600"/>
-              </a:spcAft>
-              <a:buClr>
-                <a:srgbClr val="FFAD9F"/>
-              </a:buClr>
-              <a:buFont typeface="Wingdings 2" pitchFamily="18" charset="2"/>
-              <a:buChar char=""/>
-              <a:defRPr sz="2800" b="1" kern="1200">
-                <a:solidFill>
-                  <a:srgbClr val="F5FFC2"/>
-                </a:solidFill>
-                <a:effectLst>
-                  <a:outerShdw blurRad="38100" dist="38100" dir="2700000" algn="tl">
-                    <a:srgbClr val="000000">
-                      <a:alpha val="43137"/>
-                    </a:srgbClr>
-                  </a:outerShdw>
-                </a:effectLst>
-                <a:latin typeface="+mn-lt"/>
-                <a:ea typeface="+mn-ea"/>
-                <a:cs typeface="+mn-cs"/>
-              </a:defRPr>
-            </a:lvl3pPr>
-            <a:lvl4pPr marL="1187450" indent="-228600" algn="l" rtl="0" eaLnBrk="0" fontAlgn="base" hangingPunct="0">
-              <a:lnSpc>
-                <a:spcPct val="105000"/>
-              </a:lnSpc>
-              <a:spcBef>
-                <a:spcPts val="600"/>
-              </a:spcBef>
-              <a:spcAft>
-                <a:spcPts val="600"/>
-              </a:spcAft>
-              <a:buClr>
-                <a:srgbClr val="FACF82"/>
-              </a:buClr>
-              <a:buFont typeface="Wingdings 2" pitchFamily="18" charset="2"/>
-              <a:buChar char=""/>
-              <a:defRPr sz="2600" b="1" kern="1200">
-                <a:solidFill>
-                  <a:schemeClr val="tx1">
-                    <a:lumMod val="40000"/>
-                    <a:lumOff val="60000"/>
-                  </a:schemeClr>
-                </a:solidFill>
-                <a:effectLst>
-                  <a:outerShdw blurRad="38100" dist="38100" dir="2700000" algn="tl">
-                    <a:srgbClr val="000000">
-                      <a:alpha val="43137"/>
-                    </a:srgbClr>
-                  </a:outerShdw>
-                </a:effectLst>
-                <a:latin typeface="+mn-lt"/>
-                <a:ea typeface="+mn-ea"/>
-                <a:cs typeface="+mn-cs"/>
-              </a:defRPr>
-            </a:lvl4pPr>
-            <a:lvl5pPr marL="1425575" indent="-228600" algn="l" rtl="0" eaLnBrk="0" fontAlgn="base" hangingPunct="0">
-              <a:lnSpc>
-                <a:spcPct val="105000"/>
-              </a:lnSpc>
-              <a:spcBef>
-                <a:spcPts val="600"/>
-              </a:spcBef>
-              <a:spcAft>
-                <a:spcPts val="600"/>
-              </a:spcAft>
-              <a:buClr>
-                <a:srgbClr val="46A6BD"/>
-              </a:buClr>
-              <a:buFont typeface="Wingdings 2" pitchFamily="18" charset="2"/>
-              <a:buChar char=""/>
-              <a:defRPr sz="2400" b="1" kern="1200">
-                <a:solidFill>
-                  <a:schemeClr val="tx1">
-                    <a:lumMod val="40000"/>
-                    <a:lumOff val="60000"/>
-                  </a:schemeClr>
-                </a:solidFill>
-                <a:effectLst>
-                  <a:outerShdw blurRad="38100" dist="38100" dir="2700000" algn="tl">
-                    <a:srgbClr val="000000">
-                      <a:alpha val="43137"/>
-                    </a:srgbClr>
-                  </a:outerShdw>
-                </a:effectLst>
-                <a:latin typeface="+mn-lt"/>
-                <a:ea typeface="+mn-ea"/>
-                <a:cs typeface="+mn-cs"/>
-              </a:defRPr>
-            </a:lvl5pPr>
-            <a:lvl6pPr marL="1673352" indent="-228600" algn="l" rtl="0" eaLnBrk="1" latinLnBrk="0" hangingPunct="1">
-              <a:spcBef>
-                <a:spcPct val="20000"/>
-              </a:spcBef>
-              <a:buClr>
-                <a:schemeClr val="accent6"/>
-              </a:buClr>
-              <a:buFont typeface="Wingdings 2"/>
-              <a:buChar char=""/>
-              <a:defRPr sz="1800" kern="1200">
-                <a:solidFill>
-                  <a:schemeClr val="tx1"/>
-                </a:solidFill>
-                <a:latin typeface="+mn-lt"/>
-                <a:ea typeface="+mn-ea"/>
-                <a:cs typeface="+mn-cs"/>
-              </a:defRPr>
-            </a:lvl6pPr>
-            <a:lvl7pPr marL="1911096" indent="-228600" algn="l" rtl="0" eaLnBrk="1" latinLnBrk="0" hangingPunct="1">
-              <a:spcBef>
-                <a:spcPct val="20000"/>
-              </a:spcBef>
-              <a:buClr>
-                <a:schemeClr val="tx2"/>
-              </a:buClr>
-              <a:buFont typeface="Wingdings 2"/>
-              <a:buChar char=""/>
-              <a:defRPr sz="1600" kern="1200">
-                <a:solidFill>
-                  <a:schemeClr val="tx1"/>
-                </a:solidFill>
-                <a:latin typeface="+mn-lt"/>
-                <a:ea typeface="+mn-ea"/>
-                <a:cs typeface="+mn-cs"/>
-              </a:defRPr>
-            </a:lvl7pPr>
-            <a:lvl8pPr marL="2121408" indent="-182880" algn="l" rtl="0" eaLnBrk="1" latinLnBrk="0" hangingPunct="1">
-              <a:spcBef>
-                <a:spcPct val="20000"/>
-              </a:spcBef>
-              <a:buClr>
-                <a:schemeClr val="tx2"/>
-              </a:buClr>
-              <a:buFont typeface="Wingdings 2"/>
-              <a:buChar char=""/>
-              <a:defRPr sz="1400" kern="1200">
-                <a:solidFill>
-                  <a:schemeClr val="tx1"/>
-                </a:solidFill>
-                <a:latin typeface="+mn-lt"/>
-                <a:ea typeface="+mn-ea"/>
-                <a:cs typeface="+mn-cs"/>
-              </a:defRPr>
-            </a:lvl8pPr>
-            <a:lvl9pPr marL="2322576" indent="-182880" algn="l" rtl="0" eaLnBrk="1" latinLnBrk="0" hangingPunct="1">
-              <a:spcBef>
-                <a:spcPct val="20000"/>
-              </a:spcBef>
-              <a:buClr>
-                <a:schemeClr val="tx2"/>
-              </a:buClr>
-              <a:buFont typeface="Wingdings 2"/>
-              <a:buChar char=""/>
-              <a:defRPr sz="1400" kern="1200">
-                <a:solidFill>
-                  <a:schemeClr val="tx1"/>
-                </a:solidFill>
-                <a:latin typeface="+mn-lt"/>
-                <a:ea typeface="+mn-ea"/>
-                <a:cs typeface="+mn-cs"/>
-              </a:defRPr>
-            </a:lvl9pPr>
-          </a:lstStyle>
-          <a:p>
-            <a:pPr marL="360363" lvl="1" indent="-276225"/>
-            <a:r>
-              <a:rPr lang="en-US" noProof="1" smtClean="0">
-                <a:solidFill>
-                  <a:schemeClr val="accent5">
-                    <a:lumMod val="20000"/>
-                    <a:lumOff val="80000"/>
-                  </a:schemeClr>
-                </a:solidFill>
-                <a:latin typeface="Consolas" panose="020B0609020204030204" pitchFamily="49" charset="0"/>
-                <a:cs typeface="Consolas" panose="020B0609020204030204" pitchFamily="49" charset="0"/>
-              </a:rPr>
-              <a:t>BeginRequest</a:t>
-            </a:r>
-          </a:p>
-          <a:p>
-            <a:pPr marL="360363" lvl="1" indent="-276225"/>
-            <a:r>
-              <a:rPr lang="en-US" noProof="1" smtClean="0">
-                <a:solidFill>
-                  <a:schemeClr val="accent5">
-                    <a:lumMod val="20000"/>
-                    <a:lumOff val="80000"/>
-                  </a:schemeClr>
-                </a:solidFill>
-                <a:latin typeface="Consolas" panose="020B0609020204030204" pitchFamily="49" charset="0"/>
-                <a:cs typeface="Consolas" panose="020B0609020204030204" pitchFamily="49" charset="0"/>
-              </a:rPr>
-              <a:t>AuthenticateRequest</a:t>
-            </a:r>
-          </a:p>
-          <a:p>
-            <a:pPr marL="360363" lvl="1" indent="-276225"/>
-            <a:r>
-              <a:rPr lang="en-US" noProof="1" smtClean="0">
-                <a:solidFill>
-                  <a:schemeClr val="accent5">
-                    <a:lumMod val="20000"/>
-                    <a:lumOff val="80000"/>
-                  </a:schemeClr>
-                </a:solidFill>
-                <a:latin typeface="Consolas" panose="020B0609020204030204" pitchFamily="49" charset="0"/>
-                <a:cs typeface="Consolas" panose="020B0609020204030204" pitchFamily="49" charset="0"/>
-              </a:rPr>
-              <a:t>AuthorizeRequest</a:t>
-            </a:r>
-          </a:p>
-          <a:p>
-            <a:pPr marL="360363" lvl="1" indent="-276225"/>
-            <a:r>
-              <a:rPr lang="en-US" noProof="1" smtClean="0">
-                <a:solidFill>
-                  <a:schemeClr val="accent5">
-                    <a:lumMod val="20000"/>
-                    <a:lumOff val="80000"/>
-                  </a:schemeClr>
-                </a:solidFill>
-                <a:latin typeface="Consolas" panose="020B0609020204030204" pitchFamily="49" charset="0"/>
-                <a:cs typeface="Consolas" panose="020B0609020204030204" pitchFamily="49" charset="0"/>
-              </a:rPr>
-              <a:t>AcquireRequestState</a:t>
-            </a:r>
-          </a:p>
-          <a:p>
-            <a:pPr marL="360363" lvl="1" indent="-276225"/>
-            <a:r>
-              <a:rPr lang="en-US" noProof="1" smtClean="0">
-                <a:solidFill>
-                  <a:schemeClr val="accent5">
-                    <a:lumMod val="20000"/>
-                    <a:lumOff val="80000"/>
-                  </a:schemeClr>
-                </a:solidFill>
-                <a:latin typeface="Consolas" panose="020B0609020204030204" pitchFamily="49" charset="0"/>
-                <a:cs typeface="Consolas" panose="020B0609020204030204" pitchFamily="49" charset="0"/>
-              </a:rPr>
-              <a:t>ProcessRequest</a:t>
-            </a:r>
-          </a:p>
-          <a:p>
-            <a:pPr marL="360363" lvl="1" indent="-276225"/>
-            <a:r>
-              <a:rPr lang="en-US" noProof="1" smtClean="0">
-                <a:solidFill>
-                  <a:schemeClr val="accent5">
-                    <a:lumMod val="20000"/>
-                    <a:lumOff val="80000"/>
-                  </a:schemeClr>
-                </a:solidFill>
-                <a:latin typeface="Consolas" panose="020B0609020204030204" pitchFamily="49" charset="0"/>
-                <a:cs typeface="Consolas" panose="020B0609020204030204" pitchFamily="49" charset="0"/>
-              </a:rPr>
-              <a:t>ReleaseRequestState</a:t>
-            </a:r>
-          </a:p>
-          <a:p>
-            <a:pPr marL="360363" lvl="1" indent="-276225"/>
-            <a:r>
-              <a:rPr lang="en-US" noProof="1" smtClean="0">
-                <a:solidFill>
-                  <a:schemeClr val="accent5">
-                    <a:lumMod val="20000"/>
-                    <a:lumOff val="80000"/>
-                  </a:schemeClr>
-                </a:solidFill>
-                <a:latin typeface="Consolas" panose="020B0609020204030204" pitchFamily="49" charset="0"/>
-                <a:cs typeface="Consolas" panose="020B0609020204030204" pitchFamily="49" charset="0"/>
-              </a:rPr>
-              <a:t>EndRequest</a:t>
-            </a:r>
-            <a:endParaRPr lang="en-US" noProof="1">
-              <a:solidFill>
-                <a:schemeClr val="accent5">
-                  <a:lumMod val="20000"/>
-                  <a:lumOff val="80000"/>
-                </a:schemeClr>
-              </a:solidFill>
-              <a:latin typeface="Consolas" panose="020B0609020204030204" pitchFamily="49" charset="0"/>
-              <a:cs typeface="Consolas" panose="020B0609020204030204" pitchFamily="49" charset="0"/>
-            </a:endParaRPr>
-          </a:p>
-        </p:txBody>
-      </p:sp>
+      </p:pic>
     </p:spTree>
     <p:extLst>
       <p:ext uri="{BB962C8B-B14F-4D97-AF65-F5344CB8AC3E}">
@@ -15095,7 +15200,7 @@
           <a:p>
             <a:r>
               <a:rPr lang="en-US" dirty="0" smtClean="0"/>
-              <a:t>Live Demo</a:t>
+              <a:t>Demo</a:t>
             </a:r>
             <a:endParaRPr lang="en-US" dirty="0"/>
           </a:p>
@@ -15457,24 +15562,7 @@
                 <a:latin typeface="Consolas" pitchFamily="49" charset="0"/>
                 <a:cs typeface="Consolas" pitchFamily="49" charset="0"/>
               </a:rPr>
-              <a:t>TelerikAcademy</a:t>
-            </a:r>
-            <a:r>
-              <a:rPr lang="en-US" sz="1800" b="1" noProof="1" smtClean="0">
-                <a:solidFill>
-                  <a:srgbClr val="8CF4F2"/>
-                </a:solidFill>
-                <a:effectLst>
-                  <a:outerShdw blurRad="38100" dist="38100" dir="2700000" algn="tl">
-                    <a:srgbClr val="000000">
-                      <a:alpha val="43137"/>
-                    </a:srgbClr>
-                  </a:outerShdw>
-                </a:effectLst>
-                <a:latin typeface="Consolas" pitchFamily="49" charset="0"/>
-                <a:cs typeface="Consolas" pitchFamily="49" charset="0"/>
-              </a:rPr>
-              <a:t>HttpHandler </a:t>
+              <a:t>TelerikAcademyHttpHandler </a:t>
             </a:r>
             <a:r>
               <a:rPr lang="en-US" sz="1800" b="1" noProof="1">
@@ -16036,24 +16124,7 @@
                 <a:latin typeface="Consolas" pitchFamily="49" charset="0"/>
                 <a:cs typeface="Consolas" pitchFamily="49" charset="0"/>
               </a:rPr>
-              <a:t>="Academy's </a:t>
-            </a:r>
-            <a:r>
-              <a:rPr lang="en-US" sz="1800" b="1" noProof="1" smtClean="0">
-                <a:solidFill>
-                  <a:srgbClr val="8CF4F2"/>
-                </a:solidFill>
-                <a:effectLst>
-                  <a:outerShdw blurRad="38100" dist="38100" dir="2700000" algn="tl">
-                    <a:srgbClr val="000000">
-                      <a:alpha val="43137"/>
-                    </a:srgbClr>
-                  </a:outerShdw>
-                </a:effectLst>
-                <a:latin typeface="Consolas" pitchFamily="49" charset="0"/>
-                <a:cs typeface="Consolas" pitchFamily="49" charset="0"/>
-              </a:rPr>
-              <a:t>HTTP handler"</a:t>
+              <a:t>="Academy's HTTP handler"</a:t>
             </a:r>
           </a:p>
           <a:p>
@@ -16101,24 +16172,7 @@
                 <a:latin typeface="Consolas" pitchFamily="49" charset="0"/>
                 <a:cs typeface="Consolas" pitchFamily="49" charset="0"/>
               </a:rPr>
-              <a:t>      type</a:t>
-            </a:r>
-            <a:r>
-              <a:rPr lang="en-US" sz="1800" b="1" noProof="1" smtClean="0">
-                <a:solidFill>
-                  <a:srgbClr val="8CF4F2"/>
-                </a:solidFill>
-                <a:effectLst>
-                  <a:outerShdw blurRad="38100" dist="38100" dir="2700000" algn="tl">
-                    <a:srgbClr val="000000">
-                      <a:alpha val="43137"/>
-                    </a:srgbClr>
-                  </a:outerShdw>
-                </a:effectLst>
-                <a:latin typeface="Consolas" pitchFamily="49" charset="0"/>
-                <a:cs typeface="Consolas" pitchFamily="49" charset="0"/>
-              </a:rPr>
-              <a:t>="TelerikAcademyHttpHandler"/&gt;</a:t>
+              <a:t>      type="TelerikAcademyHttpHandler"/&gt;</a:t>
             </a:r>
             <a:endParaRPr lang="en-US" sz="1800" b="1" noProof="1">
               <a:solidFill>
@@ -16217,8 +16271,8 @@
         </p:nvSpPr>
         <p:spPr>
           <a:xfrm>
-            <a:off x="838200" y="5105400"/>
-            <a:ext cx="7467600" cy="685800"/>
+            <a:off x="399485" y="838200"/>
+            <a:ext cx="8345028" cy="914400"/>
           </a:xfrm>
         </p:spPr>
         <p:txBody>
@@ -16231,16 +16285,16 @@
               </a:lnSpc>
             </a:pPr>
             <a:r>
-              <a:rPr lang="en-US" dirty="0"/>
+              <a:rPr lang="en-US" sz="6000" dirty="0"/>
               <a:t>Introduction to ASP.NET</a:t>
             </a:r>
-            <a:endParaRPr lang="bg-BG" dirty="0"/>
+            <a:endParaRPr lang="bg-BG" sz="6000" dirty="0"/>
           </a:p>
         </p:txBody>
       </p:sp>
       <p:pic>
         <p:nvPicPr>
-          <p:cNvPr id="2" name="Picture 1"/>
+          <p:cNvPr id="3" name="Picture 2"/>
           <p:cNvPicPr>
             <a:picLocks noChangeAspect="1"/>
           </p:cNvPicPr>
@@ -16254,8 +16308,8 @@
         </p:blipFill>
         <p:spPr>
           <a:xfrm>
-            <a:off x="457200" y="989463"/>
-            <a:ext cx="4469471" cy="3337592"/>
+            <a:off x="381000" y="2337532"/>
+            <a:ext cx="4495800" cy="3506267"/>
           </a:xfrm>
           <a:prstGeom prst="rect">
             <a:avLst/>
@@ -16281,47 +16335,6 @@
       </p:pic>
       <p:pic>
         <p:nvPicPr>
-          <p:cNvPr id="4" name="Picture 3"/>
-          <p:cNvPicPr>
-            <a:picLocks noChangeAspect="1"/>
-          </p:cNvPicPr>
-          <p:nvPr/>
-        </p:nvPicPr>
-        <p:blipFill>
-          <a:blip r:embed="rId4"/>
-          <a:stretch>
-            <a:fillRect/>
-          </a:stretch>
-        </p:blipFill>
-        <p:spPr>
-          <a:xfrm>
-            <a:off x="4191000" y="972210"/>
-            <a:ext cx="4535028" cy="3280563"/>
-          </a:xfrm>
-          <a:prstGeom prst="rect">
-            <a:avLst/>
-          </a:prstGeom>
-          <a:ln>
-            <a:noFill/>
-          </a:ln>
-          <a:effectLst>
-            <a:reflection blurRad="12700" stA="30000" endPos="30000" dist="5000" dir="5400000" sy="-100000" algn="bl" rotWithShape="0"/>
-          </a:effectLst>
-          <a:scene3d>
-            <a:camera prst="perspectiveContrastingLeftFacing">
-              <a:rot lat="300000" lon="1800000" rev="0"/>
-            </a:camera>
-            <a:lightRig rig="threePt" dir="t">
-              <a:rot lat="0" lon="0" rev="2700000"/>
-            </a:lightRig>
-          </a:scene3d>
-          <a:sp3d>
-            <a:bevelT w="63500" h="50800"/>
-          </a:sp3d>
-        </p:spPr>
-      </p:pic>
-      <p:pic>
-        <p:nvPicPr>
           <p:cNvPr id="5" name="Picture 3"/>
           <p:cNvPicPr>
             <a:picLocks noChangeAspect="1" noChangeArrowheads="1"/>
@@ -16329,7 +16342,7 @@
           <p:nvPr/>
         </p:nvPicPr>
         <p:blipFill rotWithShape="1">
-          <a:blip r:embed="rId5" cstate="screen">
+          <a:blip r:embed="rId4" cstate="screen">
             <a:extLst>
               <a:ext uri="{28A0092B-C50C-407E-A947-70E740481C1C}">
                 <a14:useLocalDpi xmlns:a14="http://schemas.microsoft.com/office/drawing/2010/main"/>
@@ -16341,7 +16354,7 @@
         </p:blipFill>
         <p:spPr bwMode="auto">
           <a:xfrm rot="21177485">
-            <a:off x="2999509" y="3754388"/>
+            <a:off x="2999509" y="5116403"/>
             <a:ext cx="3144980" cy="1248726"/>
           </a:xfrm>
           <a:prstGeom prst="roundRect">
@@ -16372,6 +16385,47 @@
           </a:scene3d>
           <a:sp3d prstMaterial="powder">
             <a:bevelT w="152400" h="25400" prst="softRound"/>
+          </a:sp3d>
+        </p:spPr>
+      </p:pic>
+      <p:pic>
+        <p:nvPicPr>
+          <p:cNvPr id="6" name="Picture 5"/>
+          <p:cNvPicPr>
+            <a:picLocks noChangeAspect="1"/>
+          </p:cNvPicPr>
+          <p:nvPr/>
+        </p:nvPicPr>
+        <p:blipFill>
+          <a:blip r:embed="rId5"/>
+          <a:stretch>
+            <a:fillRect/>
+          </a:stretch>
+        </p:blipFill>
+        <p:spPr>
+          <a:xfrm>
+            <a:off x="4114800" y="2413732"/>
+            <a:ext cx="4763478" cy="2828947"/>
+          </a:xfrm>
+          <a:prstGeom prst="rect">
+            <a:avLst/>
+          </a:prstGeom>
+          <a:ln>
+            <a:noFill/>
+          </a:ln>
+          <a:effectLst>
+            <a:reflection blurRad="12700" stA="30000" endPos="30000" dist="5000" dir="5400000" sy="-100000" algn="bl" rotWithShape="0"/>
+          </a:effectLst>
+          <a:scene3d>
+            <a:camera prst="perspectiveContrastingLeftFacing">
+              <a:rot lat="300000" lon="1800000" rev="0"/>
+            </a:camera>
+            <a:lightRig rig="threePt" dir="t">
+              <a:rot lat="0" lon="0" rev="2700000"/>
+            </a:lightRig>
+          </a:scene3d>
+          <a:sp3d>
+            <a:bevelT w="63500" h="50800"/>
           </a:sp3d>
         </p:spPr>
       </p:pic>
@@ -16425,7 +16479,7 @@
         </p:nvSpPr>
         <p:spPr>
           <a:xfrm>
-            <a:off x="609600" y="5305928"/>
+            <a:off x="609600" y="4648200"/>
             <a:ext cx="7924800" cy="685800"/>
           </a:xfrm>
         </p:spPr>
@@ -16453,7 +16507,7 @@
         </p:nvSpPr>
         <p:spPr>
           <a:xfrm>
-            <a:off x="609600" y="6060280"/>
+            <a:off x="609600" y="5402552"/>
             <a:ext cx="7924800" cy="569120"/>
           </a:xfrm>
         </p:spPr>
@@ -16463,7 +16517,7 @@
           <a:p>
             <a:r>
               <a:rPr lang="en-US" dirty="0" smtClean="0"/>
-              <a:t>Live Demo</a:t>
+              <a:t>Demo</a:t>
             </a:r>
             <a:endParaRPr lang="en-US" dirty="0"/>
           </a:p>
@@ -16471,7 +16525,7 @@
       </p:sp>
       <p:pic>
         <p:nvPicPr>
-          <p:cNvPr id="5" name="Picture 4"/>
+          <p:cNvPr id="4" name="Picture 3"/>
           <p:cNvPicPr>
             <a:picLocks noChangeAspect="1"/>
           </p:cNvPicPr>
@@ -16485,8 +16539,8 @@
         </p:blipFill>
         <p:spPr>
           <a:xfrm>
-            <a:off x="645169" y="917372"/>
-            <a:ext cx="7853662" cy="4114800"/>
+            <a:off x="228600" y="1295400"/>
+            <a:ext cx="8756429" cy="2824408"/>
           </a:xfrm>
           <a:prstGeom prst="rect">
             <a:avLst/>
@@ -16837,7 +16891,7 @@
           <a:p>
             <a:r>
               <a:rPr lang="en-US" dirty="0" smtClean="0"/>
-              <a:t>Live Demo</a:t>
+              <a:t>Demo</a:t>
             </a:r>
             <a:endParaRPr lang="en-US" dirty="0"/>
           </a:p>
@@ -16845,7 +16899,7 @@
       </p:sp>
       <p:pic>
         <p:nvPicPr>
-          <p:cNvPr id="4" name="Picture 3"/>
+          <p:cNvPr id="5" name="Picture 4"/>
           <p:cNvPicPr>
             <a:picLocks noChangeAspect="1"/>
           </p:cNvPicPr>
@@ -16859,12 +16913,22 @@
         </p:blipFill>
         <p:spPr>
           <a:xfrm>
-            <a:off x="1143000" y="886328"/>
-            <a:ext cx="6858000" cy="4111568"/>
+            <a:off x="1142521" y="838200"/>
+            <a:ext cx="6858957" cy="4115374"/>
           </a:xfrm>
           <a:prstGeom prst="rect">
             <a:avLst/>
           </a:prstGeom>
+          <a:ln>
+            <a:noFill/>
+          </a:ln>
+          <a:effectLst>
+            <a:outerShdw blurRad="190500" algn="tl" rotWithShape="0">
+              <a:srgbClr val="000000">
+                <a:alpha val="70000"/>
+              </a:srgbClr>
+            </a:outerShdw>
+          </a:effectLst>
         </p:spPr>
       </p:pic>
     </p:spTree>
@@ -16916,7 +16980,7 @@
         </p:nvSpPr>
         <p:spPr>
           <a:xfrm>
-            <a:off x="609600" y="4648200"/>
+            <a:off x="609600" y="838200"/>
             <a:ext cx="7924800" cy="685800"/>
           </a:xfrm>
         </p:spPr>
@@ -16944,7 +17008,7 @@
         </p:nvSpPr>
         <p:spPr>
           <a:xfrm>
-            <a:off x="609600" y="5450680"/>
+            <a:off x="609600" y="1640680"/>
             <a:ext cx="7924800" cy="569120"/>
           </a:xfrm>
         </p:spPr>
@@ -16976,7 +17040,7 @@
         </p:blipFill>
         <p:spPr>
           <a:xfrm>
-            <a:off x="990600" y="1143000"/>
+            <a:off x="990600" y="2971800"/>
             <a:ext cx="5257800" cy="2575969"/>
           </a:xfrm>
           <a:prstGeom prst="rect">
@@ -17007,7 +17071,7 @@
         </p:blipFill>
         <p:spPr>
           <a:xfrm>
-            <a:off x="5486400" y="762000"/>
+            <a:off x="5486400" y="2590800"/>
             <a:ext cx="2514600" cy="3619046"/>
           </a:xfrm>
           <a:prstGeom prst="rect">
@@ -17066,11 +17130,7 @@
           <a:p>
             <a:r>
               <a:rPr lang="en-US" dirty="0" smtClean="0"/>
-              <a:t>ASP.NET </a:t>
-            </a:r>
-            <a:r>
-              <a:rPr lang="en-US" dirty="0" smtClean="0"/>
-              <a:t>Namespaces</a:t>
+              <a:t>ASP.NET Namespaces</a:t>
             </a:r>
             <a:endParaRPr lang="bg-BG" dirty="0"/>
           </a:p>
@@ -17097,7 +17157,11 @@
             </a:r>
             <a:r>
               <a:rPr lang="en-US" dirty="0" smtClean="0"/>
-              <a:t>ASP.NET (4.5) </a:t>
+              <a:t>ASP.NET (</a:t>
+            </a:r>
+            <a:r>
+              <a:rPr lang="en-US" dirty="0" smtClean="0"/>
+              <a:t>4.6) </a:t>
             </a:r>
             <a:r>
               <a:rPr lang="en-US" dirty="0" smtClean="0"/>
@@ -17248,8 +17312,18 @@
                 <a:latin typeface="Consolas" panose="020B0609020204030204" pitchFamily="49" charset="0"/>
                 <a:cs typeface="Consolas" panose="020B0609020204030204" pitchFamily="49" charset="0"/>
               </a:rPr>
-              <a:t>System.Web.UI</a:t>
-            </a:r>
+              <a:t>System.Web.UI (.WebControls)</a:t>
+            </a:r>
+            <a:endParaRPr lang="en-US" noProof="1" smtClean="0">
+              <a:solidFill>
+                <a:schemeClr val="accent5">
+                  <a:lumMod val="20000"/>
+                  <a:lumOff val="80000"/>
+                </a:schemeClr>
+              </a:solidFill>
+              <a:latin typeface="Consolas" panose="020B0609020204030204" pitchFamily="49" charset="0"/>
+              <a:cs typeface="Consolas" panose="020B0609020204030204" pitchFamily="49" charset="0"/>
+            </a:endParaRPr>
           </a:p>
           <a:p>
             <a:pPr lvl="2"/>
@@ -17912,11 +17986,11 @@
   <p:clrMapOvr>
     <a:masterClrMapping/>
   </p:clrMapOvr>
-  <mc:AlternateContent xmlns:mc="http://schemas.openxmlformats.org/markup-compatibility/2006">
-    <mc:Choice xmlns:p14="http://schemas.microsoft.com/office/powerpoint/2010/main" Requires="p14">
+  <mc:AlternateContent xmlns:mc="http://schemas.openxmlformats.org/markup-compatibility/2006" xmlns:p14="http://schemas.microsoft.com/office/powerpoint/2010/main">
+    <mc:Choice Requires="p14">
       <p:transition spd="slow" p14:dur="2000"/>
     </mc:Choice>
-    <mc:Fallback>
+    <mc:Fallback xmlns="">
       <p:transition spd="slow"/>
     </mc:Fallback>
   </mc:AlternateContent>
@@ -17947,13 +18021,13 @@
             <a:spLocks noGrp="1"/>
           </p:cNvSpPr>
           <p:nvPr>
-            <p:ph type="title"/>
+            <p:ph type="ctrTitle"/>
           </p:nvPr>
         </p:nvSpPr>
         <p:spPr>
           <a:xfrm>
-            <a:off x="1828800" y="0"/>
-            <a:ext cx="7086600" cy="838200"/>
+            <a:off x="609600" y="838200"/>
+            <a:ext cx="7924800" cy="838200"/>
           </a:xfrm>
         </p:spPr>
         <p:txBody>
@@ -17961,101 +18035,92 @@
           <a:lstStyle/>
           <a:p>
             <a:r>
-              <a:rPr lang="en-US" dirty="0" smtClean="0"/>
-              <a:t>ASP.NET </a:t>
-            </a:r>
-            <a:r>
-              <a:rPr lang="en-US" dirty="0" err="1" smtClean="0"/>
-              <a:t>vNext</a:t>
-            </a:r>
-            <a:r>
-              <a:rPr lang="en-US" dirty="0" smtClean="0"/>
-              <a:t> (5.0)</a:t>
-            </a:r>
-            <a:endParaRPr lang="en-US" dirty="0"/>
+              <a:rPr lang="en-US" sz="6000" dirty="0" smtClean="0"/>
+              <a:t>ASP.NET 5</a:t>
+            </a:r>
+            <a:endParaRPr lang="en-US" sz="6000" dirty="0"/>
           </a:p>
         </p:txBody>
       </p:sp>
       <p:sp>
         <p:nvSpPr>
-          <p:cNvPr id="4" name="Slide Number Placeholder 3"/>
+          <p:cNvPr id="3" name="Subtitle 2"/>
           <p:cNvSpPr>
             <a:spLocks noGrp="1"/>
           </p:cNvSpPr>
           <p:nvPr>
-            <p:ph type="sldNum" sz="quarter" idx="10"/>
+            <p:ph type="subTitle" idx="1"/>
           </p:nvPr>
         </p:nvSpPr>
-        <p:spPr/>
+        <p:spPr>
+          <a:xfrm>
+            <a:off x="609600" y="1715193"/>
+            <a:ext cx="7924800" cy="569120"/>
+          </a:xfrm>
+        </p:spPr>
         <p:txBody>
           <a:bodyPr/>
           <a:lstStyle/>
           <a:p>
-            <a:pPr>
-              <a:defRPr/>
-            </a:pPr>
-            <a:fld id="{58452FF4-89E3-4D1B-9927-2DBDC00E58D7}" type="slidenum">
-              <a:rPr lang="en-US" smtClean="0"/>
-              <a:pPr>
-                <a:defRPr/>
-              </a:pPr>
-              <a:t>37</a:t>
-            </a:fld>
+            <a:r>
+              <a:rPr lang="en-US" dirty="0" smtClean="0"/>
+              <a:t>The redesign of ASP.NET</a:t>
+            </a:r>
             <a:endParaRPr lang="en-US" dirty="0"/>
           </a:p>
         </p:txBody>
       </p:sp>
       <p:pic>
         <p:nvPicPr>
-          <p:cNvPr id="5" name="Picture 4"/>
+          <p:cNvPr id="4098" name="Picture 2" descr="http://blogs.msdn.com/cfs-filesystemfile.ashx/__key/communityserver-blogs-components-weblogfiles/00-00-00-84-75-metablogapi/4786.image_5F00_0D3B299D.png"/>
           <p:cNvPicPr>
-            <a:picLocks noChangeAspect="1"/>
+            <a:picLocks noChangeAspect="1" noChangeArrowheads="1"/>
           </p:cNvPicPr>
           <p:nvPr/>
         </p:nvPicPr>
         <p:blipFill>
-          <a:blip r:embed="rId2"/>
+          <a:blip r:embed="rId2">
+            <a:extLst>
+              <a:ext uri="{28A0092B-C50C-407E-A947-70E740481C1C}">
+                <a14:useLocalDpi xmlns:a14="http://schemas.microsoft.com/office/drawing/2010/main" val="0"/>
+              </a:ext>
+            </a:extLst>
+          </a:blip>
+          <a:srcRect/>
           <a:stretch>
             <a:fillRect/>
           </a:stretch>
         </p:blipFill>
-        <p:spPr>
+        <p:spPr bwMode="auto">
           <a:xfrm>
-            <a:off x="533400" y="723900"/>
-            <a:ext cx="7975600" cy="5981700"/>
+            <a:off x="1219200" y="2514600"/>
+            <a:ext cx="6705600" cy="3897630"/>
           </a:xfrm>
           <a:prstGeom prst="rect">
             <a:avLst/>
           </a:prstGeom>
-          <a:ln>
-            <a:noFill/>
-          </a:ln>
-          <a:effectLst>
-            <a:outerShdw blurRad="292100" dist="139700" dir="2700000" algn="tl" rotWithShape="0">
-              <a:srgbClr val="333333">
-                <a:alpha val="65000"/>
-              </a:srgbClr>
-            </a:outerShdw>
-          </a:effectLst>
+          <a:noFill/>
+          <a:extLst>
+            <a:ext uri="{909E8E84-426E-40DD-AFC4-6F175D3DCCD1}">
+              <a14:hiddenFill xmlns:a14="http://schemas.microsoft.com/office/drawing/2010/main">
+                <a:solidFill>
+                  <a:srgbClr val="FFFFFF"/>
+                </a:solidFill>
+              </a14:hiddenFill>
+            </a:ext>
+          </a:extLst>
         </p:spPr>
       </p:pic>
     </p:spTree>
     <p:extLst>
       <p:ext uri="{BB962C8B-B14F-4D97-AF65-F5344CB8AC3E}">
-        <p14:creationId xmlns:p14="http://schemas.microsoft.com/office/powerpoint/2010/main" val="2361952037"/>
+        <p14:creationId xmlns:p14="http://schemas.microsoft.com/office/powerpoint/2010/main" val="3568756278"/>
       </p:ext>
     </p:extLst>
   </p:cSld>
   <p:clrMapOvr>
     <a:masterClrMapping/>
   </p:clrMapOvr>
-  <p:timing>
-    <p:tnLst>
-      <p:par>
-        <p:cTn id="1" dur="indefinite" restart="never" nodeType="tmRoot"/>
-      </p:par>
-    </p:tnLst>
-  </p:timing>
 </p:sld>
 </file>
 
@@ -18078,7 +18143,7 @@
       </p:grpSpPr>
       <p:sp>
         <p:nvSpPr>
-          <p:cNvPr id="3" name="Title 2"/>
+          <p:cNvPr id="2" name="Title 1"/>
           <p:cNvSpPr>
             <a:spLocks noGrp="1"/>
           </p:cNvSpPr>
@@ -18086,10 +18151,33 @@
             <p:ph type="title"/>
           </p:nvPr>
         </p:nvSpPr>
+        <p:spPr/>
+        <p:txBody>
+          <a:bodyPr/>
+          <a:lstStyle/>
+          <a:p>
+            <a:r>
+              <a:rPr lang="en-US" dirty="0" smtClean="0"/>
+              <a:t>ASP.NET 5</a:t>
+            </a:r>
+            <a:endParaRPr lang="en-US" dirty="0"/>
+          </a:p>
+        </p:txBody>
+      </p:sp>
+      <p:sp>
+        <p:nvSpPr>
+          <p:cNvPr id="3" name="Content Placeholder 2"/>
+          <p:cNvSpPr>
+            <a:spLocks noGrp="1"/>
+          </p:cNvSpPr>
+          <p:nvPr>
+            <p:ph idx="1"/>
+          </p:nvPr>
+        </p:nvSpPr>
         <p:spPr>
           <a:xfrm>
-            <a:off x="1828800" y="228600"/>
-            <a:ext cx="7086600" cy="838200"/>
+            <a:off x="228600" y="762000"/>
+            <a:ext cx="8686800" cy="5943600"/>
           </a:xfrm>
         </p:spPr>
         <p:txBody>
@@ -18097,67 +18185,142 @@
           <a:lstStyle/>
           <a:p>
             <a:r>
+              <a:rPr lang="en-US" dirty="0" smtClean="0">
+                <a:hlinkClick r:id="rId2"/>
+              </a:rPr>
+              <a:t>Open-source</a:t>
+            </a:r>
+            <a:r>
+              <a:rPr lang="en-US" dirty="0" smtClean="0"/>
+              <a:t> cross-platform </a:t>
+            </a:r>
+            <a:r>
               <a:rPr lang="en-US" dirty="0"/>
-              <a:t>Introduction to ASP.NET</a:t>
-            </a:r>
-            <a:endParaRPr lang="en-US" dirty="0"/>
+              <a:t>framework for building modern cloud-based Web </a:t>
+            </a:r>
+            <a:r>
+              <a:rPr lang="en-US" dirty="0" smtClean="0"/>
+              <a:t>applications</a:t>
+            </a:r>
+          </a:p>
+          <a:p>
+            <a:pPr lvl="1"/>
+            <a:r>
+              <a:rPr lang="en-US" dirty="0"/>
+              <a:t>M</a:t>
+            </a:r>
+            <a:r>
+              <a:rPr lang="en-US" dirty="0" smtClean="0"/>
+              <a:t>odular </a:t>
+            </a:r>
+            <a:r>
+              <a:rPr lang="en-US" dirty="0"/>
+              <a:t>components with minimal </a:t>
+            </a:r>
+            <a:r>
+              <a:rPr lang="en-US" dirty="0" smtClean="0"/>
+              <a:t>overhead</a:t>
+            </a:r>
+          </a:p>
+          <a:p>
+            <a:pPr lvl="1"/>
+            <a:r>
+              <a:rPr lang="en-US" dirty="0" smtClean="0"/>
+              <a:t>Cross-platform (runs on Windows, Mac, Linux)</a:t>
+            </a:r>
+          </a:p>
+          <a:p>
+            <a:r>
+              <a:rPr lang="en-US" dirty="0" smtClean="0"/>
+              <a:t>Rewritten </a:t>
+            </a:r>
+            <a:r>
+              <a:rPr lang="en-US" dirty="0"/>
+              <a:t>from </a:t>
+            </a:r>
+            <a:r>
+              <a:rPr lang="en-US" dirty="0" smtClean="0"/>
+              <a:t>the ground up</a:t>
+            </a:r>
+          </a:p>
+          <a:p>
+            <a:pPr lvl="1"/>
+            <a:r>
+              <a:rPr lang="en-US" dirty="0" smtClean="0"/>
+              <a:t>A lot of legacy code removed from the 15-years-old ASP.NET</a:t>
+            </a:r>
+          </a:p>
+          <a:p>
+            <a:pPr lvl="1"/>
+            <a:r>
+              <a:rPr lang="en-US" dirty="0"/>
+              <a:t> </a:t>
+            </a:r>
+            <a:r>
+              <a:rPr lang="en-US" dirty="0" smtClean="0"/>
+              <a:t>No </a:t>
+            </a:r>
+            <a:r>
+              <a:rPr lang="en-US" dirty="0"/>
+              <a:t>longer based on </a:t>
+            </a:r>
+            <a:r>
+              <a:rPr lang="en-US" dirty="0" smtClean="0"/>
+              <a:t>System.Web.dll</a:t>
+            </a:r>
+          </a:p>
+          <a:p>
+            <a:pPr lvl="2"/>
+            <a:r>
+              <a:rPr lang="en-US" dirty="0" smtClean="0"/>
+              <a:t>Based </a:t>
+            </a:r>
+            <a:r>
+              <a:rPr lang="en-US" dirty="0"/>
+              <a:t>on a set of granular and well factored NuGet packages</a:t>
+            </a:r>
           </a:p>
         </p:txBody>
       </p:sp>
       <p:sp>
         <p:nvSpPr>
-          <p:cNvPr id="5" name="Text Placeholder 4"/>
-          <p:cNvSpPr txBox="1">
+          <p:cNvPr id="4" name="Slide Number Placeholder 3"/>
+          <p:cNvSpPr>
             <a:spLocks noGrp="1"/>
           </p:cNvSpPr>
           <p:nvPr>
-            <p:ph type="body" sz="quarter" idx="10"/>
+            <p:ph type="sldNum" sz="quarter" idx="10"/>
           </p:nvPr>
         </p:nvSpPr>
-        <p:spPr>
-          <a:xfrm>
-            <a:off x="6019800" y="6400800"/>
-            <a:ext cx="3005887" cy="369332"/>
-          </a:xfrm>
-          <a:prstGeom prst="rect">
-            <a:avLst/>
-          </a:prstGeom>
-          <a:noFill/>
-        </p:spPr>
+        <p:spPr/>
         <p:txBody>
-          <a:bodyPr wrap="square" rtlCol="0">
-            <a:spAutoFit/>
-          </a:bodyPr>
+          <a:bodyPr/>
           <a:lstStyle/>
           <a:p>
-            <a:pPr algn="r"/>
-            <a:r>
-              <a:rPr lang="en-US" sz="1800" b="1" dirty="0" smtClean="0">
-                <a:hlinkClick r:id="rId2"/>
-              </a:rPr>
-              <a:t>http://academy.telerik.com</a:t>
-            </a:r>
-            <a:endParaRPr lang="en-US" sz="1800" b="1" dirty="0"/>
+            <a:pPr>
+              <a:defRPr/>
+            </a:pPr>
+            <a:fld id="{58452FF4-89E3-4D1B-9927-2DBDC00E58D7}" type="slidenum">
+              <a:rPr lang="en-US" smtClean="0"/>
+              <a:pPr>
+                <a:defRPr/>
+              </a:pPr>
+              <a:t>38</a:t>
+            </a:fld>
+            <a:endParaRPr lang="en-US" dirty="0"/>
           </a:p>
         </p:txBody>
       </p:sp>
     </p:spTree>
     <p:extLst>
       <p:ext uri="{BB962C8B-B14F-4D97-AF65-F5344CB8AC3E}">
-        <p14:creationId xmlns:p14="http://schemas.microsoft.com/office/powerpoint/2010/main" val="3808878643"/>
+        <p14:creationId xmlns:p14="http://schemas.microsoft.com/office/powerpoint/2010/main" val="2794637024"/>
       </p:ext>
     </p:extLst>
   </p:cSld>
   <p:clrMapOvr>
     <a:masterClrMapping/>
   </p:clrMapOvr>
-  <p:timing>
-    <p:tnLst>
-      <p:par>
-        <p:cTn id="1" dur="indefinite" restart="never" nodeType="tmRoot"/>
-      </p:par>
-    </p:tnLst>
-  </p:timing>
 </p:sld>
 </file>
 
@@ -18180,7 +18343,7 @@
       </p:grpSpPr>
       <p:sp>
         <p:nvSpPr>
-          <p:cNvPr id="3" name="Title 2"/>
+          <p:cNvPr id="2" name="Title 1"/>
           <p:cNvSpPr>
             <a:spLocks noGrp="1"/>
           </p:cNvSpPr>
@@ -18194,16 +18357,16 @@
           <a:lstStyle/>
           <a:p>
             <a:r>
-              <a:rPr lang="en-US" sz="3600" dirty="0" smtClean="0"/>
-              <a:t>Free Trainings @ Telerik Academy</a:t>
-            </a:r>
-            <a:endParaRPr lang="en-US" sz="3600" dirty="0"/>
+              <a:rPr lang="en-US" dirty="0" smtClean="0"/>
+              <a:t>Main ASP.NET 5 Improvements</a:t>
+            </a:r>
+            <a:endParaRPr lang="en-US" dirty="0"/>
           </a:p>
         </p:txBody>
       </p:sp>
       <p:sp>
         <p:nvSpPr>
-          <p:cNvPr id="4" name="Content Placeholder 3"/>
+          <p:cNvPr id="3" name="Content Placeholder 2"/>
           <p:cNvSpPr>
             <a:spLocks noGrp="1"/>
           </p:cNvSpPr>
@@ -18213,401 +18376,184 @@
         </p:nvSpPr>
         <p:spPr>
           <a:xfrm>
-            <a:off x="228600" y="1066800"/>
-            <a:ext cx="8686800" cy="5638800"/>
+            <a:off x="228600" y="762000"/>
+            <a:ext cx="8763000" cy="5867400"/>
           </a:xfrm>
         </p:spPr>
         <p:txBody>
           <a:bodyPr/>
           <a:lstStyle/>
           <a:p>
-            <a:r>
-              <a:rPr lang="en-US" smtClean="0"/>
-              <a:t>C# Programming </a:t>
-            </a:r>
-            <a:r>
-              <a:rPr lang="en-US" dirty="0" smtClean="0"/>
-              <a:t>@ Telerik Academy</a:t>
-            </a:r>
-          </a:p>
-          <a:p>
-            <a:pPr marL="574675" lvl="2" indent="-282575">
-              <a:buClr>
-                <a:schemeClr val="accent5">
-                  <a:lumMod val="40000"/>
-                  <a:lumOff val="60000"/>
-                </a:schemeClr>
-              </a:buClr>
-              <a:buSzPct val="70000"/>
-              <a:buFont typeface="Wingdings 2" pitchFamily="18" charset="2"/>
-              <a:buChar char=""/>
-              <a:tabLst>
-                <a:tab pos="282575" algn="l"/>
-              </a:tabLst>
+            <a:pPr>
+              <a:spcBef>
+                <a:spcPts val="0"/>
+              </a:spcBef>
+              <a:spcAft>
+                <a:spcPts val="0"/>
+              </a:spcAft>
             </a:pPr>
             <a:r>
-              <a:rPr lang="en-US" noProof="1">
-                <a:hlinkClick r:id="rId2"/>
-              </a:rPr>
-              <a:t>csharpfundamentals.telerik.com</a:t>
-            </a:r>
-            <a:endParaRPr lang="en-US" noProof="1"/>
-          </a:p>
-          <a:p>
-            <a:pPr marL="282575" lvl="1" indent="-282575">
+              <a:rPr lang="en-US" sz="2800" dirty="0" smtClean="0"/>
+              <a:t>New </a:t>
+            </a:r>
+            <a:r>
+              <a:rPr lang="en-US" sz="2800" dirty="0"/>
+              <a:t>light-weight and modular HTTP request pipeline</a:t>
+            </a:r>
+          </a:p>
+          <a:p>
+            <a:pPr>
               <a:spcBef>
-                <a:spcPts val="1800"/>
+                <a:spcPts val="0"/>
               </a:spcBef>
-              <a:buClr>
-                <a:schemeClr val="accent5">
-                  <a:lumMod val="40000"/>
-                  <a:lumOff val="60000"/>
-                </a:schemeClr>
-              </a:buClr>
-              <a:buSzPct val="70000"/>
-              <a:buFont typeface="Wingdings 2" pitchFamily="18" charset="2"/>
-              <a:buChar char=""/>
-              <a:tabLst>
-                <a:tab pos="282575" algn="l"/>
-              </a:tabLst>
+              <a:spcAft>
+                <a:spcPts val="0"/>
+              </a:spcAft>
             </a:pPr>
             <a:r>
-              <a:rPr lang="en-US" dirty="0" smtClean="0"/>
-              <a:t>Telerik Software Academy</a:t>
-            </a:r>
-          </a:p>
-          <a:p>
-            <a:pPr marL="574675" lvl="2" indent="-282575">
-              <a:buClr>
-                <a:schemeClr val="accent5">
-                  <a:lumMod val="40000"/>
-                  <a:lumOff val="60000"/>
-                </a:schemeClr>
-              </a:buClr>
-              <a:buSzPct val="70000"/>
-              <a:buFont typeface="Wingdings 2" pitchFamily="18" charset="2"/>
-              <a:buChar char=""/>
-              <a:tabLst>
-                <a:tab pos="282575" algn="l"/>
-              </a:tabLst>
+              <a:rPr lang="en-US" sz="2800" dirty="0"/>
+              <a:t>Ability to host on IIS or self-host in your own process</a:t>
+            </a:r>
+          </a:p>
+          <a:p>
+            <a:pPr>
+              <a:spcBef>
+                <a:spcPts val="0"/>
+              </a:spcBef>
+              <a:spcAft>
+                <a:spcPts val="0"/>
+              </a:spcAft>
             </a:pPr>
             <a:r>
-              <a:rPr lang="en-US" noProof="1" smtClean="0">
-                <a:hlinkClick r:id="rId3" tooltip="Telerik Software Academy - Free Programming Courses"/>
-              </a:rPr>
-              <a:t>academy.telerik.com</a:t>
-            </a:r>
-            <a:endParaRPr lang="en-US" noProof="1" smtClean="0"/>
-          </a:p>
-          <a:p>
-            <a:pPr marL="282575" lvl="1" indent="-282575">
+              <a:rPr lang="en-US" sz="2800" dirty="0"/>
+              <a:t>Built on .NET </a:t>
+            </a:r>
+            <a:r>
+              <a:rPr lang="en-US" sz="2800" dirty="0" smtClean="0"/>
+              <a:t>Core</a:t>
+            </a:r>
+          </a:p>
+          <a:p>
+            <a:pPr>
               <a:spcBef>
-                <a:spcPts val="1800"/>
+                <a:spcPts val="0"/>
               </a:spcBef>
-              <a:buClr>
-                <a:schemeClr val="accent5">
-                  <a:lumMod val="40000"/>
-                  <a:lumOff val="60000"/>
-                </a:schemeClr>
-              </a:buClr>
-              <a:buSzPct val="70000"/>
-              <a:buFont typeface="Wingdings 2" pitchFamily="18" charset="2"/>
-              <a:buChar char=""/>
-              <a:tabLst>
-                <a:tab pos="282575" algn="l"/>
-              </a:tabLst>
+              <a:spcAft>
+                <a:spcPts val="0"/>
+              </a:spcAft>
             </a:pPr>
             <a:r>
-              <a:rPr lang="en-US" dirty="0" smtClean="0"/>
-              <a:t>Telerik Academy @ Facebook</a:t>
-            </a:r>
-          </a:p>
-          <a:p>
-            <a:pPr marL="574675" lvl="2" indent="-282575">
-              <a:buClr>
-                <a:schemeClr val="accent5">
-                  <a:lumMod val="40000"/>
-                  <a:lumOff val="60000"/>
-                </a:schemeClr>
-              </a:buClr>
-              <a:buSzPct val="70000"/>
-              <a:buFont typeface="Wingdings 2" pitchFamily="18" charset="2"/>
-              <a:buChar char=""/>
-              <a:tabLst>
-                <a:tab pos="282575" algn="l"/>
-              </a:tabLst>
+              <a:rPr lang="en-US" sz="2800" dirty="0" smtClean="0"/>
+              <a:t>Ships </a:t>
+            </a:r>
+            <a:r>
+              <a:rPr lang="en-US" sz="2800" dirty="0"/>
+              <a:t>entirely as NuGet packages</a:t>
+            </a:r>
+          </a:p>
+          <a:p>
+            <a:pPr>
+              <a:spcBef>
+                <a:spcPts val="0"/>
+              </a:spcBef>
+              <a:spcAft>
+                <a:spcPts val="0"/>
+              </a:spcAft>
             </a:pPr>
             <a:r>
-              <a:rPr lang="en-US" noProof="1" smtClean="0">
-                <a:hlinkClick r:id="rId4" tooltip="Telerik Softyware Academy @ Facebook"/>
-              </a:rPr>
-              <a:t>facebook.com/TelerikAcademy</a:t>
-            </a:r>
-            <a:endParaRPr lang="en-US" noProof="1" smtClean="0"/>
-          </a:p>
-          <a:p>
-            <a:pPr marL="282575" lvl="1" indent="-282575">
+              <a:rPr lang="en-US" sz="2800" dirty="0"/>
+              <a:t>Integrated support for creating and using NuGet packages</a:t>
+            </a:r>
+          </a:p>
+          <a:p>
+            <a:pPr>
               <a:spcBef>
-                <a:spcPts val="1800"/>
+                <a:spcPts val="0"/>
               </a:spcBef>
-              <a:buClr>
-                <a:schemeClr val="accent5">
-                  <a:lumMod val="40000"/>
-                  <a:lumOff val="60000"/>
-                </a:schemeClr>
-              </a:buClr>
-              <a:buSzPct val="70000"/>
-              <a:buFont typeface="Wingdings 2" pitchFamily="18" charset="2"/>
-              <a:buChar char=""/>
-              <a:tabLst>
-                <a:tab pos="282575" algn="l"/>
-              </a:tabLst>
+              <a:spcAft>
+                <a:spcPts val="0"/>
+              </a:spcAft>
             </a:pPr>
             <a:r>
-              <a:rPr lang="en-US" dirty="0" smtClean="0"/>
-              <a:t>Telerik Software Academy Forums</a:t>
-            </a:r>
-          </a:p>
-          <a:p>
-            <a:pPr marL="574675" lvl="2" indent="-282575">
-              <a:buClr>
-                <a:schemeClr val="accent5">
-                  <a:lumMod val="40000"/>
-                  <a:lumOff val="60000"/>
-                </a:schemeClr>
-              </a:buClr>
-              <a:buSzPct val="70000"/>
-              <a:buFont typeface="Wingdings 2" pitchFamily="18" charset="2"/>
-              <a:buChar char=""/>
-              <a:tabLst>
-                <a:tab pos="282575" algn="l"/>
-              </a:tabLst>
+              <a:rPr lang="en-US" sz="2800" dirty="0"/>
+              <a:t>Single aligned web stack for Web UI and Web APIs</a:t>
+            </a:r>
+          </a:p>
+          <a:p>
+            <a:pPr>
+              <a:spcBef>
+                <a:spcPts val="0"/>
+              </a:spcBef>
+              <a:spcAft>
+                <a:spcPts val="0"/>
+              </a:spcAft>
             </a:pPr>
             <a:r>
-              <a:rPr lang="en-US" noProof="1" smtClean="0">
-                <a:hlinkClick r:id="rId5" tooltip="Telerik Software Academy Forums - Community for Programmers"/>
-              </a:rPr>
-              <a:t>forums.academy.telerik.com</a:t>
-            </a:r>
-            <a:endParaRPr lang="en-US" noProof="1"/>
+              <a:rPr lang="en-US" sz="2800" dirty="0"/>
+              <a:t>Cloud-ready environment-based configuration</a:t>
+            </a:r>
+          </a:p>
+          <a:p>
+            <a:pPr>
+              <a:spcBef>
+                <a:spcPts val="0"/>
+              </a:spcBef>
+              <a:spcAft>
+                <a:spcPts val="0"/>
+              </a:spcAft>
+            </a:pPr>
+            <a:r>
+              <a:rPr lang="en-US" sz="2800" dirty="0"/>
+              <a:t>Built-in support for dependency injection</a:t>
+            </a:r>
+          </a:p>
+          <a:p>
+            <a:pPr>
+              <a:spcBef>
+                <a:spcPts val="0"/>
+              </a:spcBef>
+              <a:spcAft>
+                <a:spcPts val="0"/>
+              </a:spcAft>
+            </a:pPr>
+            <a:r>
+              <a:rPr lang="en-US" sz="2800" dirty="0"/>
+              <a:t>New tooling that simplifies modern web development</a:t>
+            </a:r>
+          </a:p>
+          <a:p>
+            <a:pPr>
+              <a:spcBef>
+                <a:spcPts val="0"/>
+              </a:spcBef>
+              <a:spcAft>
+                <a:spcPts val="0"/>
+              </a:spcAft>
+            </a:pPr>
+            <a:r>
+              <a:rPr lang="en-US" sz="2800" dirty="0"/>
+              <a:t>Build and run cross-platform ASP.NET apps on Windows, Mac and Linux</a:t>
+            </a:r>
+          </a:p>
+          <a:p>
+            <a:pPr>
+              <a:spcBef>
+                <a:spcPts val="0"/>
+              </a:spcBef>
+              <a:spcAft>
+                <a:spcPts val="0"/>
+              </a:spcAft>
+            </a:pPr>
+            <a:r>
+              <a:rPr lang="en-US" sz="2800" dirty="0"/>
+              <a:t>Open source and community focused</a:t>
+            </a:r>
           </a:p>
         </p:txBody>
       </p:sp>
-      <p:pic>
-        <p:nvPicPr>
-          <p:cNvPr id="5" name="Picture 5">
-            <a:hlinkClick r:id="rId5" tooltip="Telerik Software Academy Forums - Discussion Board for Developers"/>
-          </p:cNvPr>
-          <p:cNvPicPr>
-            <a:picLocks noChangeAspect="1" noChangeArrowheads="1"/>
-          </p:cNvPicPr>
-          <p:nvPr/>
-        </p:nvPicPr>
-        <p:blipFill>
-          <a:blip r:embed="rId6" cstate="screen">
-            <a:extLst>
-              <a:ext uri="{28A0092B-C50C-407E-A947-70E740481C1C}">
-                <a14:useLocalDpi xmlns:a14="http://schemas.microsoft.com/office/drawing/2010/main"/>
-              </a:ext>
-            </a:extLst>
-          </a:blip>
-          <a:srcRect/>
-          <a:stretch>
-            <a:fillRect/>
-          </a:stretch>
-        </p:blipFill>
-        <p:spPr bwMode="auto">
-          <a:xfrm>
-            <a:off x="7523898" y="5218092"/>
-            <a:ext cx="1162902" cy="1268619"/>
-          </a:xfrm>
-          <a:prstGeom prst="rect">
-            <a:avLst/>
-          </a:prstGeom>
-          <a:noFill/>
-          <a:ln>
-            <a:noFill/>
-          </a:ln>
-          <a:effectLst/>
-          <a:extLst>
-            <a:ext uri="{909E8E84-426E-40DD-AFC4-6F175D3DCCD1}">
-              <a14:hiddenFill xmlns:a14="http://schemas.microsoft.com/office/drawing/2010/main">
-                <a:solidFill>
-                  <a:schemeClr val="accent1"/>
-                </a:solidFill>
-              </a14:hiddenFill>
-            </a:ext>
-            <a:ext uri="{91240B29-F687-4F45-9708-019B960494DF}">
-              <a14:hiddenLine xmlns:a14="http://schemas.microsoft.com/office/drawing/2010/main" w="9525">
-                <a:solidFill>
-                  <a:schemeClr val="tx1"/>
-                </a:solidFill>
-                <a:miter lim="800000"/>
-                <a:headEnd/>
-                <a:tailEnd/>
-              </a14:hiddenLine>
-            </a:ext>
-            <a:ext uri="{AF507438-7753-43E0-B8FC-AC1667EBCBE1}">
-              <a14:hiddenEffects xmlns:a14="http://schemas.microsoft.com/office/drawing/2010/main">
-                <a:effectLst>
-                  <a:outerShdw dist="35921" dir="2700000" algn="ctr" rotWithShape="0">
-                    <a:schemeClr val="bg2"/>
-                  </a:outerShdw>
-                </a:effectLst>
-              </a14:hiddenEffects>
-            </a:ext>
-          </a:extLst>
-        </p:spPr>
-      </p:pic>
-      <p:pic>
-        <p:nvPicPr>
-          <p:cNvPr id="1028" name="Picture 4">
-            <a:hlinkClick r:id="rId3" tooltip="Telerik Software Academy"/>
-          </p:cNvPr>
-          <p:cNvPicPr>
-            <a:picLocks noChangeAspect="1" noChangeArrowheads="1"/>
-          </p:cNvPicPr>
-          <p:nvPr/>
-        </p:nvPicPr>
-        <p:blipFill>
-          <a:blip r:embed="rId7">
-            <a:extLst>
-              <a:ext uri="{28A0092B-C50C-407E-A947-70E740481C1C}">
-                <a14:useLocalDpi xmlns:a14="http://schemas.microsoft.com/office/drawing/2010/main"/>
-              </a:ext>
-            </a:extLst>
-          </a:blip>
-          <a:srcRect/>
-          <a:stretch>
-            <a:fillRect/>
-          </a:stretch>
-        </p:blipFill>
-        <p:spPr bwMode="auto">
-          <a:xfrm>
-            <a:off x="5548941" y="2667000"/>
-            <a:ext cx="3137859" cy="918234"/>
-          </a:xfrm>
-          <a:prstGeom prst="rect">
-            <a:avLst/>
-          </a:prstGeom>
-          <a:noFill/>
-          <a:ln>
-            <a:solidFill>
-              <a:srgbClr val="9BCC00"/>
-            </a:solidFill>
-          </a:ln>
-          <a:extLst>
-            <a:ext uri="{909E8E84-426E-40DD-AFC4-6F175D3DCCD1}">
-              <a14:hiddenFill xmlns:a14="http://schemas.microsoft.com/office/drawing/2010/main">
-                <a:solidFill>
-                  <a:srgbClr val="FFFFFF"/>
-                </a:solidFill>
-              </a14:hiddenFill>
-            </a:ext>
-          </a:extLst>
-        </p:spPr>
-      </p:pic>
-      <p:pic>
-        <p:nvPicPr>
-          <p:cNvPr id="1037" name="Picture 13">
-            <a:hlinkClick r:id="rId8" tooltip="Telerik Academy @ Facebook"/>
-          </p:cNvPr>
-          <p:cNvPicPr>
-            <a:picLocks noChangeAspect="1" noChangeArrowheads="1"/>
-          </p:cNvPicPr>
-          <p:nvPr/>
-        </p:nvPicPr>
-        <p:blipFill>
-          <a:blip r:embed="rId9">
-            <a:extLst>
-              <a:ext uri="{28A0092B-C50C-407E-A947-70E740481C1C}">
-                <a14:useLocalDpi xmlns:a14="http://schemas.microsoft.com/office/drawing/2010/main"/>
-              </a:ext>
-            </a:extLst>
-          </a:blip>
-          <a:srcRect/>
-          <a:stretch>
-            <a:fillRect/>
-          </a:stretch>
-        </p:blipFill>
-        <p:spPr bwMode="auto">
-          <a:xfrm>
-            <a:off x="7748587" y="4003901"/>
-            <a:ext cx="938213" cy="938213"/>
-          </a:xfrm>
-          <a:prstGeom prst="rect">
-            <a:avLst/>
-          </a:prstGeom>
-          <a:noFill/>
-          <a:ln>
-            <a:noFill/>
-          </a:ln>
-          <a:effectLst/>
-          <a:extLst>
-            <a:ext uri="{909E8E84-426E-40DD-AFC4-6F175D3DCCD1}">
-              <a14:hiddenFill xmlns:a14="http://schemas.microsoft.com/office/drawing/2010/main">
-                <a:solidFill>
-                  <a:schemeClr val="accent1"/>
-                </a:solidFill>
-              </a14:hiddenFill>
-            </a:ext>
-            <a:ext uri="{91240B29-F687-4F45-9708-019B960494DF}">
-              <a14:hiddenLine xmlns:a14="http://schemas.microsoft.com/office/drawing/2010/main" w="9525">
-                <a:solidFill>
-                  <a:schemeClr val="tx1"/>
-                </a:solidFill>
-                <a:miter lim="800000"/>
-                <a:headEnd/>
-                <a:tailEnd/>
-              </a14:hiddenLine>
-            </a:ext>
-            <a:ext uri="{AF507438-7753-43E0-B8FC-AC1667EBCBE1}">
-              <a14:hiddenEffects xmlns:a14="http://schemas.microsoft.com/office/drawing/2010/main">
-                <a:effectLst>
-                  <a:outerShdw dist="35921" dir="2700000" algn="ctr" rotWithShape="0">
-                    <a:schemeClr val="bg2"/>
-                  </a:outerShdw>
-                </a:effectLst>
-              </a14:hiddenEffects>
-            </a:ext>
-          </a:extLst>
-        </p:spPr>
-      </p:pic>
-      <p:pic>
-        <p:nvPicPr>
-          <p:cNvPr id="2" name="Picture 1">
-            <a:hlinkClick r:id="rId2"/>
-          </p:cNvPr>
-          <p:cNvPicPr>
-            <a:picLocks noChangeAspect="1"/>
-          </p:cNvPicPr>
-          <p:nvPr/>
-        </p:nvPicPr>
-        <p:blipFill>
-          <a:blip r:embed="rId10" cstate="screen">
-            <a:extLst>
-              <a:ext uri="{28A0092B-C50C-407E-A947-70E740481C1C}">
-                <a14:useLocalDpi xmlns:a14="http://schemas.microsoft.com/office/drawing/2010/main"/>
-              </a:ext>
-            </a:extLst>
-          </a:blip>
-          <a:stretch>
-            <a:fillRect/>
-          </a:stretch>
-        </p:blipFill>
-        <p:spPr>
-          <a:xfrm>
-            <a:off x="7562025" y="1123558"/>
-            <a:ext cx="1124775" cy="1124775"/>
-          </a:xfrm>
-          <a:prstGeom prst="rect">
-            <a:avLst/>
-          </a:prstGeom>
-        </p:spPr>
-      </p:pic>
       <p:sp>
         <p:nvSpPr>
-          <p:cNvPr id="6" name="Slide Number Placeholder 5"/>
+          <p:cNvPr id="4" name="Slide Number Placeholder 3"/>
           <p:cNvSpPr>
             <a:spLocks noGrp="1"/>
           </p:cNvSpPr>
@@ -18637,20 +18583,13 @@
     </p:spTree>
     <p:extLst>
       <p:ext uri="{BB962C8B-B14F-4D97-AF65-F5344CB8AC3E}">
-        <p14:creationId xmlns:p14="http://schemas.microsoft.com/office/powerpoint/2010/main" val="495879396"/>
+        <p14:creationId xmlns:p14="http://schemas.microsoft.com/office/powerpoint/2010/main" val="3851839051"/>
       </p:ext>
     </p:extLst>
   </p:cSld>
   <p:clrMapOvr>
     <a:masterClrMapping/>
   </p:clrMapOvr>
-  <p:timing>
-    <p:tnLst>
-      <p:par>
-        <p:cTn id="1" dur="indefinite" restart="never" nodeType="tmRoot"/>
-      </p:par>
-    </p:tnLst>
-  </p:timing>
 </p:sld>
 </file>
 
@@ -18683,8 +18622,8 @@
         </p:nvSpPr>
         <p:spPr>
           <a:xfrm>
-            <a:off x="228600" y="838200"/>
-            <a:ext cx="8686800" cy="5715000"/>
+            <a:off x="228600" y="762000"/>
+            <a:ext cx="8686800" cy="5867400"/>
           </a:xfrm>
         </p:spPr>
         <p:txBody>
@@ -18696,7 +18635,7 @@
                 <a:spcPct val="100000"/>
               </a:lnSpc>
               <a:spcBef>
-                <a:spcPts val="300"/>
+                <a:spcPts val="0"/>
               </a:spcBef>
               <a:spcAft>
                 <a:spcPts val="0"/>
@@ -18718,7 +18657,7 @@
                 <a:spcPct val="100000"/>
               </a:lnSpc>
               <a:spcBef>
-                <a:spcPts val="300"/>
+                <a:spcPts val="0"/>
               </a:spcBef>
               <a:spcAft>
                 <a:spcPts val="0"/>
@@ -18748,7 +18687,7 @@
                 <a:spcPct val="100000"/>
               </a:lnSpc>
               <a:spcBef>
-                <a:spcPts val="300"/>
+                <a:spcPts val="0"/>
               </a:spcBef>
               <a:spcAft>
                 <a:spcPts val="0"/>
@@ -18770,7 +18709,7 @@
                 <a:spcPct val="100000"/>
               </a:lnSpc>
               <a:spcBef>
-                <a:spcPts val="300"/>
+                <a:spcPts val="0"/>
               </a:spcBef>
               <a:spcAft>
                 <a:spcPts val="0"/>
@@ -18792,7 +18731,7 @@
                 <a:spcPct val="100000"/>
               </a:lnSpc>
               <a:spcBef>
-                <a:spcPts val="300"/>
+                <a:spcPts val="0"/>
               </a:spcBef>
               <a:spcAft>
                 <a:spcPts val="0"/>
@@ -18809,7 +18748,7 @@
                 <a:spcPct val="100000"/>
               </a:lnSpc>
               <a:spcBef>
-                <a:spcPts val="300"/>
+                <a:spcPts val="0"/>
               </a:spcBef>
               <a:spcAft>
                 <a:spcPts val="0"/>
@@ -18835,7 +18774,7 @@
                 <a:spcPct val="100000"/>
               </a:lnSpc>
               <a:spcBef>
-                <a:spcPts val="300"/>
+                <a:spcPts val="0"/>
               </a:spcBef>
               <a:spcAft>
                 <a:spcPts val="0"/>
@@ -18860,7 +18799,7 @@
                 <a:spcPct val="100000"/>
               </a:lnSpc>
               <a:spcBef>
-                <a:spcPts val="300"/>
+                <a:spcPts val="0"/>
               </a:spcBef>
               <a:spcAft>
                 <a:spcPts val="0"/>
@@ -18877,7 +18816,7 @@
                 <a:spcPct val="100000"/>
               </a:lnSpc>
               <a:spcBef>
-                <a:spcPts val="300"/>
+                <a:spcPts val="0"/>
               </a:spcBef>
               <a:spcAft>
                 <a:spcPts val="0"/>
@@ -18894,7 +18833,7 @@
                 <a:spcPct val="100000"/>
               </a:lnSpc>
               <a:spcBef>
-                <a:spcPts val="300"/>
+                <a:spcPts val="0"/>
               </a:spcBef>
               <a:spcAft>
                 <a:spcPts val="0"/>
@@ -18925,7 +18864,7 @@
                 <a:spcPct val="100000"/>
               </a:lnSpc>
               <a:spcBef>
-                <a:spcPts val="300"/>
+                <a:spcPts val="0"/>
               </a:spcBef>
               <a:spcAft>
                 <a:spcPts val="0"/>
@@ -18933,15 +18872,36 @@
             </a:pPr>
             <a:r>
               <a:rPr lang="en-US" dirty="0" smtClean="0"/>
+              <a:t>ASP.NET 4.6 (2015) – HTTP/2, Roslyn, fixes</a:t>
+            </a:r>
+          </a:p>
+          <a:p>
+            <a:pPr>
+              <a:lnSpc>
+                <a:spcPct val="100000"/>
+              </a:lnSpc>
+              <a:spcBef>
+                <a:spcPts val="0"/>
+              </a:spcBef>
+              <a:spcAft>
+                <a:spcPts val="0"/>
+              </a:spcAft>
+            </a:pPr>
+            <a:r>
+              <a:rPr lang="en-US" dirty="0" smtClean="0"/>
               <a:t>ASP.NET </a:t>
             </a:r>
             <a:r>
-              <a:rPr lang="en-US" dirty="0" err="1" smtClean="0"/>
-              <a:t>vNext</a:t>
-            </a:r>
-            <a:r>
-              <a:rPr lang="en-US" dirty="0" smtClean="0"/>
-              <a:t> (2014) – Redesigned (</a:t>
+              <a:rPr lang="bg-BG" dirty="0" smtClean="0"/>
+              <a:t>5</a:t>
+            </a:r>
+            <a:r>
+              <a:rPr lang="en-US" dirty="0" smtClean="0"/>
+              <a:t> (expected 2016) </a:t>
+            </a:r>
+            <a:r>
+              <a:rPr lang="en-US" dirty="0" smtClean="0"/>
+              <a:t>– Redesigned (</a:t>
             </a:r>
             <a:r>
               <a:rPr lang="en-US" dirty="0" smtClean="0">
@@ -18965,7 +18925,7 @@
         </p:nvGrpSpPr>
         <p:grpSpPr>
           <a:xfrm>
-            <a:off x="7078173" y="1524000"/>
+            <a:off x="7162800" y="1371600"/>
             <a:ext cx="1275618" cy="1219200"/>
             <a:chOff x="6752163" y="2103144"/>
             <a:chExt cx="1580418" cy="1607072"/>
@@ -19162,6 +19122,234 @@
             <a:spLocks noGrp="1"/>
           </p:cNvSpPr>
           <p:nvPr>
+            <p:ph type="ctrTitle"/>
+          </p:nvPr>
+        </p:nvSpPr>
+        <p:spPr>
+          <a:xfrm>
+            <a:off x="609600" y="5281864"/>
+            <a:ext cx="7924800" cy="685800"/>
+          </a:xfrm>
+        </p:spPr>
+        <p:txBody>
+          <a:bodyPr/>
+          <a:lstStyle/>
+          <a:p>
+            <a:r>
+              <a:rPr lang="en-US" dirty="0" smtClean="0"/>
+              <a:t>ASP.NET 5 (MVC 6)</a:t>
+            </a:r>
+            <a:endParaRPr lang="en-US" dirty="0"/>
+          </a:p>
+        </p:txBody>
+      </p:sp>
+      <p:sp>
+        <p:nvSpPr>
+          <p:cNvPr id="3" name="Subtitle 2"/>
+          <p:cNvSpPr>
+            <a:spLocks noGrp="1"/>
+          </p:cNvSpPr>
+          <p:nvPr>
+            <p:ph type="subTitle" idx="1"/>
+          </p:nvPr>
+        </p:nvSpPr>
+        <p:spPr>
+          <a:xfrm>
+            <a:off x="609600" y="6036216"/>
+            <a:ext cx="7924800" cy="569120"/>
+          </a:xfrm>
+        </p:spPr>
+        <p:txBody>
+          <a:bodyPr/>
+          <a:lstStyle/>
+          <a:p>
+            <a:r>
+              <a:rPr lang="en-US" dirty="0" smtClean="0"/>
+              <a:t>Live Demo</a:t>
+            </a:r>
+            <a:endParaRPr lang="en-US" dirty="0"/>
+          </a:p>
+        </p:txBody>
+      </p:sp>
+      <p:pic>
+        <p:nvPicPr>
+          <p:cNvPr id="6" name="Picture 5"/>
+          <p:cNvPicPr>
+            <a:picLocks noChangeAspect="1"/>
+          </p:cNvPicPr>
+          <p:nvPr/>
+        </p:nvPicPr>
+        <p:blipFill>
+          <a:blip r:embed="rId2"/>
+          <a:stretch>
+            <a:fillRect/>
+          </a:stretch>
+        </p:blipFill>
+        <p:spPr>
+          <a:xfrm>
+            <a:off x="1181100" y="762000"/>
+            <a:ext cx="6781800" cy="4410926"/>
+          </a:xfrm>
+          <a:prstGeom prst="rect">
+            <a:avLst/>
+          </a:prstGeom>
+          <a:ln>
+            <a:noFill/>
+          </a:ln>
+          <a:effectLst>
+            <a:outerShdw blurRad="292100" dist="139700" dir="2700000" algn="tl" rotWithShape="0">
+              <a:srgbClr val="333333">
+                <a:alpha val="65000"/>
+              </a:srgbClr>
+            </a:outerShdw>
+          </a:effectLst>
+        </p:spPr>
+      </p:pic>
+    </p:spTree>
+    <p:extLst>
+      <p:ext uri="{BB962C8B-B14F-4D97-AF65-F5344CB8AC3E}">
+        <p14:creationId xmlns:p14="http://schemas.microsoft.com/office/powerpoint/2010/main" val="3162554273"/>
+      </p:ext>
+    </p:extLst>
+  </p:cSld>
+  <p:clrMapOvr>
+    <a:masterClrMapping/>
+  </p:clrMapOvr>
+  <p:timing>
+    <p:tnLst>
+      <p:par>
+        <p:cTn id="1" dur="indefinite" restart="never" nodeType="tmRoot"/>
+      </p:par>
+    </p:tnLst>
+  </p:timing>
+</p:sld>
+</file>
+
+<file path=ppt/slides/slide41.xml><?xml version="1.0" encoding="utf-8"?>
+<p:sld xmlns:a="http://schemas.openxmlformats.org/drawingml/2006/main" xmlns:r="http://schemas.openxmlformats.org/officeDocument/2006/relationships" xmlns:p="http://schemas.openxmlformats.org/presentationml/2006/main">
+  <p:cSld>
+    <p:spTree>
+      <p:nvGrpSpPr>
+        <p:cNvPr id="1" name=""/>
+        <p:cNvGrpSpPr/>
+        <p:nvPr/>
+      </p:nvGrpSpPr>
+      <p:grpSpPr>
+        <a:xfrm>
+          <a:off x="0" y="0"/>
+          <a:ext cx="0" cy="0"/>
+          <a:chOff x="0" y="0"/>
+          <a:chExt cx="0" cy="0"/>
+        </a:xfrm>
+      </p:grpSpPr>
+      <p:sp>
+        <p:nvSpPr>
+          <p:cNvPr id="3" name="Title 2"/>
+          <p:cNvSpPr>
+            <a:spLocks noGrp="1"/>
+          </p:cNvSpPr>
+          <p:nvPr>
+            <p:ph type="title"/>
+          </p:nvPr>
+        </p:nvSpPr>
+        <p:spPr>
+          <a:xfrm>
+            <a:off x="1828800" y="228600"/>
+            <a:ext cx="7086600" cy="838200"/>
+          </a:xfrm>
+        </p:spPr>
+        <p:txBody>
+          <a:bodyPr/>
+          <a:lstStyle/>
+          <a:p>
+            <a:r>
+              <a:rPr lang="en-US" dirty="0"/>
+              <a:t>Introduction to ASP.NET</a:t>
+            </a:r>
+          </a:p>
+        </p:txBody>
+      </p:sp>
+      <p:sp>
+        <p:nvSpPr>
+          <p:cNvPr id="5" name="Text Placeholder 4"/>
+          <p:cNvSpPr txBox="1">
+            <a:spLocks noGrp="1"/>
+          </p:cNvSpPr>
+          <p:nvPr>
+            <p:ph type="body" sz="quarter" idx="10"/>
+          </p:nvPr>
+        </p:nvSpPr>
+        <p:spPr>
+          <a:xfrm>
+            <a:off x="6019800" y="6400800"/>
+            <a:ext cx="3005887" cy="369332"/>
+          </a:xfrm>
+          <a:prstGeom prst="rect">
+            <a:avLst/>
+          </a:prstGeom>
+          <a:noFill/>
+        </p:spPr>
+        <p:txBody>
+          <a:bodyPr wrap="square" rtlCol="0">
+            <a:spAutoFit/>
+          </a:bodyPr>
+          <a:lstStyle/>
+          <a:p>
+            <a:pPr algn="r"/>
+            <a:r>
+              <a:rPr lang="en-US" sz="1800" b="1" dirty="0" smtClean="0">
+                <a:hlinkClick r:id="rId2"/>
+              </a:rPr>
+              <a:t>http://academy.telerik.com</a:t>
+            </a:r>
+            <a:endParaRPr lang="en-US" sz="1800" b="1" dirty="0"/>
+          </a:p>
+        </p:txBody>
+      </p:sp>
+    </p:spTree>
+    <p:extLst>
+      <p:ext uri="{BB962C8B-B14F-4D97-AF65-F5344CB8AC3E}">
+        <p14:creationId xmlns:p14="http://schemas.microsoft.com/office/powerpoint/2010/main" val="3808878643"/>
+      </p:ext>
+    </p:extLst>
+  </p:cSld>
+  <p:clrMapOvr>
+    <a:masterClrMapping/>
+  </p:clrMapOvr>
+  <p:timing>
+    <p:tnLst>
+      <p:par>
+        <p:cTn id="1" dur="indefinite" restart="never" nodeType="tmRoot"/>
+      </p:par>
+    </p:tnLst>
+  </p:timing>
+</p:sld>
+</file>
+
+<file path=ppt/slides/slide42.xml><?xml version="1.0" encoding="utf-8"?>
+<p:sld xmlns:a="http://schemas.openxmlformats.org/drawingml/2006/main" xmlns:r="http://schemas.openxmlformats.org/officeDocument/2006/relationships" xmlns:p="http://schemas.openxmlformats.org/presentationml/2006/main">
+  <p:cSld>
+    <p:spTree>
+      <p:nvGrpSpPr>
+        <p:cNvPr id="1" name=""/>
+        <p:cNvGrpSpPr/>
+        <p:nvPr/>
+      </p:nvGrpSpPr>
+      <p:grpSpPr>
+        <a:xfrm>
+          <a:off x="0" y="0"/>
+          <a:ext cx="0" cy="0"/>
+          <a:chOff x="0" y="0"/>
+          <a:chExt cx="0" cy="0"/>
+        </a:xfrm>
+      </p:grpSpPr>
+      <p:sp>
+        <p:nvSpPr>
+          <p:cNvPr id="3" name="Title 2"/>
+          <p:cNvSpPr>
+            <a:spLocks noGrp="1"/>
+          </p:cNvSpPr>
+          <p:nvPr>
             <p:ph type="title"/>
           </p:nvPr>
         </p:nvSpPr>
@@ -19171,16 +19359,16 @@
           <a:lstStyle/>
           <a:p>
             <a:r>
-              <a:rPr lang="en-US" dirty="0" smtClean="0"/>
-              <a:t>Exercises</a:t>
-            </a:r>
-            <a:endParaRPr lang="en-US" dirty="0"/>
+              <a:rPr lang="en-US" sz="3600" dirty="0" smtClean="0"/>
+              <a:t>Free Trainings @ Telerik Academy</a:t>
+            </a:r>
+            <a:endParaRPr lang="en-US" sz="3600" dirty="0"/>
           </a:p>
         </p:txBody>
       </p:sp>
       <p:sp>
         <p:nvSpPr>
-          <p:cNvPr id="3" name="Content Placeholder 2"/>
+          <p:cNvPr id="4" name="Content Placeholder 3"/>
           <p:cNvSpPr>
             <a:spLocks noGrp="1"/>
           </p:cNvSpPr>
@@ -19190,152 +19378,401 @@
         </p:nvSpPr>
         <p:spPr>
           <a:xfrm>
-            <a:off x="228600" y="815622"/>
-            <a:ext cx="8686800" cy="5791200"/>
+            <a:off x="228600" y="1066800"/>
+            <a:ext cx="8686800" cy="5638800"/>
           </a:xfrm>
         </p:spPr>
         <p:txBody>
           <a:bodyPr/>
           <a:lstStyle/>
           <a:p>
-            <a:pPr marL="360363" indent="-360363">
-              <a:lnSpc>
-                <a:spcPct val="100000"/>
-              </a:lnSpc>
-              <a:buFont typeface="+mj-lt"/>
-              <a:buAutoNum type="arabicPeriod"/>
-              <a:tabLst/>
+            <a:r>
+              <a:rPr lang="en-US" smtClean="0"/>
+              <a:t>C# Programming </a:t>
+            </a:r>
+            <a:r>
+              <a:rPr lang="en-US" dirty="0" smtClean="0"/>
+              <a:t>@ Telerik Academy</a:t>
+            </a:r>
+          </a:p>
+          <a:p>
+            <a:pPr marL="574675" lvl="2" indent="-282575">
+              <a:buClr>
+                <a:schemeClr val="accent5">
+                  <a:lumMod val="40000"/>
+                  <a:lumOff val="60000"/>
+                </a:schemeClr>
+              </a:buClr>
+              <a:buSzPct val="70000"/>
+              <a:buFont typeface="Wingdings 2" pitchFamily="18" charset="2"/>
+              <a:buChar char=""/>
+              <a:tabLst>
+                <a:tab pos="282575" algn="l"/>
+              </a:tabLst>
             </a:pPr>
             <a:r>
-              <a:rPr lang="en-US" sz="2800" dirty="0" smtClean="0"/>
-              <a:t>Create and run few Web applications in Visual Studio to play with ASP.NET, compile and run them:</a:t>
-            </a:r>
-          </a:p>
-          <a:p>
-            <a:pPr marL="804863" lvl="1" indent="-457200">
-              <a:lnSpc>
-                <a:spcPct val="100000"/>
-              </a:lnSpc>
+              <a:rPr lang="en-US" noProof="1">
+                <a:hlinkClick r:id="rId2"/>
+              </a:rPr>
+              <a:t>csharpfundamentals.telerik.com</a:t>
+            </a:r>
+            <a:endParaRPr lang="en-US" noProof="1"/>
+          </a:p>
+          <a:p>
+            <a:pPr marL="282575" lvl="1" indent="-282575">
               <a:spcBef>
-                <a:spcPts val="300"/>
+                <a:spcPts val="1800"/>
               </a:spcBef>
+              <a:buClr>
+                <a:schemeClr val="accent5">
+                  <a:lumMod val="40000"/>
+                  <a:lumOff val="60000"/>
+                </a:schemeClr>
+              </a:buClr>
+              <a:buSzPct val="70000"/>
+              <a:buFont typeface="Wingdings 2" pitchFamily="18" charset="2"/>
+              <a:buChar char=""/>
+              <a:tabLst>
+                <a:tab pos="282575" algn="l"/>
+              </a:tabLst>
             </a:pPr>
             <a:r>
-              <a:rPr lang="en-US" sz="2600" dirty="0" smtClean="0"/>
-              <a:t>ASP.NET Web Forms application</a:t>
-            </a:r>
-          </a:p>
-          <a:p>
-            <a:pPr marL="804863" lvl="1" indent="-457200">
-              <a:lnSpc>
-                <a:spcPct val="100000"/>
-              </a:lnSpc>
+              <a:rPr lang="en-US" dirty="0" smtClean="0"/>
+              <a:t>Telerik Software Academy</a:t>
+            </a:r>
+          </a:p>
+          <a:p>
+            <a:pPr marL="574675" lvl="2" indent="-282575">
+              <a:buClr>
+                <a:schemeClr val="accent5">
+                  <a:lumMod val="40000"/>
+                  <a:lumOff val="60000"/>
+                </a:schemeClr>
+              </a:buClr>
+              <a:buSzPct val="70000"/>
+              <a:buFont typeface="Wingdings 2" pitchFamily="18" charset="2"/>
+              <a:buChar char=""/>
+              <a:tabLst>
+                <a:tab pos="282575" algn="l"/>
+              </a:tabLst>
+            </a:pPr>
+            <a:r>
+              <a:rPr lang="en-US" noProof="1" smtClean="0">
+                <a:hlinkClick r:id="rId3" tooltip="Telerik Software Academy - Free Programming Courses"/>
+              </a:rPr>
+              <a:t>academy.telerik.com</a:t>
+            </a:r>
+            <a:endParaRPr lang="en-US" noProof="1" smtClean="0"/>
+          </a:p>
+          <a:p>
+            <a:pPr marL="282575" lvl="1" indent="-282575">
               <a:spcBef>
-                <a:spcPts val="300"/>
+                <a:spcPts val="1800"/>
               </a:spcBef>
+              <a:buClr>
+                <a:schemeClr val="accent5">
+                  <a:lumMod val="40000"/>
+                  <a:lumOff val="60000"/>
+                </a:schemeClr>
+              </a:buClr>
+              <a:buSzPct val="70000"/>
+              <a:buFont typeface="Wingdings 2" pitchFamily="18" charset="2"/>
+              <a:buChar char=""/>
+              <a:tabLst>
+                <a:tab pos="282575" algn="l"/>
+              </a:tabLst>
             </a:pPr>
             <a:r>
-              <a:rPr lang="en-US" sz="2600" dirty="0"/>
-              <a:t>ASP.NET </a:t>
-            </a:r>
-            <a:r>
-              <a:rPr lang="en-US" sz="2600" dirty="0" smtClean="0"/>
-              <a:t>MVC application</a:t>
-            </a:r>
-          </a:p>
-          <a:p>
-            <a:pPr marL="804863" lvl="1" indent="-457200">
-              <a:lnSpc>
-                <a:spcPct val="100000"/>
-              </a:lnSpc>
+              <a:rPr lang="en-US" dirty="0" smtClean="0"/>
+              <a:t>Telerik Academy @ Facebook</a:t>
+            </a:r>
+          </a:p>
+          <a:p>
+            <a:pPr marL="574675" lvl="2" indent="-282575">
+              <a:buClr>
+                <a:schemeClr val="accent5">
+                  <a:lumMod val="40000"/>
+                  <a:lumOff val="60000"/>
+                </a:schemeClr>
+              </a:buClr>
+              <a:buSzPct val="70000"/>
+              <a:buFont typeface="Wingdings 2" pitchFamily="18" charset="2"/>
+              <a:buChar char=""/>
+              <a:tabLst>
+                <a:tab pos="282575" algn="l"/>
+              </a:tabLst>
+            </a:pPr>
+            <a:r>
+              <a:rPr lang="en-US" noProof="1" smtClean="0">
+                <a:hlinkClick r:id="rId4" tooltip="Telerik Softyware Academy @ Facebook"/>
+              </a:rPr>
+              <a:t>facebook.com/TelerikAcademy</a:t>
+            </a:r>
+            <a:endParaRPr lang="en-US" noProof="1" smtClean="0"/>
+          </a:p>
+          <a:p>
+            <a:pPr marL="282575" lvl="1" indent="-282575">
               <a:spcBef>
-                <a:spcPts val="300"/>
+                <a:spcPts val="1800"/>
               </a:spcBef>
+              <a:buClr>
+                <a:schemeClr val="accent5">
+                  <a:lumMod val="40000"/>
+                  <a:lumOff val="60000"/>
+                </a:schemeClr>
+              </a:buClr>
+              <a:buSzPct val="70000"/>
+              <a:buFont typeface="Wingdings 2" pitchFamily="18" charset="2"/>
+              <a:buChar char=""/>
+              <a:tabLst>
+                <a:tab pos="282575" algn="l"/>
+              </a:tabLst>
             </a:pPr>
             <a:r>
-              <a:rPr lang="en-US" sz="2600" dirty="0"/>
-              <a:t>ASP.NET Web </a:t>
-            </a:r>
-            <a:r>
-              <a:rPr lang="en-US" sz="2600" dirty="0" smtClean="0"/>
-              <a:t>API application</a:t>
-            </a:r>
-          </a:p>
-          <a:p>
-            <a:pPr marL="804863" lvl="1" indent="-457200">
-              <a:lnSpc>
-                <a:spcPct val="100000"/>
-              </a:lnSpc>
-              <a:spcBef>
-                <a:spcPts val="300"/>
-              </a:spcBef>
+              <a:rPr lang="en-US" dirty="0" smtClean="0"/>
+              <a:t>Telerik Software Academy Forums</a:t>
+            </a:r>
+          </a:p>
+          <a:p>
+            <a:pPr marL="574675" lvl="2" indent="-282575">
+              <a:buClr>
+                <a:schemeClr val="accent5">
+                  <a:lumMod val="40000"/>
+                  <a:lumOff val="60000"/>
+                </a:schemeClr>
+              </a:buClr>
+              <a:buSzPct val="70000"/>
+              <a:buFont typeface="Wingdings 2" pitchFamily="18" charset="2"/>
+              <a:buChar char=""/>
+              <a:tabLst>
+                <a:tab pos="282575" algn="l"/>
+              </a:tabLst>
             </a:pPr>
             <a:r>
-              <a:rPr lang="en-US" sz="2600" dirty="0"/>
-              <a:t>ASP.NET </a:t>
-            </a:r>
-            <a:r>
-              <a:rPr lang="en-US" sz="2600" dirty="0" smtClean="0"/>
-              <a:t>Single Page application (SPA)</a:t>
-            </a:r>
-          </a:p>
-          <a:p>
-            <a:pPr marL="360363" indent="-360363">
-              <a:lnSpc>
-                <a:spcPct val="100000"/>
-              </a:lnSpc>
-              <a:buFont typeface="+mj-lt"/>
-              <a:buAutoNum type="arabicPeriod"/>
-            </a:pPr>
-            <a:r>
-              <a:rPr lang="en-US" sz="2800" dirty="0" smtClean="0"/>
-              <a:t>Write a simple application to sum numbers in ASP.NET Web Forms and ASP.NET MVC. Submit the code only (without the </a:t>
-            </a:r>
-            <a:r>
-              <a:rPr lang="en-US" sz="2800" dirty="0" err="1" smtClean="0"/>
-              <a:t>NuGet</a:t>
-            </a:r>
-            <a:r>
-              <a:rPr lang="en-US" sz="2800" dirty="0" smtClean="0"/>
-              <a:t> packages).</a:t>
-            </a:r>
-          </a:p>
-          <a:p>
-            <a:pPr marL="360363" indent="-360363">
-              <a:lnSpc>
-                <a:spcPct val="100000"/>
-              </a:lnSpc>
-              <a:buFont typeface="+mj-lt"/>
-              <a:buAutoNum type="arabicPeriod"/>
-            </a:pPr>
-            <a:r>
-              <a:rPr lang="en-US" sz="2800" dirty="0" smtClean="0"/>
-              <a:t>* Write an HTTP handler that accepts a text as HTTP GET or POST request and returns as a result the text as PNG image. Map it to process </a:t>
-            </a:r>
-            <a:r>
-              <a:rPr lang="en-US" sz="2800" noProof="1" smtClean="0">
-                <a:solidFill>
-                  <a:schemeClr val="accent5">
-                    <a:lumMod val="20000"/>
-                    <a:lumOff val="80000"/>
-                  </a:schemeClr>
-                </a:solidFill>
-                <a:latin typeface="Consolas" panose="020B0609020204030204" pitchFamily="49" charset="0"/>
-                <a:cs typeface="Consolas" panose="020B0609020204030204" pitchFamily="49" charset="0"/>
-              </a:rPr>
-              <a:t>*.img</a:t>
-            </a:r>
-            <a:r>
-              <a:rPr lang="en-US" sz="2800" dirty="0" smtClean="0"/>
-              <a:t> requests.</a:t>
-            </a:r>
-            <a:endParaRPr lang="en-US" sz="2800" dirty="0"/>
+              <a:rPr lang="en-US" noProof="1" smtClean="0">
+                <a:hlinkClick r:id="rId5" tooltip="Telerik Software Academy Forums - Community for Programmers"/>
+              </a:rPr>
+              <a:t>forums.academy.telerik.com</a:t>
+            </a:r>
+            <a:endParaRPr lang="en-US" noProof="1"/>
           </a:p>
         </p:txBody>
       </p:sp>
+      <p:pic>
+        <p:nvPicPr>
+          <p:cNvPr id="5" name="Picture 5">
+            <a:hlinkClick r:id="rId5" tooltip="Telerik Software Academy Forums - Discussion Board for Developers"/>
+          </p:cNvPr>
+          <p:cNvPicPr>
+            <a:picLocks noChangeAspect="1" noChangeArrowheads="1"/>
+          </p:cNvPicPr>
+          <p:nvPr/>
+        </p:nvPicPr>
+        <p:blipFill>
+          <a:blip r:embed="rId6" cstate="screen">
+            <a:extLst>
+              <a:ext uri="{28A0092B-C50C-407E-A947-70E740481C1C}">
+                <a14:useLocalDpi xmlns:a14="http://schemas.microsoft.com/office/drawing/2010/main"/>
+              </a:ext>
+            </a:extLst>
+          </a:blip>
+          <a:srcRect/>
+          <a:stretch>
+            <a:fillRect/>
+          </a:stretch>
+        </p:blipFill>
+        <p:spPr bwMode="auto">
+          <a:xfrm>
+            <a:off x="7523898" y="5218092"/>
+            <a:ext cx="1162902" cy="1268619"/>
+          </a:xfrm>
+          <a:prstGeom prst="rect">
+            <a:avLst/>
+          </a:prstGeom>
+          <a:noFill/>
+          <a:ln>
+            <a:noFill/>
+          </a:ln>
+          <a:effectLst/>
+          <a:extLst>
+            <a:ext uri="{909E8E84-426E-40DD-AFC4-6F175D3DCCD1}">
+              <a14:hiddenFill xmlns:a14="http://schemas.microsoft.com/office/drawing/2010/main">
+                <a:solidFill>
+                  <a:schemeClr val="accent1"/>
+                </a:solidFill>
+              </a14:hiddenFill>
+            </a:ext>
+            <a:ext uri="{91240B29-F687-4F45-9708-019B960494DF}">
+              <a14:hiddenLine xmlns:a14="http://schemas.microsoft.com/office/drawing/2010/main" w="9525">
+                <a:solidFill>
+                  <a:schemeClr val="tx1"/>
+                </a:solidFill>
+                <a:miter lim="800000"/>
+                <a:headEnd/>
+                <a:tailEnd/>
+              </a14:hiddenLine>
+            </a:ext>
+            <a:ext uri="{AF507438-7753-43E0-B8FC-AC1667EBCBE1}">
+              <a14:hiddenEffects xmlns:a14="http://schemas.microsoft.com/office/drawing/2010/main">
+                <a:effectLst>
+                  <a:outerShdw dist="35921" dir="2700000" algn="ctr" rotWithShape="0">
+                    <a:schemeClr val="bg2"/>
+                  </a:outerShdw>
+                </a:effectLst>
+              </a14:hiddenEffects>
+            </a:ext>
+          </a:extLst>
+        </p:spPr>
+      </p:pic>
+      <p:pic>
+        <p:nvPicPr>
+          <p:cNvPr id="1028" name="Picture 4">
+            <a:hlinkClick r:id="rId3" tooltip="Telerik Software Academy"/>
+          </p:cNvPr>
+          <p:cNvPicPr>
+            <a:picLocks noChangeAspect="1" noChangeArrowheads="1"/>
+          </p:cNvPicPr>
+          <p:nvPr/>
+        </p:nvPicPr>
+        <p:blipFill>
+          <a:blip r:embed="rId7">
+            <a:extLst>
+              <a:ext uri="{28A0092B-C50C-407E-A947-70E740481C1C}">
+                <a14:useLocalDpi xmlns:a14="http://schemas.microsoft.com/office/drawing/2010/main"/>
+              </a:ext>
+            </a:extLst>
+          </a:blip>
+          <a:srcRect/>
+          <a:stretch>
+            <a:fillRect/>
+          </a:stretch>
+        </p:blipFill>
+        <p:spPr bwMode="auto">
+          <a:xfrm>
+            <a:off x="5548941" y="2667000"/>
+            <a:ext cx="3137859" cy="918234"/>
+          </a:xfrm>
+          <a:prstGeom prst="rect">
+            <a:avLst/>
+          </a:prstGeom>
+          <a:noFill/>
+          <a:ln>
+            <a:solidFill>
+              <a:srgbClr val="9BCC00"/>
+            </a:solidFill>
+          </a:ln>
+          <a:extLst>
+            <a:ext uri="{909E8E84-426E-40DD-AFC4-6F175D3DCCD1}">
+              <a14:hiddenFill xmlns:a14="http://schemas.microsoft.com/office/drawing/2010/main">
+                <a:solidFill>
+                  <a:srgbClr val="FFFFFF"/>
+                </a:solidFill>
+              </a14:hiddenFill>
+            </a:ext>
+          </a:extLst>
+        </p:spPr>
+      </p:pic>
+      <p:pic>
+        <p:nvPicPr>
+          <p:cNvPr id="1037" name="Picture 13">
+            <a:hlinkClick r:id="rId8" tooltip="Telerik Academy @ Facebook"/>
+          </p:cNvPr>
+          <p:cNvPicPr>
+            <a:picLocks noChangeAspect="1" noChangeArrowheads="1"/>
+          </p:cNvPicPr>
+          <p:nvPr/>
+        </p:nvPicPr>
+        <p:blipFill>
+          <a:blip r:embed="rId9">
+            <a:extLst>
+              <a:ext uri="{28A0092B-C50C-407E-A947-70E740481C1C}">
+                <a14:useLocalDpi xmlns:a14="http://schemas.microsoft.com/office/drawing/2010/main"/>
+              </a:ext>
+            </a:extLst>
+          </a:blip>
+          <a:srcRect/>
+          <a:stretch>
+            <a:fillRect/>
+          </a:stretch>
+        </p:blipFill>
+        <p:spPr bwMode="auto">
+          <a:xfrm>
+            <a:off x="7748587" y="4003901"/>
+            <a:ext cx="938213" cy="938213"/>
+          </a:xfrm>
+          <a:prstGeom prst="rect">
+            <a:avLst/>
+          </a:prstGeom>
+          <a:noFill/>
+          <a:ln>
+            <a:noFill/>
+          </a:ln>
+          <a:effectLst/>
+          <a:extLst>
+            <a:ext uri="{909E8E84-426E-40DD-AFC4-6F175D3DCCD1}">
+              <a14:hiddenFill xmlns:a14="http://schemas.microsoft.com/office/drawing/2010/main">
+                <a:solidFill>
+                  <a:schemeClr val="accent1"/>
+                </a:solidFill>
+              </a14:hiddenFill>
+            </a:ext>
+            <a:ext uri="{91240B29-F687-4F45-9708-019B960494DF}">
+              <a14:hiddenLine xmlns:a14="http://schemas.microsoft.com/office/drawing/2010/main" w="9525">
+                <a:solidFill>
+                  <a:schemeClr val="tx1"/>
+                </a:solidFill>
+                <a:miter lim="800000"/>
+                <a:headEnd/>
+                <a:tailEnd/>
+              </a14:hiddenLine>
+            </a:ext>
+            <a:ext uri="{AF507438-7753-43E0-B8FC-AC1667EBCBE1}">
+              <a14:hiddenEffects xmlns:a14="http://schemas.microsoft.com/office/drawing/2010/main">
+                <a:effectLst>
+                  <a:outerShdw dist="35921" dir="2700000" algn="ctr" rotWithShape="0">
+                    <a:schemeClr val="bg2"/>
+                  </a:outerShdw>
+                </a:effectLst>
+              </a14:hiddenEffects>
+            </a:ext>
+          </a:extLst>
+        </p:spPr>
+      </p:pic>
+      <p:pic>
+        <p:nvPicPr>
+          <p:cNvPr id="2" name="Picture 1">
+            <a:hlinkClick r:id="rId2"/>
+          </p:cNvPr>
+          <p:cNvPicPr>
+            <a:picLocks noChangeAspect="1"/>
+          </p:cNvPicPr>
+          <p:nvPr/>
+        </p:nvPicPr>
+        <p:blipFill>
+          <a:blip r:embed="rId10" cstate="screen">
+            <a:extLst>
+              <a:ext uri="{28A0092B-C50C-407E-A947-70E740481C1C}">
+                <a14:useLocalDpi xmlns:a14="http://schemas.microsoft.com/office/drawing/2010/main"/>
+              </a:ext>
+            </a:extLst>
+          </a:blip>
+          <a:stretch>
+            <a:fillRect/>
+          </a:stretch>
+        </p:blipFill>
+        <p:spPr>
+          <a:xfrm>
+            <a:off x="7562025" y="1123558"/>
+            <a:ext cx="1124775" cy="1124775"/>
+          </a:xfrm>
+          <a:prstGeom prst="rect">
+            <a:avLst/>
+          </a:prstGeom>
+        </p:spPr>
+      </p:pic>
       <p:sp>
         <p:nvSpPr>
-          <p:cNvPr id="4" name="Slide Number Placeholder 3"/>
+          <p:cNvPr id="6" name="Slide Number Placeholder 5"/>
           <p:cNvSpPr>
             <a:spLocks noGrp="1"/>
           </p:cNvSpPr>
@@ -19356,7 +19793,7 @@
               <a:pPr>
                 <a:defRPr/>
               </a:pPr>
-              <a:t>40</a:t>
+              <a:t>42</a:t>
             </a:fld>
             <a:endParaRPr lang="en-US" dirty="0"/>
           </a:p>
@@ -19365,13 +19802,20 @@
     </p:spTree>
     <p:extLst>
       <p:ext uri="{BB962C8B-B14F-4D97-AF65-F5344CB8AC3E}">
-        <p14:creationId xmlns:p14="http://schemas.microsoft.com/office/powerpoint/2010/main" val="1361208770"/>
+        <p14:creationId xmlns:p14="http://schemas.microsoft.com/office/powerpoint/2010/main" val="495879396"/>
       </p:ext>
     </p:extLst>
   </p:cSld>
   <p:clrMapOvr>
     <a:masterClrMapping/>
   </p:clrMapOvr>
+  <p:timing>
+    <p:tnLst>
+      <p:par>
+        <p:cTn id="1" dur="indefinite" restart="never" nodeType="tmRoot"/>
+      </p:par>
+    </p:tnLst>
+  </p:timing>
 </p:sld>
 </file>
 
@@ -19583,11 +20027,15 @@
           <a:p>
             <a:r>
               <a:rPr lang="en-US" dirty="0" smtClean="0"/>
-              <a:t>ASP.NET has two major frameworks for Web application </a:t>
-            </a:r>
-            <a:r>
-              <a:rPr lang="en-US" dirty="0" smtClean="0"/>
-              <a:t>development</a:t>
+              <a:t>ASP.NET has two major frameworks for </a:t>
+            </a:r>
+            <a:r>
+              <a:rPr lang="en-US" dirty="0" smtClean="0"/>
+              <a:t>web </a:t>
+            </a:r>
+            <a:r>
+              <a:rPr lang="en-US" dirty="0" smtClean="0"/>
+              <a:t>application development</a:t>
             </a:r>
           </a:p>
           <a:p>
@@ -19666,18 +20114,7 @@
                   </a:schemeClr>
                 </a:solidFill>
               </a:rPr>
-              <a:t>ASP.NET </a:t>
-            </a:r>
-            <a:r>
-              <a:rPr lang="en-US" dirty="0" smtClean="0">
-                <a:solidFill>
-                  <a:schemeClr val="accent5">
-                    <a:lumMod val="20000"/>
-                    <a:lumOff val="80000"/>
-                  </a:schemeClr>
-                </a:solidFill>
-              </a:rPr>
-              <a:t>MVC</a:t>
+              <a:t>ASP.NET MVC</a:t>
             </a:r>
             <a:r>
               <a:rPr lang="en-US" dirty="0"/>
@@ -19724,8 +20161,13 @@
             <a:pPr lvl="2"/>
             <a:r>
               <a:rPr lang="en-US" dirty="0" smtClean="0"/>
-              <a:t>Testable (test the controllers)</a:t>
-            </a:r>
+              <a:t>Testable </a:t>
+            </a:r>
+            <a:r>
+              <a:rPr lang="en-US" dirty="0" smtClean="0"/>
+              <a:t>and easy to use</a:t>
+            </a:r>
+            <a:endParaRPr lang="en-US" dirty="0" smtClean="0"/>
           </a:p>
         </p:txBody>
       </p:sp>
@@ -19884,7 +20326,15 @@
             </a:r>
             <a:r>
               <a:rPr lang="en-US" dirty="0"/>
-              <a:t>combine server code with HTML to create dynamic web </a:t>
+              <a:t>combine </a:t>
+            </a:r>
+            <a:r>
+              <a:rPr lang="en-US" dirty="0" smtClean="0"/>
+              <a:t>C# </a:t>
+            </a:r>
+            <a:r>
+              <a:rPr lang="en-US" dirty="0"/>
+              <a:t>code with HTML to create dynamic web </a:t>
             </a:r>
             <a:r>
               <a:rPr lang="en-US" dirty="0" smtClean="0"/>
@@ -19899,7 +20349,7 @@
             </a:pPr>
             <a:r>
               <a:rPr lang="en-US" dirty="0" smtClean="0"/>
-              <a:t>Like PHP: mix HTML code with C# code</a:t>
+              <a:t>Similar to PHP</a:t>
             </a:r>
           </a:p>
           <a:p>
@@ -19910,7 +20360,7 @@
             </a:pPr>
             <a:r>
               <a:rPr lang="en-US" dirty="0" smtClean="0"/>
-              <a:t>Uses the "Razor" templating engine</a:t>
+              <a:t>Uses the "Razor"</a:t>
             </a:r>
           </a:p>
           <a:p>
@@ -19934,11 +20384,11 @@
               <a:t>ASP.NET Web API</a:t>
             </a:r>
             <a:r>
-              <a:rPr lang="en-US" dirty="0"/>
+              <a:rPr lang="en-US" dirty="0" smtClean="0"/>
               <a:t> (</a:t>
             </a:r>
             <a:r>
-              <a:rPr lang="en-US" dirty="0">
+              <a:rPr lang="en-US" dirty="0" smtClean="0">
                 <a:hlinkClick r:id="rId3"/>
               </a:rPr>
               <a:t>read more</a:t>
@@ -19964,7 +20414,11 @@
             </a:pPr>
             <a:r>
               <a:rPr lang="en-US" dirty="0" smtClean="0"/>
-              <a:t>Framework for building </a:t>
+              <a:t>Framework </a:t>
+            </a:r>
+            <a:r>
+              <a:rPr lang="en-US" dirty="0" smtClean="0"/>
+              <a:t>for building </a:t>
             </a:r>
             <a:r>
               <a:rPr lang="en-US" noProof="1" smtClean="0"/>
@@ -20028,6 +20482,30 @@
           </a:p>
         </p:txBody>
       </p:sp>
+      <p:pic>
+        <p:nvPicPr>
+          <p:cNvPr id="5" name="Picture 4"/>
+          <p:cNvPicPr>
+            <a:picLocks noChangeAspect="1"/>
+          </p:cNvPicPr>
+          <p:nvPr/>
+        </p:nvPicPr>
+        <p:blipFill>
+          <a:blip r:embed="rId4"/>
+          <a:stretch>
+            <a:fillRect/>
+          </a:stretch>
+        </p:blipFill>
+        <p:spPr>
+          <a:xfrm>
+            <a:off x="6528619" y="2590800"/>
+            <a:ext cx="2286000" cy="1821484"/>
+          </a:xfrm>
+          <a:prstGeom prst="rect">
+            <a:avLst/>
+          </a:prstGeom>
+        </p:spPr>
+      </p:pic>
     </p:spTree>
     <p:extLst>
       <p:ext uri="{BB962C8B-B14F-4D97-AF65-F5344CB8AC3E}">
@@ -20151,7 +20629,15 @@
             </a:pPr>
             <a:r>
               <a:rPr lang="en-US" dirty="0" smtClean="0"/>
-              <a:t>Combine Web API with client-side JS</a:t>
+              <a:t>Combine </a:t>
+            </a:r>
+            <a:r>
+              <a:rPr lang="en-US" dirty="0" smtClean="0"/>
+              <a:t>ASP.NET Web </a:t>
+            </a:r>
+            <a:r>
+              <a:rPr lang="en-US" dirty="0" smtClean="0"/>
+              <a:t>API with client-side JS</a:t>
             </a:r>
           </a:p>
           <a:p>
@@ -20166,11 +20652,15 @@
             </a:r>
             <a:r>
               <a:rPr lang="en-US" noProof="1" smtClean="0"/>
-              <a:t>jQuery</a:t>
-            </a:r>
-            <a:r>
-              <a:rPr lang="en-US" dirty="0" smtClean="0"/>
-              <a:t> / Knockout.js / other JS client-side framework</a:t>
+              <a:t>AngularJS</a:t>
+            </a:r>
+            <a:r>
+              <a:rPr lang="en-US" dirty="0" smtClean="0"/>
+              <a:t> </a:t>
+            </a:r>
+            <a:r>
+              <a:rPr lang="en-US" dirty="0" smtClean="0"/>
+              <a:t>/ Knockout.js / other JS client-side framework</a:t>
             </a:r>
           </a:p>
           <a:p>
@@ -20229,41 +20719,21 @@
             <a:pPr lvl="1"/>
             <a:r>
               <a:rPr lang="en-US" sz="2800" dirty="0" smtClean="0"/>
-              <a:t>Real-time </a:t>
-            </a:r>
-            <a:r>
-              <a:rPr lang="en-US" sz="2800" dirty="0" smtClean="0"/>
-              <a:t>communication between client (JS) and server (C#) over HTTP through Web </a:t>
-            </a:r>
-            <a:r>
-              <a:rPr lang="en-US" sz="2800" dirty="0" smtClean="0"/>
-              <a:t>Sockets</a:t>
+              <a:t>Real-time communication between client (JS) and server (C#) over HTTP through Web Sockets</a:t>
             </a:r>
           </a:p>
           <a:p>
             <a:pPr lvl="2"/>
             <a:r>
               <a:rPr lang="en-US" sz="2500" dirty="0" smtClean="0"/>
-              <a:t>Server </a:t>
-            </a:r>
-            <a:r>
-              <a:rPr lang="en-US" sz="2500" dirty="0" smtClean="0"/>
-              <a:t>C# code can invoke JS functions at the </a:t>
-            </a:r>
-            <a:r>
-              <a:rPr lang="en-US" sz="2500" dirty="0" smtClean="0"/>
-              <a:t>client</a:t>
+              <a:t>Server C# code can invoke JS functions at the client</a:t>
             </a:r>
           </a:p>
           <a:p>
             <a:pPr lvl="2"/>
             <a:r>
               <a:rPr lang="en-US" sz="2700" dirty="0" smtClean="0"/>
-              <a:t>Client </a:t>
-            </a:r>
-            <a:r>
-              <a:rPr lang="en-US" sz="2700" dirty="0" smtClean="0"/>
-              <a:t>JS </a:t>
+              <a:t>Client JS </a:t>
             </a:r>
             <a:r>
               <a:rPr lang="en-US" sz="2700" dirty="0"/>
